--- a/poster/ICBF-2018-Poster-Johnson_Draft2.pptx
+++ b/poster/ICBF-2018-Poster-Johnson_Draft2.pptx
@@ -3529,7 +3529,7 @@
       </p:grpSpPr>
       <p:pic>
         <p:nvPicPr>
-          <p:cNvPr id="13" name="Picture 12"/>
+          <p:cNvPr id="469" name="Picture 468"/>
           <p:cNvPicPr>
             <a:picLocks noChangeAspect="1"/>
           </p:cNvPicPr>
@@ -3549,8 +3549,8 @@
         </p:blipFill>
         <p:spPr>
           <a:xfrm>
-            <a:off x="31693027" y="4361742"/>
-            <a:ext cx="12198173" cy="8897058"/>
+            <a:off x="31267400" y="4292600"/>
+            <a:ext cx="12623800" cy="8737600"/>
           </a:xfrm>
           <a:prstGeom prst="rect">
             <a:avLst/>
@@ -3898,7 +3898,7 @@
               <a:rPr lang="en-US" sz="3200" dirty="0" smtClean="0">
                 <a:sym typeface="Wingdings" pitchFamily="2" charset="2"/>
               </a:rPr>
-              <a:t>infrastructure </a:t>
+              <a:t>reproducible infrastructure </a:t>
             </a:r>
             <a:r>
               <a:rPr lang="en-US" sz="3200" dirty="0" smtClean="0">
@@ -3940,7 +3940,13 @@
               <a:rPr lang="en-US" sz="3200" dirty="0" smtClean="0">
                 <a:sym typeface="Wingdings" pitchFamily="2" charset="2"/>
               </a:rPr>
-              <a:t>the apples-to-apples </a:t>
+              <a:t>the </a:t>
+            </a:r>
+            <a:r>
+              <a:rPr lang="en-US" sz="3200" dirty="0" smtClean="0">
+                <a:sym typeface="Wingdings" pitchFamily="2" charset="2"/>
+              </a:rPr>
+              <a:t>“apples-to-apples” </a:t>
             </a:r>
             <a:r>
               <a:rPr lang="en-US" sz="3200" dirty="0">
@@ -3961,8 +3967,17 @@
               <a:rPr lang="en-US" sz="3200" dirty="0" smtClean="0">
                 <a:sym typeface="Wingdings" pitchFamily="2" charset="2"/>
               </a:rPr>
-              <a:t>Test hypotheses for gene expression patterns across clades.</a:t>
-            </a:r>
+              <a:t>Test hypotheses for gene expression patterns across </a:t>
+            </a:r>
+            <a:r>
+              <a:rPr lang="en-US" sz="3200" dirty="0" smtClean="0">
+                <a:sym typeface="Wingdings" pitchFamily="2" charset="2"/>
+              </a:rPr>
+              <a:t>clades</a:t>
+            </a:r>
+            <a:endParaRPr lang="en-US" sz="3200" dirty="0" smtClean="0">
+              <a:sym typeface="Wingdings" pitchFamily="2" charset="2"/>
+            </a:endParaRPr>
           </a:p>
         </p:txBody>
       </p:sp>
@@ -4582,7 +4597,7 @@
           <p:nvPr>
             <p:extLst>
               <p:ext uri="{D42A27DB-BD31-4B8C-83A1-F6EECF244321}">
-                <p14:modId xmlns:p14="http://schemas.microsoft.com/office/powerpoint/2010/main" val="513962240"/>
+                <p14:modId xmlns:p14="http://schemas.microsoft.com/office/powerpoint/2010/main" val="1866768008"/>
               </p:ext>
             </p:extLst>
           </p:nvPr>
@@ -4683,18 +4698,91 @@
                     <a:p>
                       <a:pPr algn="ctr" fontAlgn="ctr"/>
                       <a:r>
-                        <a:rPr lang="en-US" sz="3200" b="1" u="none" strike="noStrike" dirty="0">
+                        <a:rPr lang="en-US" sz="3200" b="1" u="none" strike="noStrike" dirty="0" smtClean="0">
+                          <a:effectLst/>
+                        </a:rPr>
+                        <a:t>Native</a:t>
+                      </a:r>
+                    </a:p>
+                    <a:p>
+                      <a:pPr algn="ctr" fontAlgn="ctr"/>
+                      <a:r>
+                        <a:rPr lang="en-US" sz="3200" b="1" u="none" strike="noStrike" dirty="0" smtClean="0">
                           <a:effectLst/>
                         </a:rPr>
                         <a:t>Physiology</a:t>
                       </a:r>
-                      <a:endParaRPr lang="en-US" sz="3200" b="1" i="0" u="none" strike="noStrike" dirty="0">
-                        <a:solidFill>
-                          <a:srgbClr val="333333"/>
-                        </a:solidFill>
-                        <a:effectLst/>
-                        <a:latin typeface="Helvetica Neue" charset="0"/>
-                      </a:endParaRPr>
+                    </a:p>
+                    <a:p>
+                      <a:pPr marL="0" marR="0" indent="0" algn="ctr" defTabSz="4389120" rtl="0" eaLnBrk="1" fontAlgn="ctr" latinLnBrk="0" hangingPunct="1">
+                        <a:lnSpc>
+                          <a:spcPct val="100000"/>
+                        </a:lnSpc>
+                        <a:spcBef>
+                          <a:spcPts val="0"/>
+                        </a:spcBef>
+                        <a:spcAft>
+                          <a:spcPts val="0"/>
+                        </a:spcAft>
+                        <a:buClrTx/>
+                        <a:buSzTx/>
+                        <a:buFontTx/>
+                        <a:buNone/>
+                        <a:tabLst/>
+                        <a:defRPr/>
+                      </a:pPr>
+                      <a:r>
+                        <a:rPr lang="en-US" sz="1800" b="1" i="0" u="none" strike="noStrike" dirty="0" smtClean="0">
+                          <a:solidFill>
+                            <a:srgbClr val="333333"/>
+                          </a:solidFill>
+                          <a:effectLst/>
+                          <a:latin typeface="Helvetica Neue" charset="0"/>
+                        </a:rPr>
+                        <a:t>BW = Brackish Water</a:t>
+                      </a:r>
+                    </a:p>
+                    <a:p>
+                      <a:pPr marL="0" marR="0" indent="0" algn="ctr" defTabSz="4389120" rtl="0" eaLnBrk="1" fontAlgn="ctr" latinLnBrk="0" hangingPunct="1">
+                        <a:lnSpc>
+                          <a:spcPct val="100000"/>
+                        </a:lnSpc>
+                        <a:spcBef>
+                          <a:spcPts val="0"/>
+                        </a:spcBef>
+                        <a:spcAft>
+                          <a:spcPts val="0"/>
+                        </a:spcAft>
+                        <a:buClrTx/>
+                        <a:buSzTx/>
+                        <a:buFontTx/>
+                        <a:buNone/>
+                        <a:tabLst/>
+                        <a:defRPr/>
+                      </a:pPr>
+                      <a:r>
+                        <a:rPr lang="en-US" sz="1800" b="1" i="0" u="none" strike="noStrike" dirty="0" smtClean="0">
+                          <a:solidFill>
+                            <a:srgbClr val="333333"/>
+                          </a:solidFill>
+                          <a:effectLst/>
+                          <a:latin typeface="Helvetica Neue" charset="0"/>
+                        </a:rPr>
+                        <a:t>FW = Freshwater </a:t>
+                      </a:r>
+                    </a:p>
+                    <a:p>
+                      <a:pPr algn="ctr" fontAlgn="ctr"/>
+                      <a:r>
+                        <a:rPr lang="en-US" sz="1800" b="1" i="0" u="none" strike="noStrike" dirty="0" smtClean="0">
+                          <a:solidFill>
+                            <a:srgbClr val="333333"/>
+                          </a:solidFill>
+                          <a:effectLst/>
+                          <a:latin typeface="Helvetica Neue" charset="0"/>
+                        </a:rPr>
+                        <a:t>M = Marine</a:t>
+                      </a:r>
                     </a:p>
                   </a:txBody>
                   <a:tcPr marL="6350" marR="6350" marT="6350" marB="0" anchor="ctr">
@@ -4872,7 +4960,25 @@
                         <a:rPr lang="en-US" sz="3200" b="1" u="none" strike="noStrike" dirty="0" smtClean="0">
                           <a:effectLst/>
                         </a:rPr>
-                        <a:t>Quality Trimmed (Q&gt;2) </a:t>
+                        <a:t>Quality Trimmed </a:t>
+                      </a:r>
+                      <a:endParaRPr lang="en-US" sz="3200" b="1" u="none" strike="noStrike" dirty="0" smtClean="0">
+                        <a:effectLst/>
+                      </a:endParaRPr>
+                    </a:p>
+                    <a:p>
+                      <a:pPr algn="ctr" fontAlgn="ctr"/>
+                      <a:r>
+                        <a:rPr lang="en-US" sz="3200" b="1" u="none" strike="noStrike" dirty="0" smtClean="0">
+                          <a:effectLst/>
+                        </a:rPr>
+                        <a:t>(</a:t>
+                      </a:r>
+                      <a:r>
+                        <a:rPr lang="en-US" sz="3200" b="1" u="none" strike="noStrike" dirty="0" smtClean="0">
+                          <a:effectLst/>
+                        </a:rPr>
+                        <a:t>Q&gt;2) </a:t>
                       </a:r>
                       <a:r>
                         <a:rPr lang="en-US" sz="3200" b="1" u="none" strike="noStrike" dirty="0">
@@ -5014,7 +5120,7 @@
                         <a:rPr lang="en-US" sz="3200" b="1" u="none" strike="noStrike" dirty="0" err="1" smtClean="0">
                           <a:effectLst/>
                         </a:rPr>
-                        <a:t>Contigs</a:t>
+                        <a:t>contigs</a:t>
                       </a:r>
                       <a:endParaRPr lang="en-US" sz="3200" b="1" i="0" u="none" strike="noStrike" dirty="0">
                         <a:solidFill>
@@ -5148,7 +5254,27 @@
                           <a:effectLst/>
                           <a:latin typeface="+mn-lt"/>
                         </a:rPr>
-                        <a:t>Unique Gene Names</a:t>
+                        <a:t>Unique </a:t>
+                      </a:r>
+                      <a:r>
+                        <a:rPr lang="en-US" sz="3200" b="1" i="0" u="none" strike="noStrike" dirty="0" smtClean="0">
+                          <a:solidFill>
+                            <a:srgbClr val="333333"/>
+                          </a:solidFill>
+                          <a:effectLst/>
+                          <a:latin typeface="+mn-lt"/>
+                        </a:rPr>
+                        <a:t>gene </a:t>
+                      </a:r>
+                      <a:r>
+                        <a:rPr lang="en-US" sz="3200" b="1" i="0" u="none" strike="noStrike" dirty="0" smtClean="0">
+                          <a:solidFill>
+                            <a:srgbClr val="333333"/>
+                          </a:solidFill>
+                          <a:effectLst/>
+                          <a:latin typeface="+mn-lt"/>
+                        </a:rPr>
+                        <a:t>Names</a:t>
                       </a:r>
                       <a:endParaRPr lang="en-US" sz="3200" b="1" i="0" u="none" strike="noStrike" dirty="0">
                         <a:solidFill>
@@ -5425,12 +5551,12 @@
                     <a:p>
                       <a:pPr algn="ctr" fontAlgn="ctr"/>
                       <a:r>
-                        <a:rPr lang="en-US" sz="3200" u="none" strike="noStrike">
+                        <a:rPr lang="en-US" sz="3200" u="none" strike="noStrike" dirty="0">
                           <a:effectLst/>
                         </a:rPr>
                         <a:t>M</a:t>
                       </a:r>
-                      <a:endParaRPr lang="en-US" sz="3200" b="0" i="0" u="none" strike="noStrike">
+                      <a:endParaRPr lang="en-US" sz="3200" b="0" i="0" u="none" strike="noStrike" dirty="0">
                         <a:solidFill>
                           <a:srgbClr val="333333"/>
                         </a:solidFill>
@@ -7830,10 +7956,22 @@
                         <a:t> </a:t>
                       </a:r>
                       <a:r>
+                        <a:rPr lang="en-US" sz="3200" i="1" u="none" strike="noStrike" dirty="0" err="1" smtClean="0">
+                          <a:effectLst/>
+                        </a:rPr>
+                        <a:t>heteroclitus</a:t>
+                      </a:r>
+                      <a:r>
                         <a:rPr lang="en-US" sz="3200" i="1" u="none" strike="noStrike" dirty="0" smtClean="0">
                           <a:effectLst/>
                         </a:rPr>
-                        <a:t>heteroclitus1</a:t>
+                        <a:t> </a:t>
+                      </a:r>
+                      <a:r>
+                        <a:rPr lang="en-US" sz="3200" i="0" u="none" strike="noStrike" dirty="0" smtClean="0">
+                          <a:effectLst/>
+                        </a:rPr>
+                        <a:t>1</a:t>
                       </a:r>
                       <a:endParaRPr lang="en-US" sz="3200" b="0" i="1" u="none" strike="noStrike" dirty="0">
                         <a:solidFill>
@@ -8314,10 +8452,22 @@
                         <a:t> </a:t>
                       </a:r>
                       <a:r>
-                        <a:rPr lang="en-US" sz="3200" i="1" u="none" strike="noStrike" dirty="0" smtClean="0">
-                          <a:effectLst/>
-                        </a:rPr>
-                        <a:t>heteroclitus2</a:t>
+                        <a:rPr lang="en-US" sz="3200" i="1" u="none" strike="noStrike" dirty="0" err="1" smtClean="0">
+                          <a:effectLst/>
+                        </a:rPr>
+                        <a:t>heteroclitus</a:t>
+                      </a:r>
+                      <a:r>
+                        <a:rPr lang="en-US" sz="3200" i="1" u="none" strike="noStrike" baseline="0" dirty="0" smtClean="0">
+                          <a:effectLst/>
+                        </a:rPr>
+                        <a:t> </a:t>
+                      </a:r>
+                      <a:r>
+                        <a:rPr lang="en-US" sz="3200" i="0" u="none" strike="noStrike" baseline="0" dirty="0" smtClean="0">
+                          <a:effectLst/>
+                        </a:rPr>
+                        <a:t>2</a:t>
                       </a:r>
                       <a:endParaRPr lang="en-US" sz="3200" b="0" i="1" u="none" strike="noStrike" dirty="0">
                         <a:solidFill>
@@ -13632,2853 +13782,13 @@
       </p:graphicFrame>
       <p:sp>
         <p:nvSpPr>
-          <p:cNvPr id="176" name="Shape 197"/>
-          <p:cNvSpPr/>
-          <p:nvPr/>
-        </p:nvSpPr>
-        <p:spPr>
-          <a:xfrm>
-            <a:off x="14720843" y="27044680"/>
-            <a:ext cx="190967" cy="182693"/>
-          </a:xfrm>
-          <a:prstGeom prst="rect">
-            <a:avLst/>
-          </a:prstGeom>
-          <a:solidFill>
-            <a:srgbClr val="0000FF"/>
-          </a:solidFill>
-          <a:ln w="9525" cap="flat" cmpd="sng">
-            <a:solidFill>
-              <a:schemeClr val="dk2"/>
-            </a:solidFill>
-            <a:prstDash val="solid"/>
-            <a:round/>
-            <a:headEnd type="none" w="med" len="med"/>
-            <a:tailEnd type="none" w="med" len="med"/>
-          </a:ln>
-        </p:spPr>
-        <p:txBody>
-          <a:bodyPr lIns="91425" tIns="91425" rIns="91425" bIns="91425" anchor="ctr" anchorCtr="0">
-            <a:noAutofit/>
-          </a:bodyPr>
-          <a:lstStyle/>
-          <a:p>
-            <a:pPr lvl="0">
-              <a:spcBef>
-                <a:spcPts val="0"/>
-              </a:spcBef>
-              <a:buNone/>
-            </a:pPr>
-            <a:endParaRPr/>
-          </a:p>
-        </p:txBody>
-      </p:sp>
-      <p:sp>
-        <p:nvSpPr>
-          <p:cNvPr id="177" name="Shape 301"/>
-          <p:cNvSpPr/>
-          <p:nvPr/>
-        </p:nvSpPr>
-        <p:spPr>
-          <a:xfrm>
-            <a:off x="13843399" y="27054132"/>
-            <a:ext cx="190967" cy="182693"/>
-          </a:xfrm>
-          <a:prstGeom prst="rect">
-            <a:avLst/>
-          </a:prstGeom>
-          <a:solidFill>
-            <a:srgbClr val="0000FF"/>
-          </a:solidFill>
-          <a:ln w="9525" cap="flat" cmpd="sng">
-            <a:solidFill>
-              <a:schemeClr val="dk2"/>
-            </a:solidFill>
-            <a:prstDash val="solid"/>
-            <a:round/>
-            <a:headEnd type="none" w="med" len="med"/>
-            <a:tailEnd type="none" w="med" len="med"/>
-          </a:ln>
-        </p:spPr>
-        <p:txBody>
-          <a:bodyPr lIns="91425" tIns="91425" rIns="91425" bIns="91425" anchor="ctr" anchorCtr="0">
-            <a:noAutofit/>
-          </a:bodyPr>
-          <a:lstStyle/>
-          <a:p>
-            <a:pPr lvl="0">
-              <a:spcBef>
-                <a:spcPts val="0"/>
-              </a:spcBef>
-              <a:buNone/>
-            </a:pPr>
-            <a:endParaRPr/>
-          </a:p>
-        </p:txBody>
-      </p:sp>
-      <p:sp>
-        <p:nvSpPr>
-          <p:cNvPr id="178" name="Shape 196"/>
-          <p:cNvSpPr/>
-          <p:nvPr/>
-        </p:nvSpPr>
-        <p:spPr>
-          <a:xfrm>
-            <a:off x="12995652" y="28365029"/>
-            <a:ext cx="190967" cy="182693"/>
-          </a:xfrm>
-          <a:prstGeom prst="rect">
-            <a:avLst/>
-          </a:prstGeom>
-          <a:solidFill>
-            <a:srgbClr val="0000FF"/>
-          </a:solidFill>
-          <a:ln w="9525" cap="flat" cmpd="sng">
-            <a:solidFill>
-              <a:schemeClr val="dk2"/>
-            </a:solidFill>
-            <a:prstDash val="solid"/>
-            <a:round/>
-            <a:headEnd type="none" w="med" len="med"/>
-            <a:tailEnd type="none" w="med" len="med"/>
-          </a:ln>
-        </p:spPr>
-        <p:txBody>
-          <a:bodyPr lIns="91425" tIns="91425" rIns="91425" bIns="91425" anchor="ctr" anchorCtr="0">
-            <a:noAutofit/>
-          </a:bodyPr>
-          <a:lstStyle/>
-          <a:p>
-            <a:pPr lvl="0">
-              <a:spcBef>
-                <a:spcPts val="0"/>
-              </a:spcBef>
-              <a:buNone/>
-            </a:pPr>
-            <a:endParaRPr/>
-          </a:p>
-        </p:txBody>
-      </p:sp>
-      <p:sp>
-        <p:nvSpPr>
-          <p:cNvPr id="179" name="Shape 186"/>
-          <p:cNvSpPr txBox="1"/>
-          <p:nvPr/>
-        </p:nvSpPr>
-        <p:spPr>
-          <a:xfrm>
-            <a:off x="12996390" y="31984374"/>
-            <a:ext cx="1329768" cy="312827"/>
-          </a:xfrm>
-          <a:prstGeom prst="rect">
-            <a:avLst/>
-          </a:prstGeom>
-          <a:noFill/>
-          <a:ln>
-            <a:noFill/>
-          </a:ln>
-        </p:spPr>
-        <p:txBody>
-          <a:bodyPr lIns="91425" tIns="91425" rIns="91425" bIns="91425" anchor="t" anchorCtr="0">
-            <a:noAutofit/>
-          </a:bodyPr>
-          <a:lstStyle/>
-          <a:p>
-            <a:pPr lvl="0">
-              <a:spcBef>
-                <a:spcPts val="0"/>
-              </a:spcBef>
-              <a:buNone/>
-            </a:pPr>
-            <a:r>
-              <a:rPr lang="en-US" sz="2400" b="1" dirty="0" smtClean="0"/>
-              <a:t>Clade 1</a:t>
-            </a:r>
-            <a:endParaRPr lang="en" sz="2400" b="1" dirty="0"/>
-          </a:p>
-        </p:txBody>
-      </p:sp>
-      <p:sp>
-        <p:nvSpPr>
-          <p:cNvPr id="180" name="Shape 186"/>
-          <p:cNvSpPr txBox="1"/>
-          <p:nvPr/>
-        </p:nvSpPr>
-        <p:spPr>
-          <a:xfrm>
-            <a:off x="15954049" y="31994395"/>
-            <a:ext cx="1300153" cy="310957"/>
-          </a:xfrm>
-          <a:prstGeom prst="rect">
-            <a:avLst/>
-          </a:prstGeom>
-          <a:noFill/>
-          <a:ln>
-            <a:noFill/>
-          </a:ln>
-        </p:spPr>
-        <p:txBody>
-          <a:bodyPr lIns="91425" tIns="91425" rIns="91425" bIns="91425" anchor="t" anchorCtr="0">
-            <a:noAutofit/>
-          </a:bodyPr>
-          <a:lstStyle/>
-          <a:p>
-            <a:pPr lvl="0">
-              <a:spcBef>
-                <a:spcPts val="0"/>
-              </a:spcBef>
-              <a:buNone/>
-            </a:pPr>
-            <a:r>
-              <a:rPr lang="en-US" sz="2400" b="1" dirty="0" smtClean="0"/>
-              <a:t>Clade 2</a:t>
-            </a:r>
-            <a:endParaRPr lang="en" sz="2400" b="1" dirty="0"/>
-          </a:p>
-        </p:txBody>
-      </p:sp>
-      <p:sp>
-        <p:nvSpPr>
-          <p:cNvPr id="181" name="Shape 186"/>
-          <p:cNvSpPr txBox="1"/>
-          <p:nvPr/>
-        </p:nvSpPr>
-        <p:spPr>
-          <a:xfrm>
-            <a:off x="19273264" y="32002546"/>
-            <a:ext cx="1546108" cy="302806"/>
-          </a:xfrm>
-          <a:prstGeom prst="rect">
-            <a:avLst/>
-          </a:prstGeom>
-          <a:noFill/>
-          <a:ln>
-            <a:noFill/>
-          </a:ln>
-        </p:spPr>
-        <p:txBody>
-          <a:bodyPr lIns="91425" tIns="91425" rIns="91425" bIns="91425" anchor="t" anchorCtr="0">
-            <a:noAutofit/>
-          </a:bodyPr>
-          <a:lstStyle/>
-          <a:p>
-            <a:pPr lvl="0">
-              <a:spcBef>
-                <a:spcPts val="0"/>
-              </a:spcBef>
-              <a:buNone/>
-            </a:pPr>
-            <a:r>
-              <a:rPr lang="en-US" sz="2400" b="1" dirty="0" smtClean="0"/>
-              <a:t>Clade 3</a:t>
-            </a:r>
-            <a:endParaRPr lang="en" sz="2400" b="1" dirty="0"/>
-          </a:p>
-        </p:txBody>
-      </p:sp>
-      <p:cxnSp>
-        <p:nvCxnSpPr>
-          <p:cNvPr id="182" name="Shape 181"/>
-          <p:cNvCxnSpPr/>
-          <p:nvPr/>
-        </p:nvCxnSpPr>
-        <p:spPr>
-          <a:xfrm>
-            <a:off x="12599890" y="26724389"/>
-            <a:ext cx="0" cy="2118960"/>
-          </a:xfrm>
-          <a:prstGeom prst="straightConnector1">
-            <a:avLst/>
-          </a:prstGeom>
-          <a:noFill/>
-          <a:ln w="9525" cap="flat" cmpd="sng">
-            <a:solidFill>
-              <a:schemeClr val="dk2"/>
-            </a:solidFill>
-            <a:prstDash val="solid"/>
-            <a:round/>
-            <a:headEnd type="none" w="lg" len="lg"/>
-            <a:tailEnd type="none" w="lg" len="lg"/>
-          </a:ln>
-        </p:spPr>
-      </p:cxnSp>
-      <p:cxnSp>
-        <p:nvCxnSpPr>
-          <p:cNvPr id="183" name="Shape 182"/>
-          <p:cNvCxnSpPr/>
-          <p:nvPr/>
-        </p:nvCxnSpPr>
-        <p:spPr>
-          <a:xfrm>
-            <a:off x="12598913" y="28829741"/>
-            <a:ext cx="2395158" cy="0"/>
-          </a:xfrm>
-          <a:prstGeom prst="straightConnector1">
-            <a:avLst/>
-          </a:prstGeom>
-          <a:noFill/>
-          <a:ln w="9525" cap="flat" cmpd="sng">
-            <a:solidFill>
-              <a:schemeClr val="dk2"/>
-            </a:solidFill>
-            <a:prstDash val="solid"/>
-            <a:round/>
-            <a:headEnd type="none" w="lg" len="lg"/>
-            <a:tailEnd type="none" w="lg" len="lg"/>
-          </a:ln>
-        </p:spPr>
-      </p:cxnSp>
-      <p:cxnSp>
-        <p:nvCxnSpPr>
-          <p:cNvPr id="186" name="Shape 183"/>
-          <p:cNvCxnSpPr/>
-          <p:nvPr/>
-        </p:nvCxnSpPr>
-        <p:spPr>
-          <a:xfrm>
-            <a:off x="13061788" y="28777556"/>
-            <a:ext cx="0" cy="182693"/>
-          </a:xfrm>
-          <a:prstGeom prst="straightConnector1">
-            <a:avLst/>
-          </a:prstGeom>
-          <a:noFill/>
-          <a:ln w="9525" cap="flat" cmpd="sng">
-            <a:solidFill>
-              <a:schemeClr val="dk2"/>
-            </a:solidFill>
-            <a:prstDash val="solid"/>
-            <a:round/>
-            <a:headEnd type="none" w="lg" len="lg"/>
-            <a:tailEnd type="none" w="lg" len="lg"/>
-          </a:ln>
-        </p:spPr>
-      </p:cxnSp>
-      <p:cxnSp>
-        <p:nvCxnSpPr>
-          <p:cNvPr id="192" name="Shape 184"/>
-          <p:cNvCxnSpPr/>
-          <p:nvPr/>
-        </p:nvCxnSpPr>
-        <p:spPr>
-          <a:xfrm>
-            <a:off x="13935389" y="28777556"/>
-            <a:ext cx="0" cy="182693"/>
-          </a:xfrm>
-          <a:prstGeom prst="straightConnector1">
-            <a:avLst/>
-          </a:prstGeom>
-          <a:noFill/>
-          <a:ln w="9525" cap="flat" cmpd="sng">
-            <a:solidFill>
-              <a:schemeClr val="dk2"/>
-            </a:solidFill>
-            <a:prstDash val="solid"/>
-            <a:round/>
-            <a:headEnd type="none" w="lg" len="lg"/>
-            <a:tailEnd type="none" w="lg" len="lg"/>
-          </a:ln>
-        </p:spPr>
-      </p:cxnSp>
-      <p:cxnSp>
-        <p:nvCxnSpPr>
-          <p:cNvPr id="193" name="Shape 185"/>
-          <p:cNvCxnSpPr/>
-          <p:nvPr/>
-        </p:nvCxnSpPr>
-        <p:spPr>
-          <a:xfrm>
-            <a:off x="14816326" y="28777556"/>
-            <a:ext cx="0" cy="182693"/>
-          </a:xfrm>
-          <a:prstGeom prst="straightConnector1">
-            <a:avLst/>
-          </a:prstGeom>
-          <a:noFill/>
-          <a:ln w="9525" cap="flat" cmpd="sng">
-            <a:solidFill>
-              <a:schemeClr val="dk2"/>
-            </a:solidFill>
-            <a:prstDash val="solid"/>
-            <a:round/>
-            <a:headEnd type="none" w="lg" len="lg"/>
-            <a:tailEnd type="none" w="lg" len="lg"/>
-          </a:ln>
-        </p:spPr>
-      </p:cxnSp>
-      <p:sp>
-        <p:nvSpPr>
-          <p:cNvPr id="194" name="Shape 186"/>
-          <p:cNvSpPr txBox="1"/>
-          <p:nvPr/>
-        </p:nvSpPr>
-        <p:spPr>
-          <a:xfrm>
-            <a:off x="12741160" y="28946875"/>
-            <a:ext cx="844177" cy="312827"/>
-          </a:xfrm>
-          <a:prstGeom prst="rect">
-            <a:avLst/>
-          </a:prstGeom>
-          <a:noFill/>
-          <a:ln>
-            <a:noFill/>
-          </a:ln>
-        </p:spPr>
-        <p:txBody>
-          <a:bodyPr lIns="91425" tIns="91425" rIns="91425" bIns="91425" anchor="t" anchorCtr="0">
-            <a:noAutofit/>
-          </a:bodyPr>
-          <a:lstStyle/>
-          <a:p>
-            <a:pPr lvl="0">
-              <a:spcBef>
-                <a:spcPts val="0"/>
-              </a:spcBef>
-              <a:buNone/>
-            </a:pPr>
-            <a:r>
-              <a:rPr lang="en" sz="1800" dirty="0"/>
-              <a:t>0.2ppt</a:t>
-            </a:r>
-          </a:p>
-        </p:txBody>
-      </p:sp>
-      <p:sp>
-        <p:nvSpPr>
-          <p:cNvPr id="195" name="Shape 187"/>
-          <p:cNvSpPr txBox="1"/>
-          <p:nvPr/>
-        </p:nvSpPr>
-        <p:spPr>
-          <a:xfrm>
-            <a:off x="13764541" y="28946875"/>
-            <a:ext cx="484859" cy="312827"/>
-          </a:xfrm>
-          <a:prstGeom prst="rect">
-            <a:avLst/>
-          </a:prstGeom>
-          <a:noFill/>
-          <a:ln>
-            <a:noFill/>
-          </a:ln>
-        </p:spPr>
-        <p:txBody>
-          <a:bodyPr lIns="91425" tIns="91425" rIns="91425" bIns="91425" anchor="t" anchorCtr="0">
-            <a:noAutofit/>
-          </a:bodyPr>
-          <a:lstStyle/>
-          <a:p>
-            <a:pPr lvl="0" rtl="0">
-              <a:spcBef>
-                <a:spcPts val="0"/>
-              </a:spcBef>
-              <a:buNone/>
-            </a:pPr>
-            <a:r>
-              <a:rPr lang="en" sz="1800" dirty="0"/>
-              <a:t>TR</a:t>
-            </a:r>
-          </a:p>
-        </p:txBody>
-      </p:sp>
-      <p:sp>
-        <p:nvSpPr>
-          <p:cNvPr id="198" name="Shape 188"/>
-          <p:cNvSpPr txBox="1"/>
-          <p:nvPr/>
-        </p:nvSpPr>
-        <p:spPr>
-          <a:xfrm>
-            <a:off x="14456773" y="28946875"/>
-            <a:ext cx="841140" cy="312827"/>
-          </a:xfrm>
-          <a:prstGeom prst="rect">
-            <a:avLst/>
-          </a:prstGeom>
-          <a:noFill/>
-          <a:ln>
-            <a:noFill/>
-          </a:ln>
-        </p:spPr>
-        <p:txBody>
-          <a:bodyPr lIns="91425" tIns="91425" rIns="91425" bIns="91425" anchor="t" anchorCtr="0">
-            <a:noAutofit/>
-          </a:bodyPr>
-          <a:lstStyle/>
-          <a:p>
-            <a:pPr lvl="0" rtl="0">
-              <a:spcBef>
-                <a:spcPts val="0"/>
-              </a:spcBef>
-              <a:buNone/>
-            </a:pPr>
-            <a:r>
-              <a:rPr lang="en" sz="1800" dirty="0"/>
-              <a:t>15 ppt</a:t>
-            </a:r>
-          </a:p>
-        </p:txBody>
-      </p:sp>
-      <p:sp>
-        <p:nvSpPr>
-          <p:cNvPr id="199" name="Shape 189"/>
-          <p:cNvSpPr txBox="1"/>
-          <p:nvPr/>
-        </p:nvSpPr>
-        <p:spPr>
-          <a:xfrm rot="16200000">
-            <a:off x="11299967" y="27453486"/>
-            <a:ext cx="2010391" cy="437098"/>
-          </a:xfrm>
-          <a:prstGeom prst="rect">
-            <a:avLst/>
-          </a:prstGeom>
-          <a:noFill/>
-          <a:ln>
-            <a:noFill/>
-          </a:ln>
-        </p:spPr>
-        <p:txBody>
-          <a:bodyPr lIns="91425" tIns="91425" rIns="91425" bIns="91425" anchor="t" anchorCtr="0">
-            <a:noAutofit/>
-          </a:bodyPr>
-          <a:lstStyle/>
-          <a:p>
-            <a:pPr lvl="0">
-              <a:spcBef>
-                <a:spcPts val="0"/>
-              </a:spcBef>
-              <a:buNone/>
-            </a:pPr>
-            <a:r>
-              <a:rPr lang="en" sz="1800" dirty="0"/>
-              <a:t>Expression </a:t>
-            </a:r>
-            <a:r>
-              <a:rPr lang="en" sz="1800" dirty="0" smtClean="0"/>
-              <a:t>Gene</a:t>
-            </a:r>
-            <a:r>
-              <a:rPr lang="en-US" sz="1600" dirty="0" smtClean="0"/>
-              <a:t> </a:t>
-            </a:r>
-            <a:r>
-              <a:rPr lang="en" sz="1600" dirty="0" smtClean="0"/>
-              <a:t>A</a:t>
-            </a:r>
-            <a:endParaRPr lang="en" sz="1600" dirty="0"/>
-          </a:p>
-        </p:txBody>
-      </p:sp>
-      <p:sp>
-        <p:nvSpPr>
-          <p:cNvPr id="200" name="Shape 194"/>
-          <p:cNvSpPr/>
-          <p:nvPr/>
-        </p:nvSpPr>
-        <p:spPr>
-          <a:xfrm>
-            <a:off x="12966305" y="28359891"/>
-            <a:ext cx="190967" cy="182693"/>
-          </a:xfrm>
-          <a:prstGeom prst="triangle">
-            <a:avLst>
-              <a:gd name="adj" fmla="val 50000"/>
-            </a:avLst>
-          </a:prstGeom>
-          <a:solidFill>
-            <a:srgbClr val="FF0000"/>
-          </a:solidFill>
-          <a:ln w="9525" cap="flat" cmpd="sng">
-            <a:solidFill>
-              <a:schemeClr val="dk2"/>
-            </a:solidFill>
-            <a:prstDash val="solid"/>
-            <a:round/>
-            <a:headEnd type="none" w="med" len="med"/>
-            <a:tailEnd type="none" w="med" len="med"/>
-          </a:ln>
-        </p:spPr>
-        <p:txBody>
-          <a:bodyPr lIns="91425" tIns="91425" rIns="91425" bIns="91425" anchor="ctr" anchorCtr="0">
-            <a:noAutofit/>
-          </a:bodyPr>
-          <a:lstStyle/>
-          <a:p>
-            <a:pPr lvl="0">
-              <a:spcBef>
-                <a:spcPts val="0"/>
-              </a:spcBef>
-              <a:buNone/>
-            </a:pPr>
-            <a:endParaRPr/>
-          </a:p>
-        </p:txBody>
-      </p:sp>
-      <p:sp>
-        <p:nvSpPr>
-          <p:cNvPr id="201" name="Shape 195"/>
-          <p:cNvSpPr/>
-          <p:nvPr/>
-        </p:nvSpPr>
-        <p:spPr>
-          <a:xfrm>
-            <a:off x="14692457" y="28367064"/>
-            <a:ext cx="190967" cy="182693"/>
-          </a:xfrm>
-          <a:prstGeom prst="triangle">
-            <a:avLst>
-              <a:gd name="adj" fmla="val 50000"/>
-            </a:avLst>
-          </a:prstGeom>
-          <a:solidFill>
-            <a:srgbClr val="FF0000"/>
-          </a:solidFill>
-          <a:ln w="9525" cap="flat" cmpd="sng">
-            <a:solidFill>
-              <a:schemeClr val="dk2"/>
-            </a:solidFill>
-            <a:prstDash val="solid"/>
-            <a:round/>
-            <a:headEnd type="none" w="med" len="med"/>
-            <a:tailEnd type="none" w="med" len="med"/>
-          </a:ln>
-        </p:spPr>
-        <p:txBody>
-          <a:bodyPr lIns="91425" tIns="91425" rIns="91425" bIns="91425" anchor="ctr" anchorCtr="0">
-            <a:noAutofit/>
-          </a:bodyPr>
-          <a:lstStyle/>
-          <a:p>
-            <a:pPr lvl="0">
-              <a:spcBef>
-                <a:spcPts val="0"/>
-              </a:spcBef>
-              <a:buNone/>
-            </a:pPr>
-            <a:endParaRPr/>
-          </a:p>
-        </p:txBody>
-      </p:sp>
-      <p:sp>
-        <p:nvSpPr>
-          <p:cNvPr id="208" name="Shape 300"/>
-          <p:cNvSpPr/>
-          <p:nvPr/>
-        </p:nvSpPr>
-        <p:spPr>
-          <a:xfrm>
-            <a:off x="13842144" y="28364496"/>
-            <a:ext cx="190967" cy="182693"/>
-          </a:xfrm>
-          <a:prstGeom prst="triangle">
-            <a:avLst>
-              <a:gd name="adj" fmla="val 50000"/>
-            </a:avLst>
-          </a:prstGeom>
-          <a:solidFill>
-            <a:srgbClr val="FF0000"/>
-          </a:solidFill>
-          <a:ln w="9525" cap="flat" cmpd="sng">
-            <a:solidFill>
-              <a:schemeClr val="dk2"/>
-            </a:solidFill>
-            <a:prstDash val="solid"/>
-            <a:round/>
-            <a:headEnd type="none" w="med" len="med"/>
-            <a:tailEnd type="none" w="med" len="med"/>
-          </a:ln>
-        </p:spPr>
-        <p:txBody>
-          <a:bodyPr lIns="91425" tIns="91425" rIns="91425" bIns="91425" anchor="ctr" anchorCtr="0">
-            <a:noAutofit/>
-          </a:bodyPr>
-          <a:lstStyle/>
-          <a:p>
-            <a:pPr lvl="0">
-              <a:spcBef>
-                <a:spcPts val="0"/>
-              </a:spcBef>
-              <a:buNone/>
-            </a:pPr>
-            <a:endParaRPr/>
-          </a:p>
-        </p:txBody>
-      </p:sp>
-      <p:cxnSp>
-        <p:nvCxnSpPr>
-          <p:cNvPr id="210" name="Shape 354"/>
-          <p:cNvCxnSpPr>
-            <a:stCxn id="200" idx="5"/>
-          </p:cNvCxnSpPr>
-          <p:nvPr/>
-        </p:nvCxnSpPr>
-        <p:spPr>
-          <a:xfrm flipV="1">
-            <a:off x="13109530" y="27167342"/>
-            <a:ext cx="734044" cy="1283896"/>
-          </a:xfrm>
-          <a:prstGeom prst="straightConnector1">
-            <a:avLst/>
-          </a:prstGeom>
-          <a:noFill/>
-          <a:ln w="9525" cap="flat" cmpd="sng">
-            <a:solidFill>
-              <a:schemeClr val="dk2"/>
-            </a:solidFill>
-            <a:prstDash val="solid"/>
-            <a:round/>
-            <a:headEnd type="none" w="lg" len="lg"/>
-            <a:tailEnd type="none" w="lg" len="lg"/>
-          </a:ln>
-        </p:spPr>
-      </p:cxnSp>
-      <p:cxnSp>
-        <p:nvCxnSpPr>
-          <p:cNvPr id="211" name="Shape 355"/>
-          <p:cNvCxnSpPr>
-            <a:stCxn id="177" idx="3"/>
-            <a:endCxn id="176" idx="1"/>
-          </p:cNvCxnSpPr>
-          <p:nvPr/>
-        </p:nvCxnSpPr>
-        <p:spPr>
-          <a:xfrm flipV="1">
-            <a:off x="14034366" y="27136027"/>
-            <a:ext cx="686477" cy="9452"/>
-          </a:xfrm>
-          <a:prstGeom prst="straightConnector1">
-            <a:avLst/>
-          </a:prstGeom>
-          <a:noFill/>
-          <a:ln w="9525" cap="flat" cmpd="sng">
-            <a:solidFill>
-              <a:schemeClr val="dk2"/>
-            </a:solidFill>
-            <a:prstDash val="solid"/>
-            <a:round/>
-            <a:headEnd type="none" w="lg" len="lg"/>
-            <a:tailEnd type="none" w="lg" len="lg"/>
-          </a:ln>
-        </p:spPr>
-      </p:cxnSp>
-      <p:cxnSp>
-        <p:nvCxnSpPr>
-          <p:cNvPr id="213" name="Shape 356"/>
-          <p:cNvCxnSpPr>
-            <a:endCxn id="208" idx="1"/>
-          </p:cNvCxnSpPr>
-          <p:nvPr/>
-        </p:nvCxnSpPr>
-        <p:spPr>
-          <a:xfrm>
-            <a:off x="13109530" y="28451238"/>
-            <a:ext cx="780356" cy="4605"/>
-          </a:xfrm>
-          <a:prstGeom prst="straightConnector1">
-            <a:avLst/>
-          </a:prstGeom>
-          <a:noFill/>
-          <a:ln w="9525" cap="flat" cmpd="sng">
-            <a:solidFill>
-              <a:schemeClr val="dk2"/>
-            </a:solidFill>
-            <a:prstDash val="solid"/>
-            <a:round/>
-            <a:headEnd type="none" w="lg" len="lg"/>
-            <a:tailEnd type="none" w="lg" len="lg"/>
-          </a:ln>
-        </p:spPr>
-      </p:cxnSp>
-      <p:cxnSp>
-        <p:nvCxnSpPr>
-          <p:cNvPr id="214" name="Shape 357"/>
-          <p:cNvCxnSpPr>
-            <a:stCxn id="208" idx="5"/>
-          </p:cNvCxnSpPr>
-          <p:nvPr/>
-        </p:nvCxnSpPr>
-        <p:spPr>
-          <a:xfrm>
-            <a:off x="13985369" y="28455843"/>
-            <a:ext cx="753312" cy="5136"/>
-          </a:xfrm>
-          <a:prstGeom prst="straightConnector1">
-            <a:avLst/>
-          </a:prstGeom>
-          <a:noFill/>
-          <a:ln w="9525" cap="flat" cmpd="sng">
-            <a:solidFill>
-              <a:schemeClr val="dk2"/>
-            </a:solidFill>
-            <a:prstDash val="solid"/>
-            <a:round/>
-            <a:headEnd type="none" w="lg" len="lg"/>
-            <a:tailEnd type="none" w="lg" len="lg"/>
-          </a:ln>
-        </p:spPr>
-      </p:cxnSp>
-      <p:cxnSp>
-        <p:nvCxnSpPr>
-          <p:cNvPr id="215" name="Shape 181"/>
-          <p:cNvCxnSpPr/>
-          <p:nvPr/>
-        </p:nvCxnSpPr>
-        <p:spPr>
-          <a:xfrm>
-            <a:off x="15444409" y="26724389"/>
-            <a:ext cx="0" cy="2118960"/>
-          </a:xfrm>
-          <a:prstGeom prst="straightConnector1">
-            <a:avLst/>
-          </a:prstGeom>
-          <a:noFill/>
-          <a:ln w="9525" cap="flat" cmpd="sng">
-            <a:solidFill>
-              <a:schemeClr val="dk2"/>
-            </a:solidFill>
-            <a:prstDash val="solid"/>
-            <a:round/>
-            <a:headEnd type="none" w="lg" len="lg"/>
-            <a:tailEnd type="none" w="lg" len="lg"/>
-          </a:ln>
-        </p:spPr>
-      </p:cxnSp>
-      <p:cxnSp>
-        <p:nvCxnSpPr>
-          <p:cNvPr id="219" name="Shape 182"/>
-          <p:cNvCxnSpPr/>
-          <p:nvPr/>
-        </p:nvCxnSpPr>
-        <p:spPr>
-          <a:xfrm>
-            <a:off x="15443432" y="28829741"/>
-            <a:ext cx="2395158" cy="0"/>
-          </a:xfrm>
-          <a:prstGeom prst="straightConnector1">
-            <a:avLst/>
-          </a:prstGeom>
-          <a:noFill/>
-          <a:ln w="9525" cap="flat" cmpd="sng">
-            <a:solidFill>
-              <a:schemeClr val="dk2"/>
-            </a:solidFill>
-            <a:prstDash val="solid"/>
-            <a:round/>
-            <a:headEnd type="none" w="lg" len="lg"/>
-            <a:tailEnd type="none" w="lg" len="lg"/>
-          </a:ln>
-        </p:spPr>
-      </p:cxnSp>
-      <p:cxnSp>
-        <p:nvCxnSpPr>
-          <p:cNvPr id="220" name="Shape 183"/>
-          <p:cNvCxnSpPr/>
-          <p:nvPr/>
-        </p:nvCxnSpPr>
-        <p:spPr>
-          <a:xfrm>
-            <a:off x="15906307" y="28777556"/>
-            <a:ext cx="0" cy="182693"/>
-          </a:xfrm>
-          <a:prstGeom prst="straightConnector1">
-            <a:avLst/>
-          </a:prstGeom>
-          <a:noFill/>
-          <a:ln w="9525" cap="flat" cmpd="sng">
-            <a:solidFill>
-              <a:schemeClr val="dk2"/>
-            </a:solidFill>
-            <a:prstDash val="solid"/>
-            <a:round/>
-            <a:headEnd type="none" w="lg" len="lg"/>
-            <a:tailEnd type="none" w="lg" len="lg"/>
-          </a:ln>
-        </p:spPr>
-      </p:cxnSp>
-      <p:cxnSp>
-        <p:nvCxnSpPr>
-          <p:cNvPr id="221" name="Shape 184"/>
-          <p:cNvCxnSpPr/>
-          <p:nvPr/>
-        </p:nvCxnSpPr>
-        <p:spPr>
-          <a:xfrm>
-            <a:off x="16779908" y="28777556"/>
-            <a:ext cx="0" cy="182693"/>
-          </a:xfrm>
-          <a:prstGeom prst="straightConnector1">
-            <a:avLst/>
-          </a:prstGeom>
-          <a:noFill/>
-          <a:ln w="9525" cap="flat" cmpd="sng">
-            <a:solidFill>
-              <a:schemeClr val="dk2"/>
-            </a:solidFill>
-            <a:prstDash val="solid"/>
-            <a:round/>
-            <a:headEnd type="none" w="lg" len="lg"/>
-            <a:tailEnd type="none" w="lg" len="lg"/>
-          </a:ln>
-        </p:spPr>
-      </p:cxnSp>
-      <p:cxnSp>
-        <p:nvCxnSpPr>
-          <p:cNvPr id="222" name="Shape 185"/>
-          <p:cNvCxnSpPr/>
-          <p:nvPr/>
-        </p:nvCxnSpPr>
-        <p:spPr>
-          <a:xfrm>
-            <a:off x="17660846" y="28777556"/>
-            <a:ext cx="0" cy="182693"/>
-          </a:xfrm>
-          <a:prstGeom prst="straightConnector1">
-            <a:avLst/>
-          </a:prstGeom>
-          <a:noFill/>
-          <a:ln w="9525" cap="flat" cmpd="sng">
-            <a:solidFill>
-              <a:schemeClr val="dk2"/>
-            </a:solidFill>
-            <a:prstDash val="solid"/>
-            <a:round/>
-            <a:headEnd type="none" w="lg" len="lg"/>
-            <a:tailEnd type="none" w="lg" len="lg"/>
-          </a:ln>
-        </p:spPr>
-      </p:cxnSp>
-      <p:cxnSp>
-        <p:nvCxnSpPr>
-          <p:cNvPr id="226" name="Shape 181"/>
-          <p:cNvCxnSpPr/>
-          <p:nvPr/>
-        </p:nvCxnSpPr>
-        <p:spPr>
-          <a:xfrm>
-            <a:off x="18287818" y="26732863"/>
-            <a:ext cx="0" cy="2118960"/>
-          </a:xfrm>
-          <a:prstGeom prst="straightConnector1">
-            <a:avLst/>
-          </a:prstGeom>
-          <a:noFill/>
-          <a:ln w="9525" cap="flat" cmpd="sng">
-            <a:solidFill>
-              <a:schemeClr val="dk2"/>
-            </a:solidFill>
-            <a:prstDash val="solid"/>
-            <a:round/>
-            <a:headEnd type="none" w="lg" len="lg"/>
-            <a:tailEnd type="none" w="lg" len="lg"/>
-          </a:ln>
-        </p:spPr>
-      </p:cxnSp>
-      <p:cxnSp>
-        <p:nvCxnSpPr>
-          <p:cNvPr id="227" name="Shape 182"/>
-          <p:cNvCxnSpPr/>
-          <p:nvPr/>
-        </p:nvCxnSpPr>
-        <p:spPr>
-          <a:xfrm>
-            <a:off x="18286841" y="28838215"/>
-            <a:ext cx="2395158" cy="0"/>
-          </a:xfrm>
-          <a:prstGeom prst="straightConnector1">
-            <a:avLst/>
-          </a:prstGeom>
-          <a:noFill/>
-          <a:ln w="9525" cap="flat" cmpd="sng">
-            <a:solidFill>
-              <a:schemeClr val="dk2"/>
-            </a:solidFill>
-            <a:prstDash val="solid"/>
-            <a:round/>
-            <a:headEnd type="none" w="lg" len="lg"/>
-            <a:tailEnd type="none" w="lg" len="lg"/>
-          </a:ln>
-        </p:spPr>
-      </p:cxnSp>
-      <p:cxnSp>
-        <p:nvCxnSpPr>
-          <p:cNvPr id="228" name="Shape 183"/>
-          <p:cNvCxnSpPr/>
-          <p:nvPr/>
-        </p:nvCxnSpPr>
-        <p:spPr>
-          <a:xfrm>
-            <a:off x="18749716" y="28786030"/>
-            <a:ext cx="0" cy="182693"/>
-          </a:xfrm>
-          <a:prstGeom prst="straightConnector1">
-            <a:avLst/>
-          </a:prstGeom>
-          <a:noFill/>
-          <a:ln w="9525" cap="flat" cmpd="sng">
-            <a:solidFill>
-              <a:schemeClr val="dk2"/>
-            </a:solidFill>
-            <a:prstDash val="solid"/>
-            <a:round/>
-            <a:headEnd type="none" w="lg" len="lg"/>
-            <a:tailEnd type="none" w="lg" len="lg"/>
-          </a:ln>
-        </p:spPr>
-      </p:cxnSp>
-      <p:cxnSp>
-        <p:nvCxnSpPr>
-          <p:cNvPr id="253" name="Shape 184"/>
-          <p:cNvCxnSpPr/>
-          <p:nvPr/>
-        </p:nvCxnSpPr>
-        <p:spPr>
-          <a:xfrm>
-            <a:off x="19623317" y="28786030"/>
-            <a:ext cx="0" cy="182693"/>
-          </a:xfrm>
-          <a:prstGeom prst="straightConnector1">
-            <a:avLst/>
-          </a:prstGeom>
-          <a:noFill/>
-          <a:ln w="9525" cap="flat" cmpd="sng">
-            <a:solidFill>
-              <a:schemeClr val="dk2"/>
-            </a:solidFill>
-            <a:prstDash val="solid"/>
-            <a:round/>
-            <a:headEnd type="none" w="lg" len="lg"/>
-            <a:tailEnd type="none" w="lg" len="lg"/>
-          </a:ln>
-        </p:spPr>
-      </p:cxnSp>
-      <p:cxnSp>
-        <p:nvCxnSpPr>
-          <p:cNvPr id="254" name="Shape 185"/>
-          <p:cNvCxnSpPr/>
-          <p:nvPr/>
-        </p:nvCxnSpPr>
-        <p:spPr>
-          <a:xfrm>
-            <a:off x="20504254" y="28786030"/>
-            <a:ext cx="0" cy="182693"/>
-          </a:xfrm>
-          <a:prstGeom prst="straightConnector1">
-            <a:avLst/>
-          </a:prstGeom>
-          <a:noFill/>
-          <a:ln w="9525" cap="flat" cmpd="sng">
-            <a:solidFill>
-              <a:schemeClr val="dk2"/>
-            </a:solidFill>
-            <a:prstDash val="solid"/>
-            <a:round/>
-            <a:headEnd type="none" w="lg" len="lg"/>
-            <a:tailEnd type="none" w="lg" len="lg"/>
-          </a:ln>
-        </p:spPr>
-      </p:cxnSp>
-      <p:sp>
-        <p:nvSpPr>
-          <p:cNvPr id="261" name="Shape 190"/>
-          <p:cNvSpPr/>
-          <p:nvPr/>
-        </p:nvSpPr>
-        <p:spPr>
-          <a:xfrm>
-            <a:off x="12186940" y="26060400"/>
-            <a:ext cx="190967" cy="182693"/>
-          </a:xfrm>
-          <a:prstGeom prst="rect">
-            <a:avLst/>
-          </a:prstGeom>
-          <a:solidFill>
-            <a:srgbClr val="0000FF"/>
-          </a:solidFill>
-          <a:ln w="9525" cap="flat" cmpd="sng">
-            <a:solidFill>
-              <a:schemeClr val="dk2"/>
-            </a:solidFill>
-            <a:prstDash val="solid"/>
-            <a:round/>
-            <a:headEnd type="none" w="med" len="med"/>
-            <a:tailEnd type="none" w="med" len="med"/>
-          </a:ln>
-        </p:spPr>
-        <p:txBody>
-          <a:bodyPr lIns="91425" tIns="91425" rIns="91425" bIns="91425" anchor="ctr" anchorCtr="0">
-            <a:noAutofit/>
-          </a:bodyPr>
-          <a:lstStyle/>
-          <a:p>
-            <a:pPr lvl="0">
-              <a:spcBef>
-                <a:spcPts val="0"/>
-              </a:spcBef>
-              <a:buNone/>
-            </a:pPr>
-            <a:endParaRPr/>
-          </a:p>
-        </p:txBody>
-      </p:sp>
-      <p:sp>
-        <p:nvSpPr>
-          <p:cNvPr id="262" name="Shape 191"/>
-          <p:cNvSpPr/>
-          <p:nvPr/>
-        </p:nvSpPr>
-        <p:spPr>
-          <a:xfrm>
-            <a:off x="12179287" y="26405854"/>
-            <a:ext cx="190967" cy="182693"/>
-          </a:xfrm>
-          <a:prstGeom prst="triangle">
-            <a:avLst>
-              <a:gd name="adj" fmla="val 50000"/>
-            </a:avLst>
-          </a:prstGeom>
-          <a:solidFill>
-            <a:srgbClr val="FF0000"/>
-          </a:solidFill>
-          <a:ln w="9525" cap="flat" cmpd="sng">
-            <a:solidFill>
-              <a:schemeClr val="dk2"/>
-            </a:solidFill>
-            <a:prstDash val="solid"/>
-            <a:round/>
-            <a:headEnd type="none" w="med" len="med"/>
-            <a:tailEnd type="none" w="med" len="med"/>
-          </a:ln>
-        </p:spPr>
-        <p:txBody>
-          <a:bodyPr lIns="91425" tIns="91425" rIns="91425" bIns="91425" anchor="ctr" anchorCtr="0">
-            <a:noAutofit/>
-          </a:bodyPr>
-          <a:lstStyle/>
-          <a:p>
-            <a:pPr lvl="0">
-              <a:spcBef>
-                <a:spcPts val="0"/>
-              </a:spcBef>
-              <a:buNone/>
-            </a:pPr>
-            <a:endParaRPr/>
-          </a:p>
-        </p:txBody>
-      </p:sp>
-      <p:sp>
-        <p:nvSpPr>
-          <p:cNvPr id="282" name="Shape 192"/>
-          <p:cNvSpPr txBox="1"/>
-          <p:nvPr/>
-        </p:nvSpPr>
-        <p:spPr>
-          <a:xfrm>
-            <a:off x="12315517" y="25908000"/>
-            <a:ext cx="3545867" cy="280387"/>
-          </a:xfrm>
-          <a:prstGeom prst="rect">
-            <a:avLst/>
-          </a:prstGeom>
-          <a:noFill/>
-          <a:ln>
-            <a:noFill/>
-          </a:ln>
-        </p:spPr>
-        <p:txBody>
-          <a:bodyPr lIns="91425" tIns="91425" rIns="91425" bIns="91425" anchor="t" anchorCtr="0">
-            <a:noAutofit/>
-          </a:bodyPr>
-          <a:lstStyle/>
-          <a:p>
-            <a:pPr lvl="0">
-              <a:spcBef>
-                <a:spcPts val="0"/>
-              </a:spcBef>
-              <a:buNone/>
-            </a:pPr>
-            <a:r>
-              <a:rPr lang="en-US" sz="2000" dirty="0" smtClean="0"/>
-              <a:t> Marine </a:t>
-            </a:r>
-            <a:r>
-              <a:rPr lang="en" sz="2000" dirty="0" smtClean="0"/>
-              <a:t>physiology</a:t>
-            </a:r>
-            <a:endParaRPr lang="en" sz="2000" dirty="0"/>
-          </a:p>
-        </p:txBody>
-      </p:sp>
-      <p:sp>
-        <p:nvSpPr>
-          <p:cNvPr id="283" name="Shape 193"/>
-          <p:cNvSpPr txBox="1"/>
-          <p:nvPr/>
-        </p:nvSpPr>
-        <p:spPr>
-          <a:xfrm>
-            <a:off x="12297466" y="26289000"/>
-            <a:ext cx="3712065" cy="282612"/>
-          </a:xfrm>
-          <a:prstGeom prst="rect">
-            <a:avLst/>
-          </a:prstGeom>
-          <a:noFill/>
-          <a:ln>
-            <a:noFill/>
-          </a:ln>
-        </p:spPr>
-        <p:txBody>
-          <a:bodyPr lIns="91425" tIns="91425" rIns="91425" bIns="91425" anchor="t" anchorCtr="0">
-            <a:noAutofit/>
-          </a:bodyPr>
-          <a:lstStyle/>
-          <a:p>
-            <a:pPr lvl="0" rtl="0">
-              <a:spcBef>
-                <a:spcPts val="0"/>
-              </a:spcBef>
-              <a:buNone/>
-            </a:pPr>
-            <a:r>
-              <a:rPr lang="en-US" sz="2000" dirty="0" smtClean="0"/>
-              <a:t> </a:t>
-            </a:r>
-            <a:r>
-              <a:rPr lang="en" sz="2000" dirty="0" smtClean="0"/>
-              <a:t>F</a:t>
-            </a:r>
-            <a:r>
-              <a:rPr lang="en-US" sz="2000" dirty="0" err="1" smtClean="0"/>
-              <a:t>reshwater</a:t>
-            </a:r>
-            <a:r>
-              <a:rPr lang="en-US" sz="2000" dirty="0" smtClean="0"/>
-              <a:t> </a:t>
-            </a:r>
-            <a:r>
-              <a:rPr lang="en-US" sz="2000" dirty="0" smtClean="0"/>
-              <a:t>p</a:t>
-            </a:r>
-            <a:r>
-              <a:rPr lang="en" sz="2000" dirty="0" smtClean="0"/>
-              <a:t>hysiology</a:t>
-            </a:r>
-            <a:endParaRPr lang="en" sz="2000" dirty="0"/>
-          </a:p>
-        </p:txBody>
-      </p:sp>
-      <p:sp>
-        <p:nvSpPr>
-          <p:cNvPr id="359" name="Shape 197"/>
-          <p:cNvSpPr/>
-          <p:nvPr/>
-        </p:nvSpPr>
-        <p:spPr>
-          <a:xfrm>
-            <a:off x="14722974" y="29755255"/>
-            <a:ext cx="190967" cy="182693"/>
-          </a:xfrm>
-          <a:prstGeom prst="rect">
-            <a:avLst/>
-          </a:prstGeom>
-          <a:solidFill>
-            <a:srgbClr val="0000FF"/>
-          </a:solidFill>
-          <a:ln w="9525" cap="flat" cmpd="sng">
-            <a:solidFill>
-              <a:schemeClr val="dk2"/>
-            </a:solidFill>
-            <a:prstDash val="solid"/>
-            <a:round/>
-            <a:headEnd type="none" w="med" len="med"/>
-            <a:tailEnd type="none" w="med" len="med"/>
-          </a:ln>
-        </p:spPr>
-        <p:txBody>
-          <a:bodyPr lIns="91425" tIns="91425" rIns="91425" bIns="91425" anchor="ctr" anchorCtr="0">
-            <a:noAutofit/>
-          </a:bodyPr>
-          <a:lstStyle/>
-          <a:p>
-            <a:pPr lvl="0">
-              <a:spcBef>
-                <a:spcPts val="0"/>
-              </a:spcBef>
-              <a:buNone/>
-            </a:pPr>
-            <a:endParaRPr/>
-          </a:p>
-        </p:txBody>
-      </p:sp>
-      <p:sp>
-        <p:nvSpPr>
-          <p:cNvPr id="360" name="Shape 301"/>
-          <p:cNvSpPr/>
-          <p:nvPr/>
-        </p:nvSpPr>
-        <p:spPr>
-          <a:xfrm>
-            <a:off x="13845705" y="29786570"/>
-            <a:ext cx="190967" cy="182693"/>
-          </a:xfrm>
-          <a:prstGeom prst="rect">
-            <a:avLst/>
-          </a:prstGeom>
-          <a:solidFill>
-            <a:srgbClr val="0000FF"/>
-          </a:solidFill>
-          <a:ln w="9525" cap="flat" cmpd="sng">
-            <a:solidFill>
-              <a:schemeClr val="dk2"/>
-            </a:solidFill>
-            <a:prstDash val="solid"/>
-            <a:round/>
-            <a:headEnd type="none" w="med" len="med"/>
-            <a:tailEnd type="none" w="med" len="med"/>
-          </a:ln>
-        </p:spPr>
-        <p:txBody>
-          <a:bodyPr lIns="91425" tIns="91425" rIns="91425" bIns="91425" anchor="ctr" anchorCtr="0">
-            <a:noAutofit/>
-          </a:bodyPr>
-          <a:lstStyle/>
-          <a:p>
-            <a:pPr lvl="0">
-              <a:spcBef>
-                <a:spcPts val="0"/>
-              </a:spcBef>
-              <a:buNone/>
-            </a:pPr>
-            <a:endParaRPr/>
-          </a:p>
-        </p:txBody>
-      </p:sp>
-      <p:sp>
-        <p:nvSpPr>
-          <p:cNvPr id="361" name="Shape 196"/>
-          <p:cNvSpPr/>
-          <p:nvPr/>
-        </p:nvSpPr>
-        <p:spPr>
-          <a:xfrm>
-            <a:off x="12997783" y="31075605"/>
-            <a:ext cx="190967" cy="182693"/>
-          </a:xfrm>
-          <a:prstGeom prst="rect">
-            <a:avLst/>
-          </a:prstGeom>
-          <a:solidFill>
-            <a:srgbClr val="0000FF"/>
-          </a:solidFill>
-          <a:ln w="9525" cap="flat" cmpd="sng">
-            <a:solidFill>
-              <a:schemeClr val="dk2"/>
-            </a:solidFill>
-            <a:prstDash val="solid"/>
-            <a:round/>
-            <a:headEnd type="none" w="med" len="med"/>
-            <a:tailEnd type="none" w="med" len="med"/>
-          </a:ln>
-        </p:spPr>
-        <p:txBody>
-          <a:bodyPr lIns="91425" tIns="91425" rIns="91425" bIns="91425" anchor="ctr" anchorCtr="0">
-            <a:noAutofit/>
-          </a:bodyPr>
-          <a:lstStyle/>
-          <a:p>
-            <a:pPr lvl="0">
-              <a:spcBef>
-                <a:spcPts val="0"/>
-              </a:spcBef>
-              <a:buNone/>
-            </a:pPr>
-            <a:endParaRPr/>
-          </a:p>
-        </p:txBody>
-      </p:sp>
-      <p:cxnSp>
-        <p:nvCxnSpPr>
-          <p:cNvPr id="362" name="Shape 181"/>
-          <p:cNvCxnSpPr/>
-          <p:nvPr/>
-        </p:nvCxnSpPr>
-        <p:spPr>
-          <a:xfrm>
-            <a:off x="12602021" y="29434964"/>
-            <a:ext cx="0" cy="2118960"/>
-          </a:xfrm>
-          <a:prstGeom prst="straightConnector1">
-            <a:avLst/>
-          </a:prstGeom>
-          <a:noFill/>
-          <a:ln w="9525" cap="flat" cmpd="sng">
-            <a:solidFill>
-              <a:schemeClr val="dk2"/>
-            </a:solidFill>
-            <a:prstDash val="solid"/>
-            <a:round/>
-            <a:headEnd type="none" w="lg" len="lg"/>
-            <a:tailEnd type="none" w="lg" len="lg"/>
-          </a:ln>
-        </p:spPr>
-      </p:cxnSp>
-      <p:cxnSp>
-        <p:nvCxnSpPr>
-          <p:cNvPr id="363" name="Shape 182"/>
-          <p:cNvCxnSpPr/>
-          <p:nvPr/>
-        </p:nvCxnSpPr>
-        <p:spPr>
-          <a:xfrm>
-            <a:off x="12601044" y="31540316"/>
-            <a:ext cx="2395158" cy="0"/>
-          </a:xfrm>
-          <a:prstGeom prst="straightConnector1">
-            <a:avLst/>
-          </a:prstGeom>
-          <a:noFill/>
-          <a:ln w="9525" cap="flat" cmpd="sng">
-            <a:solidFill>
-              <a:schemeClr val="dk2"/>
-            </a:solidFill>
-            <a:prstDash val="solid"/>
-            <a:round/>
-            <a:headEnd type="none" w="lg" len="lg"/>
-            <a:tailEnd type="none" w="lg" len="lg"/>
-          </a:ln>
-        </p:spPr>
-      </p:cxnSp>
-      <p:cxnSp>
-        <p:nvCxnSpPr>
-          <p:cNvPr id="364" name="Shape 183"/>
-          <p:cNvCxnSpPr/>
-          <p:nvPr/>
-        </p:nvCxnSpPr>
-        <p:spPr>
-          <a:xfrm>
-            <a:off x="13063919" y="31488131"/>
-            <a:ext cx="0" cy="182693"/>
-          </a:xfrm>
-          <a:prstGeom prst="straightConnector1">
-            <a:avLst/>
-          </a:prstGeom>
-          <a:noFill/>
-          <a:ln w="9525" cap="flat" cmpd="sng">
-            <a:solidFill>
-              <a:schemeClr val="dk2"/>
-            </a:solidFill>
-            <a:prstDash val="solid"/>
-            <a:round/>
-            <a:headEnd type="none" w="lg" len="lg"/>
-            <a:tailEnd type="none" w="lg" len="lg"/>
-          </a:ln>
-        </p:spPr>
-      </p:cxnSp>
-      <p:cxnSp>
-        <p:nvCxnSpPr>
-          <p:cNvPr id="366" name="Shape 184"/>
-          <p:cNvCxnSpPr/>
-          <p:nvPr/>
-        </p:nvCxnSpPr>
-        <p:spPr>
-          <a:xfrm>
-            <a:off x="13937520" y="31488131"/>
-            <a:ext cx="0" cy="182693"/>
-          </a:xfrm>
-          <a:prstGeom prst="straightConnector1">
-            <a:avLst/>
-          </a:prstGeom>
-          <a:noFill/>
-          <a:ln w="9525" cap="flat" cmpd="sng">
-            <a:solidFill>
-              <a:schemeClr val="dk2"/>
-            </a:solidFill>
-            <a:prstDash val="solid"/>
-            <a:round/>
-            <a:headEnd type="none" w="lg" len="lg"/>
-            <a:tailEnd type="none" w="lg" len="lg"/>
-          </a:ln>
-        </p:spPr>
-      </p:cxnSp>
-      <p:cxnSp>
-        <p:nvCxnSpPr>
-          <p:cNvPr id="368" name="Shape 185"/>
-          <p:cNvCxnSpPr/>
-          <p:nvPr/>
-        </p:nvCxnSpPr>
-        <p:spPr>
-          <a:xfrm>
-            <a:off x="14818458" y="31488131"/>
-            <a:ext cx="0" cy="182693"/>
-          </a:xfrm>
-          <a:prstGeom prst="straightConnector1">
-            <a:avLst/>
-          </a:prstGeom>
-          <a:noFill/>
-          <a:ln w="9525" cap="flat" cmpd="sng">
-            <a:solidFill>
-              <a:schemeClr val="dk2"/>
-            </a:solidFill>
-            <a:prstDash val="solid"/>
-            <a:round/>
-            <a:headEnd type="none" w="lg" len="lg"/>
-            <a:tailEnd type="none" w="lg" len="lg"/>
-          </a:ln>
-        </p:spPr>
-      </p:cxnSp>
-      <p:sp>
-        <p:nvSpPr>
-          <p:cNvPr id="383" name="Shape 189"/>
-          <p:cNvSpPr txBox="1"/>
-          <p:nvPr/>
-        </p:nvSpPr>
-        <p:spPr>
-          <a:xfrm rot="16200000">
-            <a:off x="11323392" y="30117098"/>
-            <a:ext cx="2019107" cy="495858"/>
-          </a:xfrm>
-          <a:prstGeom prst="rect">
-            <a:avLst/>
-          </a:prstGeom>
-          <a:noFill/>
-          <a:ln>
-            <a:noFill/>
-          </a:ln>
-        </p:spPr>
-        <p:txBody>
-          <a:bodyPr lIns="91425" tIns="91425" rIns="91425" bIns="91425" anchor="t" anchorCtr="0">
-            <a:noAutofit/>
-          </a:bodyPr>
-          <a:lstStyle/>
-          <a:p>
-            <a:pPr lvl="0">
-              <a:spcBef>
-                <a:spcPts val="0"/>
-              </a:spcBef>
-              <a:buNone/>
-            </a:pPr>
-            <a:r>
-              <a:rPr lang="en" sz="1800" dirty="0"/>
-              <a:t>Expression </a:t>
-            </a:r>
-            <a:r>
-              <a:rPr lang="en" sz="1800" dirty="0" smtClean="0"/>
-              <a:t>Gene</a:t>
-            </a:r>
-            <a:r>
-              <a:rPr lang="en-US" sz="1800" dirty="0" smtClean="0"/>
-              <a:t> B</a:t>
-            </a:r>
-            <a:endParaRPr lang="en" sz="1800" dirty="0"/>
-          </a:p>
-        </p:txBody>
-      </p:sp>
-      <p:sp>
-        <p:nvSpPr>
-          <p:cNvPr id="384" name="Shape 194"/>
-          <p:cNvSpPr/>
-          <p:nvPr/>
-        </p:nvSpPr>
-        <p:spPr>
-          <a:xfrm>
-            <a:off x="12968436" y="31070467"/>
-            <a:ext cx="190967" cy="182693"/>
-          </a:xfrm>
-          <a:prstGeom prst="triangle">
-            <a:avLst>
-              <a:gd name="adj" fmla="val 50000"/>
-            </a:avLst>
-          </a:prstGeom>
-          <a:solidFill>
-            <a:srgbClr val="FF0000"/>
-          </a:solidFill>
-          <a:ln w="9525" cap="flat" cmpd="sng">
-            <a:solidFill>
-              <a:schemeClr val="dk2"/>
-            </a:solidFill>
-            <a:prstDash val="solid"/>
-            <a:round/>
-            <a:headEnd type="none" w="med" len="med"/>
-            <a:tailEnd type="none" w="med" len="med"/>
-          </a:ln>
-        </p:spPr>
-        <p:txBody>
-          <a:bodyPr lIns="91425" tIns="91425" rIns="91425" bIns="91425" anchor="ctr" anchorCtr="0">
-            <a:noAutofit/>
-          </a:bodyPr>
-          <a:lstStyle/>
-          <a:p>
-            <a:pPr lvl="0">
-              <a:spcBef>
-                <a:spcPts val="0"/>
-              </a:spcBef>
-              <a:buNone/>
-            </a:pPr>
-            <a:endParaRPr/>
-          </a:p>
-        </p:txBody>
-      </p:sp>
-      <p:sp>
-        <p:nvSpPr>
-          <p:cNvPr id="395" name="Shape 195"/>
-          <p:cNvSpPr/>
-          <p:nvPr/>
-        </p:nvSpPr>
-        <p:spPr>
-          <a:xfrm>
-            <a:off x="14722974" y="31075605"/>
-            <a:ext cx="190967" cy="182693"/>
-          </a:xfrm>
-          <a:prstGeom prst="triangle">
-            <a:avLst>
-              <a:gd name="adj" fmla="val 50000"/>
-            </a:avLst>
-          </a:prstGeom>
-          <a:solidFill>
-            <a:srgbClr val="FF0000"/>
-          </a:solidFill>
-          <a:ln w="9525" cap="flat" cmpd="sng">
-            <a:solidFill>
-              <a:schemeClr val="dk2"/>
-            </a:solidFill>
-            <a:prstDash val="solid"/>
-            <a:round/>
-            <a:headEnd type="none" w="med" len="med"/>
-            <a:tailEnd type="none" w="med" len="med"/>
-          </a:ln>
-        </p:spPr>
-        <p:txBody>
-          <a:bodyPr lIns="91425" tIns="91425" rIns="91425" bIns="91425" anchor="ctr" anchorCtr="0">
-            <a:noAutofit/>
-          </a:bodyPr>
-          <a:lstStyle/>
-          <a:p>
-            <a:pPr lvl="0">
-              <a:spcBef>
-                <a:spcPts val="0"/>
-              </a:spcBef>
-              <a:buNone/>
-            </a:pPr>
-            <a:endParaRPr/>
-          </a:p>
-        </p:txBody>
-      </p:sp>
-      <p:sp>
-        <p:nvSpPr>
-          <p:cNvPr id="396" name="Shape 300"/>
-          <p:cNvSpPr/>
-          <p:nvPr/>
-        </p:nvSpPr>
-        <p:spPr>
-          <a:xfrm>
-            <a:off x="13838131" y="31066395"/>
-            <a:ext cx="190967" cy="182693"/>
-          </a:xfrm>
-          <a:prstGeom prst="triangle">
-            <a:avLst>
-              <a:gd name="adj" fmla="val 50000"/>
-            </a:avLst>
-          </a:prstGeom>
-          <a:solidFill>
-            <a:srgbClr val="FF0000"/>
-          </a:solidFill>
-          <a:ln w="9525" cap="flat" cmpd="sng">
-            <a:solidFill>
-              <a:schemeClr val="dk2"/>
-            </a:solidFill>
-            <a:prstDash val="solid"/>
-            <a:round/>
-            <a:headEnd type="none" w="med" len="med"/>
-            <a:tailEnd type="none" w="med" len="med"/>
-          </a:ln>
-        </p:spPr>
-        <p:txBody>
-          <a:bodyPr lIns="91425" tIns="91425" rIns="91425" bIns="91425" anchor="ctr" anchorCtr="0">
-            <a:noAutofit/>
-          </a:bodyPr>
-          <a:lstStyle/>
-          <a:p>
-            <a:pPr lvl="0">
-              <a:spcBef>
-                <a:spcPts val="0"/>
-              </a:spcBef>
-              <a:buNone/>
-            </a:pPr>
-            <a:endParaRPr/>
-          </a:p>
-        </p:txBody>
-      </p:sp>
-      <p:cxnSp>
-        <p:nvCxnSpPr>
-          <p:cNvPr id="397" name="Shape 354"/>
-          <p:cNvCxnSpPr/>
-          <p:nvPr/>
-        </p:nvCxnSpPr>
-        <p:spPr>
-          <a:xfrm flipV="1">
-            <a:off x="13093266" y="29877916"/>
-            <a:ext cx="752439" cy="1380381"/>
-          </a:xfrm>
-          <a:prstGeom prst="straightConnector1">
-            <a:avLst/>
-          </a:prstGeom>
-          <a:noFill/>
-          <a:ln w="9525" cap="flat" cmpd="sng">
-            <a:solidFill>
-              <a:schemeClr val="dk2"/>
-            </a:solidFill>
-            <a:prstDash val="solid"/>
-            <a:round/>
-            <a:headEnd type="none" w="lg" len="lg"/>
-            <a:tailEnd type="none" w="lg" len="lg"/>
-          </a:ln>
-        </p:spPr>
-      </p:cxnSp>
-      <p:cxnSp>
-        <p:nvCxnSpPr>
-          <p:cNvPr id="398" name="Shape 355"/>
-          <p:cNvCxnSpPr/>
-          <p:nvPr/>
-        </p:nvCxnSpPr>
-        <p:spPr>
-          <a:xfrm flipV="1">
-            <a:off x="14036672" y="29846602"/>
-            <a:ext cx="686303" cy="31315"/>
-          </a:xfrm>
-          <a:prstGeom prst="straightConnector1">
-            <a:avLst/>
-          </a:prstGeom>
-          <a:noFill/>
-          <a:ln w="9525" cap="flat" cmpd="sng">
-            <a:solidFill>
-              <a:schemeClr val="dk2"/>
-            </a:solidFill>
-            <a:prstDash val="solid"/>
-            <a:round/>
-            <a:headEnd type="none" w="lg" len="lg"/>
-            <a:tailEnd type="none" w="lg" len="lg"/>
-          </a:ln>
-        </p:spPr>
-      </p:cxnSp>
-      <p:cxnSp>
-        <p:nvCxnSpPr>
-          <p:cNvPr id="399" name="Shape 181"/>
-          <p:cNvCxnSpPr/>
-          <p:nvPr/>
-        </p:nvCxnSpPr>
-        <p:spPr>
-          <a:xfrm>
-            <a:off x="15446540" y="29434964"/>
-            <a:ext cx="0" cy="2118960"/>
-          </a:xfrm>
-          <a:prstGeom prst="straightConnector1">
-            <a:avLst/>
-          </a:prstGeom>
-          <a:noFill/>
-          <a:ln w="9525" cap="flat" cmpd="sng">
-            <a:solidFill>
-              <a:schemeClr val="dk2"/>
-            </a:solidFill>
-            <a:prstDash val="solid"/>
-            <a:round/>
-            <a:headEnd type="none" w="lg" len="lg"/>
-            <a:tailEnd type="none" w="lg" len="lg"/>
-          </a:ln>
-        </p:spPr>
-      </p:cxnSp>
-      <p:cxnSp>
-        <p:nvCxnSpPr>
-          <p:cNvPr id="400" name="Shape 182"/>
-          <p:cNvCxnSpPr/>
-          <p:nvPr/>
-        </p:nvCxnSpPr>
-        <p:spPr>
-          <a:xfrm>
-            <a:off x="15445564" y="31540316"/>
-            <a:ext cx="2395158" cy="0"/>
-          </a:xfrm>
-          <a:prstGeom prst="straightConnector1">
-            <a:avLst/>
-          </a:prstGeom>
-          <a:noFill/>
-          <a:ln w="9525" cap="flat" cmpd="sng">
-            <a:solidFill>
-              <a:schemeClr val="dk2"/>
-            </a:solidFill>
-            <a:prstDash val="solid"/>
-            <a:round/>
-            <a:headEnd type="none" w="lg" len="lg"/>
-            <a:tailEnd type="none" w="lg" len="lg"/>
-          </a:ln>
-        </p:spPr>
-      </p:cxnSp>
-      <p:cxnSp>
-        <p:nvCxnSpPr>
-          <p:cNvPr id="401" name="Shape 183"/>
-          <p:cNvCxnSpPr/>
-          <p:nvPr/>
-        </p:nvCxnSpPr>
-        <p:spPr>
-          <a:xfrm>
-            <a:off x="15908439" y="31488131"/>
-            <a:ext cx="0" cy="182693"/>
-          </a:xfrm>
-          <a:prstGeom prst="straightConnector1">
-            <a:avLst/>
-          </a:prstGeom>
-          <a:noFill/>
-          <a:ln w="9525" cap="flat" cmpd="sng">
-            <a:solidFill>
-              <a:schemeClr val="dk2"/>
-            </a:solidFill>
-            <a:prstDash val="solid"/>
-            <a:round/>
-            <a:headEnd type="none" w="lg" len="lg"/>
-            <a:tailEnd type="none" w="lg" len="lg"/>
-          </a:ln>
-        </p:spPr>
-      </p:cxnSp>
-      <p:cxnSp>
-        <p:nvCxnSpPr>
-          <p:cNvPr id="402" name="Shape 184"/>
-          <p:cNvCxnSpPr/>
-          <p:nvPr/>
-        </p:nvCxnSpPr>
-        <p:spPr>
-          <a:xfrm>
-            <a:off x="16782039" y="31488131"/>
-            <a:ext cx="0" cy="182693"/>
-          </a:xfrm>
-          <a:prstGeom prst="straightConnector1">
-            <a:avLst/>
-          </a:prstGeom>
-          <a:noFill/>
-          <a:ln w="9525" cap="flat" cmpd="sng">
-            <a:solidFill>
-              <a:schemeClr val="dk2"/>
-            </a:solidFill>
-            <a:prstDash val="solid"/>
-            <a:round/>
-            <a:headEnd type="none" w="lg" len="lg"/>
-            <a:tailEnd type="none" w="lg" len="lg"/>
-          </a:ln>
-        </p:spPr>
-      </p:cxnSp>
-      <p:cxnSp>
-        <p:nvCxnSpPr>
-          <p:cNvPr id="403" name="Shape 185"/>
-          <p:cNvCxnSpPr/>
-          <p:nvPr/>
-        </p:nvCxnSpPr>
-        <p:spPr>
-          <a:xfrm>
-            <a:off x="17662977" y="31488131"/>
-            <a:ext cx="0" cy="182693"/>
-          </a:xfrm>
-          <a:prstGeom prst="straightConnector1">
-            <a:avLst/>
-          </a:prstGeom>
-          <a:noFill/>
-          <a:ln w="9525" cap="flat" cmpd="sng">
-            <a:solidFill>
-              <a:schemeClr val="dk2"/>
-            </a:solidFill>
-            <a:prstDash val="solid"/>
-            <a:round/>
-            <a:headEnd type="none" w="lg" len="lg"/>
-            <a:tailEnd type="none" w="lg" len="lg"/>
-          </a:ln>
-        </p:spPr>
-      </p:cxnSp>
-      <p:cxnSp>
-        <p:nvCxnSpPr>
-          <p:cNvPr id="407" name="Shape 181"/>
-          <p:cNvCxnSpPr/>
-          <p:nvPr/>
-        </p:nvCxnSpPr>
-        <p:spPr>
-          <a:xfrm>
-            <a:off x="18289949" y="29443438"/>
-            <a:ext cx="0" cy="2118960"/>
-          </a:xfrm>
-          <a:prstGeom prst="straightConnector1">
-            <a:avLst/>
-          </a:prstGeom>
-          <a:noFill/>
-          <a:ln w="9525" cap="flat" cmpd="sng">
-            <a:solidFill>
-              <a:schemeClr val="dk2"/>
-            </a:solidFill>
-            <a:prstDash val="solid"/>
-            <a:round/>
-            <a:headEnd type="none" w="lg" len="lg"/>
-            <a:tailEnd type="none" w="lg" len="lg"/>
-          </a:ln>
-        </p:spPr>
-      </p:cxnSp>
-      <p:cxnSp>
-        <p:nvCxnSpPr>
-          <p:cNvPr id="408" name="Shape 182"/>
-          <p:cNvCxnSpPr/>
-          <p:nvPr/>
-        </p:nvCxnSpPr>
-        <p:spPr>
-          <a:xfrm>
-            <a:off x="18288973" y="31548790"/>
-            <a:ext cx="2395158" cy="0"/>
-          </a:xfrm>
-          <a:prstGeom prst="straightConnector1">
-            <a:avLst/>
-          </a:prstGeom>
-          <a:noFill/>
-          <a:ln w="9525" cap="flat" cmpd="sng">
-            <a:solidFill>
-              <a:schemeClr val="dk2"/>
-            </a:solidFill>
-            <a:prstDash val="solid"/>
-            <a:round/>
-            <a:headEnd type="none" w="lg" len="lg"/>
-            <a:tailEnd type="none" w="lg" len="lg"/>
-          </a:ln>
-        </p:spPr>
-      </p:cxnSp>
-      <p:cxnSp>
-        <p:nvCxnSpPr>
-          <p:cNvPr id="409" name="Shape 183"/>
-          <p:cNvCxnSpPr/>
-          <p:nvPr/>
-        </p:nvCxnSpPr>
-        <p:spPr>
-          <a:xfrm>
-            <a:off x="18751847" y="31496606"/>
-            <a:ext cx="0" cy="182693"/>
-          </a:xfrm>
-          <a:prstGeom prst="straightConnector1">
-            <a:avLst/>
-          </a:prstGeom>
-          <a:noFill/>
-          <a:ln w="9525" cap="flat" cmpd="sng">
-            <a:solidFill>
-              <a:schemeClr val="dk2"/>
-            </a:solidFill>
-            <a:prstDash val="solid"/>
-            <a:round/>
-            <a:headEnd type="none" w="lg" len="lg"/>
-            <a:tailEnd type="none" w="lg" len="lg"/>
-          </a:ln>
-        </p:spPr>
-      </p:cxnSp>
-      <p:cxnSp>
-        <p:nvCxnSpPr>
-          <p:cNvPr id="410" name="Shape 184"/>
-          <p:cNvCxnSpPr/>
-          <p:nvPr/>
-        </p:nvCxnSpPr>
-        <p:spPr>
-          <a:xfrm>
-            <a:off x="19625448" y="31496606"/>
-            <a:ext cx="0" cy="182693"/>
-          </a:xfrm>
-          <a:prstGeom prst="straightConnector1">
-            <a:avLst/>
-          </a:prstGeom>
-          <a:noFill/>
-          <a:ln w="9525" cap="flat" cmpd="sng">
-            <a:solidFill>
-              <a:schemeClr val="dk2"/>
-            </a:solidFill>
-            <a:prstDash val="solid"/>
-            <a:round/>
-            <a:headEnd type="none" w="lg" len="lg"/>
-            <a:tailEnd type="none" w="lg" len="lg"/>
-          </a:ln>
-        </p:spPr>
-      </p:cxnSp>
-      <p:cxnSp>
-        <p:nvCxnSpPr>
-          <p:cNvPr id="411" name="Shape 185"/>
-          <p:cNvCxnSpPr/>
-          <p:nvPr/>
-        </p:nvCxnSpPr>
-        <p:spPr>
-          <a:xfrm>
-            <a:off x="20506386" y="31496606"/>
-            <a:ext cx="0" cy="182693"/>
-          </a:xfrm>
-          <a:prstGeom prst="straightConnector1">
-            <a:avLst/>
-          </a:prstGeom>
-          <a:noFill/>
-          <a:ln w="9525" cap="flat" cmpd="sng">
-            <a:solidFill>
-              <a:schemeClr val="dk2"/>
-            </a:solidFill>
-            <a:prstDash val="solid"/>
-            <a:round/>
-            <a:headEnd type="none" w="lg" len="lg"/>
-            <a:tailEnd type="none" w="lg" len="lg"/>
-          </a:ln>
-        </p:spPr>
-      </p:cxnSp>
-      <p:sp>
-        <p:nvSpPr>
-          <p:cNvPr id="415" name="Shape 197"/>
-          <p:cNvSpPr/>
-          <p:nvPr/>
-        </p:nvSpPr>
-        <p:spPr>
-          <a:xfrm>
-            <a:off x="17564954" y="29788436"/>
-            <a:ext cx="190967" cy="182693"/>
-          </a:xfrm>
-          <a:prstGeom prst="rect">
-            <a:avLst/>
-          </a:prstGeom>
-          <a:solidFill>
-            <a:srgbClr val="0000FF"/>
-          </a:solidFill>
-          <a:ln w="9525" cap="flat" cmpd="sng">
-            <a:solidFill>
-              <a:schemeClr val="dk2"/>
-            </a:solidFill>
-            <a:prstDash val="solid"/>
-            <a:round/>
-            <a:headEnd type="none" w="med" len="med"/>
-            <a:tailEnd type="none" w="med" len="med"/>
-          </a:ln>
-        </p:spPr>
-        <p:txBody>
-          <a:bodyPr lIns="91425" tIns="91425" rIns="91425" bIns="91425" anchor="ctr" anchorCtr="0">
-            <a:noAutofit/>
-          </a:bodyPr>
-          <a:lstStyle/>
-          <a:p>
-            <a:pPr lvl="0">
-              <a:spcBef>
-                <a:spcPts val="0"/>
-              </a:spcBef>
-              <a:buNone/>
-            </a:pPr>
-            <a:endParaRPr/>
-          </a:p>
-        </p:txBody>
-      </p:sp>
-      <p:sp>
-        <p:nvSpPr>
-          <p:cNvPr id="416" name="Shape 301"/>
-          <p:cNvSpPr/>
-          <p:nvPr/>
-        </p:nvSpPr>
-        <p:spPr>
-          <a:xfrm>
-            <a:off x="16687685" y="29819751"/>
-            <a:ext cx="190967" cy="182693"/>
-          </a:xfrm>
-          <a:prstGeom prst="rect">
-            <a:avLst/>
-          </a:prstGeom>
-          <a:solidFill>
-            <a:srgbClr val="0000FF"/>
-          </a:solidFill>
-          <a:ln w="9525" cap="flat" cmpd="sng">
-            <a:solidFill>
-              <a:schemeClr val="dk2"/>
-            </a:solidFill>
-            <a:prstDash val="solid"/>
-            <a:round/>
-            <a:headEnd type="none" w="med" len="med"/>
-            <a:tailEnd type="none" w="med" len="med"/>
-          </a:ln>
-        </p:spPr>
-        <p:txBody>
-          <a:bodyPr lIns="91425" tIns="91425" rIns="91425" bIns="91425" anchor="ctr" anchorCtr="0">
-            <a:noAutofit/>
-          </a:bodyPr>
-          <a:lstStyle/>
-          <a:p>
-            <a:pPr lvl="0">
-              <a:spcBef>
-                <a:spcPts val="0"/>
-              </a:spcBef>
-              <a:buNone/>
-            </a:pPr>
-            <a:endParaRPr/>
-          </a:p>
-        </p:txBody>
-      </p:sp>
-      <p:sp>
-        <p:nvSpPr>
-          <p:cNvPr id="417" name="Shape 196"/>
-          <p:cNvSpPr/>
-          <p:nvPr/>
-        </p:nvSpPr>
-        <p:spPr>
-          <a:xfrm>
-            <a:off x="15839762" y="31108785"/>
-            <a:ext cx="190967" cy="182693"/>
-          </a:xfrm>
-          <a:prstGeom prst="rect">
-            <a:avLst/>
-          </a:prstGeom>
-          <a:solidFill>
-            <a:srgbClr val="0000FF"/>
-          </a:solidFill>
-          <a:ln w="9525" cap="flat" cmpd="sng">
-            <a:solidFill>
-              <a:schemeClr val="dk2"/>
-            </a:solidFill>
-            <a:prstDash val="solid"/>
-            <a:round/>
-            <a:headEnd type="none" w="med" len="med"/>
-            <a:tailEnd type="none" w="med" len="med"/>
-          </a:ln>
-        </p:spPr>
-        <p:txBody>
-          <a:bodyPr lIns="91425" tIns="91425" rIns="91425" bIns="91425" anchor="ctr" anchorCtr="0">
-            <a:noAutofit/>
-          </a:bodyPr>
-          <a:lstStyle/>
-          <a:p>
-            <a:pPr lvl="0">
-              <a:spcBef>
-                <a:spcPts val="0"/>
-              </a:spcBef>
-              <a:buNone/>
-            </a:pPr>
-            <a:endParaRPr/>
-          </a:p>
-        </p:txBody>
-      </p:sp>
-      <p:sp>
-        <p:nvSpPr>
-          <p:cNvPr id="418" name="Shape 194"/>
-          <p:cNvSpPr/>
-          <p:nvPr/>
-        </p:nvSpPr>
-        <p:spPr>
-          <a:xfrm>
-            <a:off x="15810415" y="31103647"/>
-            <a:ext cx="190967" cy="182693"/>
-          </a:xfrm>
-          <a:prstGeom prst="triangle">
-            <a:avLst>
-              <a:gd name="adj" fmla="val 50000"/>
-            </a:avLst>
-          </a:prstGeom>
-          <a:solidFill>
-            <a:srgbClr val="FF0000"/>
-          </a:solidFill>
-          <a:ln w="9525" cap="flat" cmpd="sng">
-            <a:solidFill>
-              <a:schemeClr val="dk2"/>
-            </a:solidFill>
-            <a:prstDash val="solid"/>
-            <a:round/>
-            <a:headEnd type="none" w="med" len="med"/>
-            <a:tailEnd type="none" w="med" len="med"/>
-          </a:ln>
-        </p:spPr>
-        <p:txBody>
-          <a:bodyPr lIns="91425" tIns="91425" rIns="91425" bIns="91425" anchor="ctr" anchorCtr="0">
-            <a:noAutofit/>
-          </a:bodyPr>
-          <a:lstStyle/>
-          <a:p>
-            <a:pPr lvl="0">
-              <a:spcBef>
-                <a:spcPts val="0"/>
-              </a:spcBef>
-              <a:buNone/>
-            </a:pPr>
-            <a:endParaRPr/>
-          </a:p>
-        </p:txBody>
-      </p:sp>
-      <p:sp>
-        <p:nvSpPr>
-          <p:cNvPr id="419" name="Shape 195"/>
-          <p:cNvSpPr/>
-          <p:nvPr/>
-        </p:nvSpPr>
-        <p:spPr>
-          <a:xfrm>
-            <a:off x="17564954" y="29824889"/>
-            <a:ext cx="190967" cy="182693"/>
-          </a:xfrm>
-          <a:prstGeom prst="triangle">
-            <a:avLst>
-              <a:gd name="adj" fmla="val 50000"/>
-            </a:avLst>
-          </a:prstGeom>
-          <a:solidFill>
-            <a:srgbClr val="FF0000"/>
-          </a:solidFill>
-          <a:ln w="9525" cap="flat" cmpd="sng">
-            <a:solidFill>
-              <a:schemeClr val="dk2"/>
-            </a:solidFill>
-            <a:prstDash val="solid"/>
-            <a:round/>
-            <a:headEnd type="none" w="med" len="med"/>
-            <a:tailEnd type="none" w="med" len="med"/>
-          </a:ln>
-        </p:spPr>
-        <p:txBody>
-          <a:bodyPr lIns="91425" tIns="91425" rIns="91425" bIns="91425" anchor="ctr" anchorCtr="0">
-            <a:noAutofit/>
-          </a:bodyPr>
-          <a:lstStyle/>
-          <a:p>
-            <a:pPr lvl="0">
-              <a:spcBef>
-                <a:spcPts val="0"/>
-              </a:spcBef>
-              <a:buNone/>
-            </a:pPr>
-            <a:endParaRPr/>
-          </a:p>
-        </p:txBody>
-      </p:sp>
-      <p:sp>
-        <p:nvSpPr>
-          <p:cNvPr id="420" name="Shape 300"/>
-          <p:cNvSpPr/>
-          <p:nvPr/>
-        </p:nvSpPr>
-        <p:spPr>
-          <a:xfrm>
-            <a:off x="16680110" y="29824889"/>
-            <a:ext cx="190967" cy="182693"/>
-          </a:xfrm>
-          <a:prstGeom prst="triangle">
-            <a:avLst>
-              <a:gd name="adj" fmla="val 50000"/>
-            </a:avLst>
-          </a:prstGeom>
-          <a:solidFill>
-            <a:srgbClr val="FF0000"/>
-          </a:solidFill>
-          <a:ln w="9525" cap="flat" cmpd="sng">
-            <a:solidFill>
-              <a:schemeClr val="dk2"/>
-            </a:solidFill>
-            <a:prstDash val="solid"/>
-            <a:round/>
-            <a:headEnd type="none" w="med" len="med"/>
-            <a:tailEnd type="none" w="med" len="med"/>
-          </a:ln>
-        </p:spPr>
-        <p:txBody>
-          <a:bodyPr lIns="91425" tIns="91425" rIns="91425" bIns="91425" anchor="ctr" anchorCtr="0">
-            <a:noAutofit/>
-          </a:bodyPr>
-          <a:lstStyle/>
-          <a:p>
-            <a:pPr lvl="0">
-              <a:spcBef>
-                <a:spcPts val="0"/>
-              </a:spcBef>
-              <a:buNone/>
-            </a:pPr>
-            <a:endParaRPr/>
-          </a:p>
-        </p:txBody>
-      </p:sp>
-      <p:cxnSp>
-        <p:nvCxnSpPr>
-          <p:cNvPr id="421" name="Shape 354"/>
-          <p:cNvCxnSpPr/>
-          <p:nvPr/>
-        </p:nvCxnSpPr>
-        <p:spPr>
-          <a:xfrm flipV="1">
-            <a:off x="15935246" y="29911097"/>
-            <a:ext cx="752439" cy="1380381"/>
-          </a:xfrm>
-          <a:prstGeom prst="straightConnector1">
-            <a:avLst/>
-          </a:prstGeom>
-          <a:noFill/>
-          <a:ln w="9525" cap="flat" cmpd="sng">
-            <a:solidFill>
-              <a:schemeClr val="dk2"/>
-            </a:solidFill>
-            <a:prstDash val="solid"/>
-            <a:round/>
-            <a:headEnd type="none" w="lg" len="lg"/>
-            <a:tailEnd type="none" w="lg" len="lg"/>
-          </a:ln>
-        </p:spPr>
-      </p:cxnSp>
-      <p:cxnSp>
-        <p:nvCxnSpPr>
-          <p:cNvPr id="422" name="Shape 355"/>
-          <p:cNvCxnSpPr/>
-          <p:nvPr/>
-        </p:nvCxnSpPr>
-        <p:spPr>
-          <a:xfrm flipV="1">
-            <a:off x="16878651" y="29879783"/>
-            <a:ext cx="686303" cy="31315"/>
-          </a:xfrm>
-          <a:prstGeom prst="straightConnector1">
-            <a:avLst/>
-          </a:prstGeom>
-          <a:noFill/>
-          <a:ln w="9525" cap="flat" cmpd="sng">
-            <a:solidFill>
-              <a:schemeClr val="dk2"/>
-            </a:solidFill>
-            <a:prstDash val="solid"/>
-            <a:round/>
-            <a:headEnd type="none" w="lg" len="lg"/>
-            <a:tailEnd type="none" w="lg" len="lg"/>
-          </a:ln>
-        </p:spPr>
-      </p:cxnSp>
-      <p:cxnSp>
-        <p:nvCxnSpPr>
-          <p:cNvPr id="423" name="Shape 356"/>
-          <p:cNvCxnSpPr/>
-          <p:nvPr/>
-        </p:nvCxnSpPr>
-        <p:spPr>
-          <a:xfrm rot="10800000" flipH="1">
-            <a:off x="15953640" y="30007488"/>
-            <a:ext cx="726496" cy="1187506"/>
-          </a:xfrm>
-          <a:prstGeom prst="straightConnector1">
-            <a:avLst/>
-          </a:prstGeom>
-          <a:noFill/>
-          <a:ln w="9525" cap="flat" cmpd="sng">
-            <a:solidFill>
-              <a:schemeClr val="dk2"/>
-            </a:solidFill>
-            <a:prstDash val="solid"/>
-            <a:round/>
-            <a:headEnd type="none" w="lg" len="lg"/>
-            <a:tailEnd type="none" w="lg" len="lg"/>
-          </a:ln>
-        </p:spPr>
-      </p:cxnSp>
-      <p:cxnSp>
-        <p:nvCxnSpPr>
-          <p:cNvPr id="424" name="Shape 357"/>
-          <p:cNvCxnSpPr/>
-          <p:nvPr/>
-        </p:nvCxnSpPr>
-        <p:spPr>
-          <a:xfrm>
-            <a:off x="16823335" y="29916235"/>
-            <a:ext cx="789519" cy="0"/>
-          </a:xfrm>
-          <a:prstGeom prst="straightConnector1">
-            <a:avLst/>
-          </a:prstGeom>
-          <a:noFill/>
-          <a:ln w="9525" cap="flat" cmpd="sng">
-            <a:solidFill>
-              <a:schemeClr val="dk2"/>
-            </a:solidFill>
-            <a:prstDash val="solid"/>
-            <a:round/>
-            <a:headEnd type="none" w="lg" len="lg"/>
-            <a:tailEnd type="none" w="lg" len="lg"/>
-          </a:ln>
-        </p:spPr>
-      </p:cxnSp>
-      <p:sp>
-        <p:nvSpPr>
-          <p:cNvPr id="425" name="Shape 197"/>
-          <p:cNvSpPr/>
-          <p:nvPr/>
-        </p:nvSpPr>
-        <p:spPr>
-          <a:xfrm>
-            <a:off x="20406933" y="29790302"/>
-            <a:ext cx="190967" cy="182693"/>
-          </a:xfrm>
-          <a:prstGeom prst="rect">
-            <a:avLst/>
-          </a:prstGeom>
-          <a:solidFill>
-            <a:srgbClr val="0000FF"/>
-          </a:solidFill>
-          <a:ln w="9525" cap="flat" cmpd="sng">
-            <a:solidFill>
-              <a:schemeClr val="dk2"/>
-            </a:solidFill>
-            <a:prstDash val="solid"/>
-            <a:round/>
-            <a:headEnd type="none" w="med" len="med"/>
-            <a:tailEnd type="none" w="med" len="med"/>
-          </a:ln>
-        </p:spPr>
-        <p:txBody>
-          <a:bodyPr lIns="91425" tIns="91425" rIns="91425" bIns="91425" anchor="ctr" anchorCtr="0">
-            <a:noAutofit/>
-          </a:bodyPr>
-          <a:lstStyle/>
-          <a:p>
-            <a:pPr lvl="0">
-              <a:spcBef>
-                <a:spcPts val="0"/>
-              </a:spcBef>
-              <a:buNone/>
-            </a:pPr>
-            <a:endParaRPr/>
-          </a:p>
-        </p:txBody>
-      </p:sp>
-      <p:sp>
-        <p:nvSpPr>
-          <p:cNvPr id="426" name="Shape 301"/>
-          <p:cNvSpPr/>
-          <p:nvPr/>
-        </p:nvSpPr>
-        <p:spPr>
-          <a:xfrm>
-            <a:off x="19529664" y="29821617"/>
-            <a:ext cx="190967" cy="182693"/>
-          </a:xfrm>
-          <a:prstGeom prst="rect">
-            <a:avLst/>
-          </a:prstGeom>
-          <a:solidFill>
-            <a:srgbClr val="0000FF"/>
-          </a:solidFill>
-          <a:ln w="9525" cap="flat" cmpd="sng">
-            <a:solidFill>
-              <a:schemeClr val="dk2"/>
-            </a:solidFill>
-            <a:prstDash val="solid"/>
-            <a:round/>
-            <a:headEnd type="none" w="med" len="med"/>
-            <a:tailEnd type="none" w="med" len="med"/>
-          </a:ln>
-        </p:spPr>
-        <p:txBody>
-          <a:bodyPr lIns="91425" tIns="91425" rIns="91425" bIns="91425" anchor="ctr" anchorCtr="0">
-            <a:noAutofit/>
-          </a:bodyPr>
-          <a:lstStyle/>
-          <a:p>
-            <a:pPr lvl="0">
-              <a:spcBef>
-                <a:spcPts val="0"/>
-              </a:spcBef>
-              <a:buNone/>
-            </a:pPr>
-            <a:endParaRPr/>
-          </a:p>
-        </p:txBody>
-      </p:sp>
-      <p:sp>
-        <p:nvSpPr>
-          <p:cNvPr id="427" name="Shape 196"/>
-          <p:cNvSpPr/>
-          <p:nvPr/>
-        </p:nvSpPr>
-        <p:spPr>
-          <a:xfrm>
-            <a:off x="18681742" y="31110652"/>
-            <a:ext cx="190967" cy="182693"/>
-          </a:xfrm>
-          <a:prstGeom prst="rect">
-            <a:avLst/>
-          </a:prstGeom>
-          <a:solidFill>
-            <a:srgbClr val="0000FF"/>
-          </a:solidFill>
-          <a:ln w="9525" cap="flat" cmpd="sng">
-            <a:solidFill>
-              <a:schemeClr val="dk2"/>
-            </a:solidFill>
-            <a:prstDash val="solid"/>
-            <a:round/>
-            <a:headEnd type="none" w="med" len="med"/>
-            <a:tailEnd type="none" w="med" len="med"/>
-          </a:ln>
-        </p:spPr>
-        <p:txBody>
-          <a:bodyPr lIns="91425" tIns="91425" rIns="91425" bIns="91425" anchor="ctr" anchorCtr="0">
-            <a:noAutofit/>
-          </a:bodyPr>
-          <a:lstStyle/>
-          <a:p>
-            <a:pPr lvl="0">
-              <a:spcBef>
-                <a:spcPts val="0"/>
-              </a:spcBef>
-              <a:buNone/>
-            </a:pPr>
-            <a:endParaRPr/>
-          </a:p>
-        </p:txBody>
-      </p:sp>
-      <p:sp>
-        <p:nvSpPr>
-          <p:cNvPr id="428" name="Shape 194"/>
-          <p:cNvSpPr/>
-          <p:nvPr/>
-        </p:nvSpPr>
-        <p:spPr>
-          <a:xfrm>
-            <a:off x="18652395" y="31105514"/>
-            <a:ext cx="190967" cy="182693"/>
-          </a:xfrm>
-          <a:prstGeom prst="triangle">
-            <a:avLst>
-              <a:gd name="adj" fmla="val 50000"/>
-            </a:avLst>
-          </a:prstGeom>
-          <a:solidFill>
-            <a:srgbClr val="FF0000"/>
-          </a:solidFill>
-          <a:ln w="9525" cap="flat" cmpd="sng">
-            <a:solidFill>
-              <a:schemeClr val="dk2"/>
-            </a:solidFill>
-            <a:prstDash val="solid"/>
-            <a:round/>
-            <a:headEnd type="none" w="med" len="med"/>
-            <a:tailEnd type="none" w="med" len="med"/>
-          </a:ln>
-        </p:spPr>
-        <p:txBody>
-          <a:bodyPr lIns="91425" tIns="91425" rIns="91425" bIns="91425" anchor="ctr" anchorCtr="0">
-            <a:noAutofit/>
-          </a:bodyPr>
-          <a:lstStyle/>
-          <a:p>
-            <a:pPr lvl="0">
-              <a:spcBef>
-                <a:spcPts val="0"/>
-              </a:spcBef>
-              <a:buNone/>
-            </a:pPr>
-            <a:endParaRPr/>
-          </a:p>
-        </p:txBody>
-      </p:sp>
-      <p:sp>
-        <p:nvSpPr>
-          <p:cNvPr id="429" name="Shape 195"/>
-          <p:cNvSpPr/>
-          <p:nvPr/>
-        </p:nvSpPr>
-        <p:spPr>
-          <a:xfrm>
-            <a:off x="20406933" y="29826755"/>
-            <a:ext cx="190967" cy="182693"/>
-          </a:xfrm>
-          <a:prstGeom prst="triangle">
-            <a:avLst>
-              <a:gd name="adj" fmla="val 50000"/>
-            </a:avLst>
-          </a:prstGeom>
-          <a:solidFill>
-            <a:srgbClr val="FF0000"/>
-          </a:solidFill>
-          <a:ln w="9525" cap="flat" cmpd="sng">
-            <a:solidFill>
-              <a:schemeClr val="dk2"/>
-            </a:solidFill>
-            <a:prstDash val="solid"/>
-            <a:round/>
-            <a:headEnd type="none" w="med" len="med"/>
-            <a:tailEnd type="none" w="med" len="med"/>
-          </a:ln>
-        </p:spPr>
-        <p:txBody>
-          <a:bodyPr lIns="91425" tIns="91425" rIns="91425" bIns="91425" anchor="ctr" anchorCtr="0">
-            <a:noAutofit/>
-          </a:bodyPr>
-          <a:lstStyle/>
-          <a:p>
-            <a:pPr lvl="0">
-              <a:spcBef>
-                <a:spcPts val="0"/>
-              </a:spcBef>
-              <a:buNone/>
-            </a:pPr>
-            <a:endParaRPr/>
-          </a:p>
-        </p:txBody>
-      </p:sp>
-      <p:sp>
-        <p:nvSpPr>
-          <p:cNvPr id="430" name="Shape 300"/>
-          <p:cNvSpPr/>
-          <p:nvPr/>
-        </p:nvSpPr>
-        <p:spPr>
-          <a:xfrm>
-            <a:off x="19522090" y="29826755"/>
-            <a:ext cx="190967" cy="182693"/>
-          </a:xfrm>
-          <a:prstGeom prst="triangle">
-            <a:avLst>
-              <a:gd name="adj" fmla="val 50000"/>
-            </a:avLst>
-          </a:prstGeom>
-          <a:solidFill>
-            <a:srgbClr val="FF0000"/>
-          </a:solidFill>
-          <a:ln w="9525" cap="flat" cmpd="sng">
-            <a:solidFill>
-              <a:schemeClr val="dk2"/>
-            </a:solidFill>
-            <a:prstDash val="solid"/>
-            <a:round/>
-            <a:headEnd type="none" w="med" len="med"/>
-            <a:tailEnd type="none" w="med" len="med"/>
-          </a:ln>
-        </p:spPr>
-        <p:txBody>
-          <a:bodyPr lIns="91425" tIns="91425" rIns="91425" bIns="91425" anchor="ctr" anchorCtr="0">
-            <a:noAutofit/>
-          </a:bodyPr>
-          <a:lstStyle/>
-          <a:p>
-            <a:pPr lvl="0">
-              <a:spcBef>
-                <a:spcPts val="0"/>
-              </a:spcBef>
-              <a:buNone/>
-            </a:pPr>
-            <a:endParaRPr/>
-          </a:p>
-        </p:txBody>
-      </p:sp>
-      <p:cxnSp>
-        <p:nvCxnSpPr>
-          <p:cNvPr id="431" name="Shape 354"/>
-          <p:cNvCxnSpPr/>
-          <p:nvPr/>
-        </p:nvCxnSpPr>
-        <p:spPr>
-          <a:xfrm flipV="1">
-            <a:off x="18777225" y="29912964"/>
-            <a:ext cx="752439" cy="1380381"/>
-          </a:xfrm>
-          <a:prstGeom prst="straightConnector1">
-            <a:avLst/>
-          </a:prstGeom>
-          <a:noFill/>
-          <a:ln w="9525" cap="flat" cmpd="sng">
-            <a:solidFill>
-              <a:schemeClr val="dk2"/>
-            </a:solidFill>
-            <a:prstDash val="solid"/>
-            <a:round/>
-            <a:headEnd type="none" w="lg" len="lg"/>
-            <a:tailEnd type="none" w="lg" len="lg"/>
-          </a:ln>
-        </p:spPr>
-      </p:cxnSp>
-      <p:cxnSp>
-        <p:nvCxnSpPr>
-          <p:cNvPr id="432" name="Shape 355"/>
-          <p:cNvCxnSpPr/>
-          <p:nvPr/>
-        </p:nvCxnSpPr>
-        <p:spPr>
-          <a:xfrm flipV="1">
-            <a:off x="19720631" y="29881649"/>
-            <a:ext cx="686303" cy="31315"/>
-          </a:xfrm>
-          <a:prstGeom prst="straightConnector1">
-            <a:avLst/>
-          </a:prstGeom>
-          <a:noFill/>
-          <a:ln w="9525" cap="flat" cmpd="sng">
-            <a:solidFill>
-              <a:schemeClr val="dk2"/>
-            </a:solidFill>
-            <a:prstDash val="solid"/>
-            <a:round/>
-            <a:headEnd type="none" w="lg" len="lg"/>
-            <a:tailEnd type="none" w="lg" len="lg"/>
-          </a:ln>
-        </p:spPr>
-      </p:cxnSp>
-      <p:cxnSp>
-        <p:nvCxnSpPr>
-          <p:cNvPr id="433" name="Shape 356"/>
-          <p:cNvCxnSpPr/>
-          <p:nvPr/>
-        </p:nvCxnSpPr>
-        <p:spPr>
-          <a:xfrm rot="10800000" flipH="1">
-            <a:off x="18795620" y="30009354"/>
-            <a:ext cx="726496" cy="1187506"/>
-          </a:xfrm>
-          <a:prstGeom prst="straightConnector1">
-            <a:avLst/>
-          </a:prstGeom>
-          <a:noFill/>
-          <a:ln w="9525" cap="flat" cmpd="sng">
-            <a:solidFill>
-              <a:schemeClr val="dk2"/>
-            </a:solidFill>
-            <a:prstDash val="solid"/>
-            <a:round/>
-            <a:headEnd type="none" w="lg" len="lg"/>
-            <a:tailEnd type="none" w="lg" len="lg"/>
-          </a:ln>
-        </p:spPr>
-      </p:cxnSp>
-      <p:cxnSp>
-        <p:nvCxnSpPr>
-          <p:cNvPr id="434" name="Shape 357"/>
-          <p:cNvCxnSpPr/>
-          <p:nvPr/>
-        </p:nvCxnSpPr>
-        <p:spPr>
-          <a:xfrm>
-            <a:off x="19665315" y="29918101"/>
-            <a:ext cx="789519" cy="0"/>
-          </a:xfrm>
-          <a:prstGeom prst="straightConnector1">
-            <a:avLst/>
-          </a:prstGeom>
-          <a:noFill/>
-          <a:ln w="9525" cap="flat" cmpd="sng">
-            <a:solidFill>
-              <a:schemeClr val="dk2"/>
-            </a:solidFill>
-            <a:prstDash val="solid"/>
-            <a:round/>
-            <a:headEnd type="none" w="lg" len="lg"/>
-            <a:tailEnd type="none" w="lg" len="lg"/>
-          </a:ln>
-        </p:spPr>
-      </p:cxnSp>
-      <p:cxnSp>
-        <p:nvCxnSpPr>
-          <p:cNvPr id="435" name="Shape 354"/>
-          <p:cNvCxnSpPr/>
-          <p:nvPr/>
-        </p:nvCxnSpPr>
-        <p:spPr>
-          <a:xfrm flipV="1">
-            <a:off x="13111661" y="31157742"/>
-            <a:ext cx="869695" cy="4072"/>
-          </a:xfrm>
-          <a:prstGeom prst="straightConnector1">
-            <a:avLst/>
-          </a:prstGeom>
-          <a:noFill/>
-          <a:ln w="9525" cap="flat" cmpd="sng">
-            <a:solidFill>
-              <a:schemeClr val="dk2"/>
-            </a:solidFill>
-            <a:prstDash val="solid"/>
-            <a:round/>
-            <a:headEnd type="none" w="lg" len="lg"/>
-            <a:tailEnd type="none" w="lg" len="lg"/>
-          </a:ln>
-        </p:spPr>
-      </p:cxnSp>
-      <p:cxnSp>
-        <p:nvCxnSpPr>
-          <p:cNvPr id="436" name="Shape 354"/>
-          <p:cNvCxnSpPr/>
-          <p:nvPr/>
-        </p:nvCxnSpPr>
-        <p:spPr>
-          <a:xfrm>
-            <a:off x="13981356" y="31157742"/>
-            <a:ext cx="779649" cy="1989"/>
-          </a:xfrm>
-          <a:prstGeom prst="straightConnector1">
-            <a:avLst/>
-          </a:prstGeom>
-          <a:noFill/>
-          <a:ln w="9525" cap="flat" cmpd="sng">
-            <a:solidFill>
-              <a:schemeClr val="dk2"/>
-            </a:solidFill>
-            <a:prstDash val="solid"/>
-            <a:round/>
-            <a:headEnd type="none" w="lg" len="lg"/>
-            <a:tailEnd type="none" w="lg" len="lg"/>
-          </a:ln>
-        </p:spPr>
-      </p:cxnSp>
-      <p:sp>
-        <p:nvSpPr>
-          <p:cNvPr id="437" name="TextBox 436"/>
-          <p:cNvSpPr txBox="1"/>
-          <p:nvPr/>
-        </p:nvSpPr>
-        <p:spPr>
-          <a:xfrm>
-            <a:off x="15585226" y="26513135"/>
-            <a:ext cx="2415790" cy="461665"/>
-          </a:xfrm>
-          <a:prstGeom prst="rect">
-            <a:avLst/>
-          </a:prstGeom>
-          <a:noFill/>
-        </p:spPr>
-        <p:txBody>
-          <a:bodyPr wrap="none" rtlCol="0">
-            <a:spAutoFit/>
-          </a:bodyPr>
-          <a:lstStyle/>
-          <a:p>
-            <a:r>
-              <a:rPr lang="en-US" sz="2400" b="1" dirty="0" smtClean="0"/>
-              <a:t>Parallel evolution</a:t>
-            </a:r>
-            <a:endParaRPr lang="en-US" sz="2400" b="1" dirty="0"/>
-          </a:p>
-        </p:txBody>
-      </p:sp>
-      <p:sp>
-        <p:nvSpPr>
-          <p:cNvPr id="438" name="TextBox 437"/>
-          <p:cNvSpPr txBox="1"/>
-          <p:nvPr/>
-        </p:nvSpPr>
-        <p:spPr>
-          <a:xfrm>
-            <a:off x="15585226" y="29355517"/>
-            <a:ext cx="2711063" cy="461665"/>
-          </a:xfrm>
-          <a:prstGeom prst="rect">
-            <a:avLst/>
-          </a:prstGeom>
-          <a:noFill/>
-        </p:spPr>
-        <p:txBody>
-          <a:bodyPr wrap="none" rtlCol="0">
-            <a:spAutoFit/>
-          </a:bodyPr>
-          <a:lstStyle/>
-          <a:p>
-            <a:r>
-              <a:rPr lang="en-US" sz="2400" b="1" dirty="0" smtClean="0"/>
-              <a:t>Divergent evolution</a:t>
-            </a:r>
-            <a:endParaRPr lang="en-US" sz="2400" b="1" dirty="0"/>
-          </a:p>
-        </p:txBody>
-      </p:sp>
-      <p:sp>
-        <p:nvSpPr>
           <p:cNvPr id="439" name="TextBox 438"/>
           <p:cNvSpPr txBox="1"/>
           <p:nvPr/>
         </p:nvSpPr>
         <p:spPr>
           <a:xfrm>
-            <a:off x="21322634" y="26212800"/>
+            <a:off x="21461666" y="26180789"/>
             <a:ext cx="4757071" cy="1246495"/>
           </a:xfrm>
           <a:prstGeom prst="rect">
@@ -16500,797 +13810,6 @@
           </a:p>
         </p:txBody>
       </p:sp>
-      <p:grpSp>
-        <p:nvGrpSpPr>
-          <p:cNvPr id="153" name="Group 152"/>
-          <p:cNvGrpSpPr/>
-          <p:nvPr/>
-        </p:nvGrpSpPr>
-        <p:grpSpPr>
-          <a:xfrm>
-            <a:off x="12377373" y="6287762"/>
-            <a:ext cx="4699732" cy="5382377"/>
-            <a:chOff x="1323462" y="424288"/>
-            <a:chExt cx="5105828" cy="6227891"/>
-          </a:xfrm>
-        </p:grpSpPr>
-        <p:sp>
-          <p:nvSpPr>
-            <p:cNvPr id="165" name="Can 164"/>
-            <p:cNvSpPr/>
-            <p:nvPr/>
-          </p:nvSpPr>
-          <p:spPr>
-            <a:xfrm>
-              <a:off x="3951135" y="820019"/>
-              <a:ext cx="2478155" cy="2865567"/>
-            </a:xfrm>
-            <a:prstGeom prst="can">
-              <a:avLst/>
-            </a:prstGeom>
-            <a:gradFill>
-              <a:gsLst>
-                <a:gs pos="0">
-                  <a:schemeClr val="accent1">
-                    <a:tint val="100000"/>
-                    <a:shade val="100000"/>
-                    <a:satMod val="130000"/>
-                  </a:schemeClr>
-                </a:gs>
-                <a:gs pos="54000">
-                  <a:schemeClr val="accent1">
-                    <a:lumMod val="40000"/>
-                    <a:lumOff val="60000"/>
-                  </a:schemeClr>
-                </a:gs>
-              </a:gsLst>
-            </a:gradFill>
-          </p:spPr>
-          <p:style>
-            <a:lnRef idx="1">
-              <a:schemeClr val="accent1"/>
-            </a:lnRef>
-            <a:fillRef idx="3">
-              <a:schemeClr val="accent1"/>
-            </a:fillRef>
-            <a:effectRef idx="2">
-              <a:schemeClr val="accent1"/>
-            </a:effectRef>
-            <a:fontRef idx="minor">
-              <a:schemeClr val="lt1"/>
-            </a:fontRef>
-          </p:style>
-          <p:txBody>
-            <a:bodyPr rtlCol="0" anchor="ctr"/>
-            <a:lstStyle/>
-            <a:p>
-              <a:pPr algn="ctr"/>
-              <a:endParaRPr lang="en-US"/>
-            </a:p>
-          </p:txBody>
-        </p:sp>
-        <p:sp>
-          <p:nvSpPr>
-            <p:cNvPr id="168" name="Can 167"/>
-            <p:cNvSpPr/>
-            <p:nvPr/>
-          </p:nvSpPr>
-          <p:spPr>
-            <a:xfrm>
-              <a:off x="1323462" y="792546"/>
-              <a:ext cx="2478155" cy="2865568"/>
-            </a:xfrm>
-            <a:prstGeom prst="can">
-              <a:avLst/>
-            </a:prstGeom>
-            <a:gradFill>
-              <a:gsLst>
-                <a:gs pos="0">
-                  <a:schemeClr val="accent1">
-                    <a:tint val="100000"/>
-                    <a:shade val="100000"/>
-                    <a:satMod val="130000"/>
-                  </a:schemeClr>
-                </a:gs>
-                <a:gs pos="21000">
-                  <a:schemeClr val="accent1">
-                    <a:lumMod val="20000"/>
-                    <a:lumOff val="80000"/>
-                  </a:schemeClr>
-                </a:gs>
-              </a:gsLst>
-            </a:gradFill>
-          </p:spPr>
-          <p:style>
-            <a:lnRef idx="1">
-              <a:schemeClr val="accent1"/>
-            </a:lnRef>
-            <a:fillRef idx="3">
-              <a:schemeClr val="accent1"/>
-            </a:fillRef>
-            <a:effectRef idx="2">
-              <a:schemeClr val="accent1"/>
-            </a:effectRef>
-            <a:fontRef idx="minor">
-              <a:schemeClr val="lt1"/>
-            </a:fontRef>
-          </p:style>
-          <p:txBody>
-            <a:bodyPr rtlCol="0" anchor="ctr"/>
-            <a:lstStyle/>
-            <a:p>
-              <a:pPr algn="ctr"/>
-              <a:endParaRPr lang="en-US"/>
-            </a:p>
-          </p:txBody>
-        </p:sp>
-        <p:pic>
-          <p:nvPicPr>
-            <p:cNvPr id="173" name="Picture 172" descr="normal_ian-symbol-fundulus-heteroclitus-male (1).png"/>
-            <p:cNvPicPr>
-              <a:picLocks noChangeAspect="1"/>
-            </p:cNvPicPr>
-            <p:nvPr/>
-          </p:nvPicPr>
-          <p:blipFill>
-            <a:blip r:embed="rId6">
-              <a:extLst>
-                <a:ext uri="{28A0092B-C50C-407E-A947-70E740481C1C}">
-                  <a14:useLocalDpi xmlns:a14="http://schemas.microsoft.com/office/drawing/2010/main" val="0"/>
-                </a:ext>
-              </a:extLst>
-            </a:blip>
-            <a:stretch>
-              <a:fillRect/>
-            </a:stretch>
-          </p:blipFill>
-          <p:spPr>
-            <a:xfrm>
-              <a:off x="1471380" y="1473147"/>
-              <a:ext cx="991263" cy="473328"/>
-            </a:xfrm>
-            <a:prstGeom prst="rect">
-              <a:avLst/>
-            </a:prstGeom>
-          </p:spPr>
-        </p:pic>
-        <p:pic>
-          <p:nvPicPr>
-            <p:cNvPr id="174" name="Picture 173" descr="normal_ian-symbol-fundulus-heteroclitus-male (1).png"/>
-            <p:cNvPicPr>
-              <a:picLocks noChangeAspect="1"/>
-            </p:cNvPicPr>
-            <p:nvPr/>
-          </p:nvPicPr>
-          <p:blipFill>
-            <a:blip r:embed="rId6">
-              <a:extLst>
-                <a:ext uri="{28A0092B-C50C-407E-A947-70E740481C1C}">
-                  <a14:useLocalDpi xmlns:a14="http://schemas.microsoft.com/office/drawing/2010/main" val="0"/>
-                </a:ext>
-              </a:extLst>
-            </a:blip>
-            <a:stretch>
-              <a:fillRect/>
-            </a:stretch>
-          </p:blipFill>
-          <p:spPr>
-            <a:xfrm>
-              <a:off x="2522113" y="1549973"/>
-              <a:ext cx="991263" cy="473328"/>
-            </a:xfrm>
-            <a:prstGeom prst="rect">
-              <a:avLst/>
-            </a:prstGeom>
-          </p:spPr>
-        </p:pic>
-        <p:pic>
-          <p:nvPicPr>
-            <p:cNvPr id="184" name="Picture 183" descr="normal_ian-symbol-fundulus-heteroclitus-male (1).png"/>
-            <p:cNvPicPr>
-              <a:picLocks noChangeAspect="1"/>
-            </p:cNvPicPr>
-            <p:nvPr/>
-          </p:nvPicPr>
-          <p:blipFill>
-            <a:blip r:embed="rId6">
-              <a:extLst>
-                <a:ext uri="{28A0092B-C50C-407E-A947-70E740481C1C}">
-                  <a14:useLocalDpi xmlns:a14="http://schemas.microsoft.com/office/drawing/2010/main" val="0"/>
-                </a:ext>
-              </a:extLst>
-            </a:blip>
-            <a:stretch>
-              <a:fillRect/>
-            </a:stretch>
-          </p:blipFill>
-          <p:spPr>
-            <a:xfrm>
-              <a:off x="1967011" y="2089891"/>
-              <a:ext cx="991263" cy="473328"/>
-            </a:xfrm>
-            <a:prstGeom prst="rect">
-              <a:avLst/>
-            </a:prstGeom>
-          </p:spPr>
-        </p:pic>
-        <p:pic>
-          <p:nvPicPr>
-            <p:cNvPr id="187" name="Picture 186" descr="normal_ian-symbol-fundulus-heteroclitus-male (1).png"/>
-            <p:cNvPicPr>
-              <a:picLocks noChangeAspect="1"/>
-            </p:cNvPicPr>
-            <p:nvPr/>
-          </p:nvPicPr>
-          <p:blipFill>
-            <a:blip r:embed="rId6">
-              <a:extLst>
-                <a:ext uri="{28A0092B-C50C-407E-A947-70E740481C1C}">
-                  <a14:useLocalDpi xmlns:a14="http://schemas.microsoft.com/office/drawing/2010/main" val="0"/>
-                </a:ext>
-              </a:extLst>
-            </a:blip>
-            <a:stretch>
-              <a:fillRect/>
-            </a:stretch>
-          </p:blipFill>
-          <p:spPr>
-            <a:xfrm>
-              <a:off x="2615043" y="2521446"/>
-              <a:ext cx="991263" cy="473328"/>
-            </a:xfrm>
-            <a:prstGeom prst="rect">
-              <a:avLst/>
-            </a:prstGeom>
-          </p:spPr>
-        </p:pic>
-        <p:pic>
-          <p:nvPicPr>
-            <p:cNvPr id="188" name="Picture 187" descr="normal_ian-symbol-fundulus-heteroclitus-male (1).png"/>
-            <p:cNvPicPr>
-              <a:picLocks noChangeAspect="1"/>
-            </p:cNvPicPr>
-            <p:nvPr/>
-          </p:nvPicPr>
-          <p:blipFill>
-            <a:blip r:embed="rId6">
-              <a:extLst>
-                <a:ext uri="{28A0092B-C50C-407E-A947-70E740481C1C}">
-                  <a14:useLocalDpi xmlns:a14="http://schemas.microsoft.com/office/drawing/2010/main" val="0"/>
-                </a:ext>
-              </a:extLst>
-            </a:blip>
-            <a:stretch>
-              <a:fillRect/>
-            </a:stretch>
-          </p:blipFill>
-          <p:spPr>
-            <a:xfrm>
-              <a:off x="1455891" y="2554017"/>
-              <a:ext cx="991263" cy="473328"/>
-            </a:xfrm>
-            <a:prstGeom prst="rect">
-              <a:avLst/>
-            </a:prstGeom>
-          </p:spPr>
-        </p:pic>
-        <p:pic>
-          <p:nvPicPr>
-            <p:cNvPr id="189" name="Picture 188" descr="normal_ian-symbol-fundulus-heteroclitus-male (1).png"/>
-            <p:cNvPicPr>
-              <a:picLocks noChangeAspect="1"/>
-            </p:cNvPicPr>
-            <p:nvPr/>
-          </p:nvPicPr>
-          <p:blipFill>
-            <a:blip r:embed="rId6">
-              <a:extLst>
-                <a:ext uri="{28A0092B-C50C-407E-A947-70E740481C1C}">
-                  <a14:useLocalDpi xmlns:a14="http://schemas.microsoft.com/office/drawing/2010/main" val="0"/>
-                </a:ext>
-              </a:extLst>
-            </a:blip>
-            <a:stretch>
-              <a:fillRect/>
-            </a:stretch>
-          </p:blipFill>
-          <p:spPr>
-            <a:xfrm>
-              <a:off x="1967011" y="3008565"/>
-              <a:ext cx="991263" cy="473328"/>
-            </a:xfrm>
-            <a:prstGeom prst="rect">
-              <a:avLst/>
-            </a:prstGeom>
-          </p:spPr>
-        </p:pic>
-        <p:sp>
-          <p:nvSpPr>
-            <p:cNvPr id="190" name="Can 189"/>
-            <p:cNvSpPr/>
-            <p:nvPr/>
-          </p:nvSpPr>
-          <p:spPr>
-            <a:xfrm>
-              <a:off x="1323462" y="3786612"/>
-              <a:ext cx="2478155" cy="2865567"/>
-            </a:xfrm>
-            <a:prstGeom prst="can">
-              <a:avLst/>
-            </a:prstGeom>
-            <a:gradFill>
-              <a:gsLst>
-                <a:gs pos="0">
-                  <a:schemeClr val="accent1">
-                    <a:tint val="100000"/>
-                    <a:shade val="100000"/>
-                    <a:satMod val="130000"/>
-                  </a:schemeClr>
-                </a:gs>
-                <a:gs pos="54000">
-                  <a:schemeClr val="accent1">
-                    <a:lumMod val="40000"/>
-                    <a:lumOff val="60000"/>
-                  </a:schemeClr>
-                </a:gs>
-              </a:gsLst>
-            </a:gradFill>
-          </p:spPr>
-          <p:style>
-            <a:lnRef idx="1">
-              <a:schemeClr val="accent1"/>
-            </a:lnRef>
-            <a:fillRef idx="3">
-              <a:schemeClr val="accent1"/>
-            </a:fillRef>
-            <a:effectRef idx="2">
-              <a:schemeClr val="accent1"/>
-            </a:effectRef>
-            <a:fontRef idx="minor">
-              <a:schemeClr val="lt1"/>
-            </a:fontRef>
-          </p:style>
-          <p:txBody>
-            <a:bodyPr rtlCol="0" anchor="ctr"/>
-            <a:lstStyle/>
-            <a:p>
-              <a:pPr algn="ctr"/>
-              <a:endParaRPr lang="en-US"/>
-            </a:p>
-          </p:txBody>
-        </p:sp>
-        <p:pic>
-          <p:nvPicPr>
-            <p:cNvPr id="196" name="Picture 195" descr="normal_ian-symbol-fundulus-heteroclitus-male (1).png"/>
-            <p:cNvPicPr>
-              <a:picLocks noChangeAspect="1"/>
-            </p:cNvPicPr>
-            <p:nvPr/>
-          </p:nvPicPr>
-          <p:blipFill>
-            <a:blip r:embed="rId6">
-              <a:extLst>
-                <a:ext uri="{28A0092B-C50C-407E-A947-70E740481C1C}">
-                  <a14:useLocalDpi xmlns:a14="http://schemas.microsoft.com/office/drawing/2010/main" val="0"/>
-                </a:ext>
-              </a:extLst>
-            </a:blip>
-            <a:stretch>
-              <a:fillRect/>
-            </a:stretch>
-          </p:blipFill>
-          <p:spPr>
-            <a:xfrm>
-              <a:off x="5050665" y="1570129"/>
-              <a:ext cx="991263" cy="473328"/>
-            </a:xfrm>
-            <a:prstGeom prst="rect">
-              <a:avLst/>
-            </a:prstGeom>
-          </p:spPr>
-        </p:pic>
-        <p:pic>
-          <p:nvPicPr>
-            <p:cNvPr id="197" name="Picture 196" descr="normal_ian-symbol-fundulus-heteroclitus-male (1).png"/>
-            <p:cNvPicPr>
-              <a:picLocks noChangeAspect="1"/>
-            </p:cNvPicPr>
-            <p:nvPr/>
-          </p:nvPicPr>
-          <p:blipFill>
-            <a:blip r:embed="rId6">
-              <a:extLst>
-                <a:ext uri="{28A0092B-C50C-407E-A947-70E740481C1C}">
-                  <a14:useLocalDpi xmlns:a14="http://schemas.microsoft.com/office/drawing/2010/main" val="0"/>
-                </a:ext>
-              </a:extLst>
-            </a:blip>
-            <a:stretch>
-              <a:fillRect/>
-            </a:stretch>
-          </p:blipFill>
-          <p:spPr>
-            <a:xfrm>
-              <a:off x="4605524" y="3010944"/>
-              <a:ext cx="991263" cy="473328"/>
-            </a:xfrm>
-            <a:prstGeom prst="rect">
-              <a:avLst/>
-            </a:prstGeom>
-          </p:spPr>
-        </p:pic>
-        <p:pic>
-          <p:nvPicPr>
-            <p:cNvPr id="202" name="Picture 201" descr="normal_ian-symbol-fundulus-heteroclitus-male (1).png"/>
-            <p:cNvPicPr>
-              <a:picLocks noChangeAspect="1"/>
-            </p:cNvPicPr>
-            <p:nvPr/>
-          </p:nvPicPr>
-          <p:blipFill>
-            <a:blip r:embed="rId6">
-              <a:extLst>
-                <a:ext uri="{28A0092B-C50C-407E-A947-70E740481C1C}">
-                  <a14:useLocalDpi xmlns:a14="http://schemas.microsoft.com/office/drawing/2010/main" val="0"/>
-                </a:ext>
-              </a:extLst>
-            </a:blip>
-            <a:stretch>
-              <a:fillRect/>
-            </a:stretch>
-          </p:blipFill>
-          <p:spPr>
-            <a:xfrm>
-              <a:off x="4676350" y="2089891"/>
-              <a:ext cx="991263" cy="473328"/>
-            </a:xfrm>
-            <a:prstGeom prst="rect">
-              <a:avLst/>
-            </a:prstGeom>
-          </p:spPr>
-        </p:pic>
-        <p:pic>
-          <p:nvPicPr>
-            <p:cNvPr id="203" name="Picture 202" descr="normal_ian-symbol-fundulus-heteroclitus-male (1).png"/>
-            <p:cNvPicPr>
-              <a:picLocks noChangeAspect="1"/>
-            </p:cNvPicPr>
-            <p:nvPr/>
-          </p:nvPicPr>
-          <p:blipFill>
-            <a:blip r:embed="rId6">
-              <a:extLst>
-                <a:ext uri="{28A0092B-C50C-407E-A947-70E740481C1C}">
-                  <a14:useLocalDpi xmlns:a14="http://schemas.microsoft.com/office/drawing/2010/main" val="0"/>
-                </a:ext>
-              </a:extLst>
-            </a:blip>
-            <a:stretch>
-              <a:fillRect/>
-            </a:stretch>
-          </p:blipFill>
-          <p:spPr>
-            <a:xfrm>
-              <a:off x="1662856" y="4597992"/>
-              <a:ext cx="991263" cy="473328"/>
-            </a:xfrm>
-            <a:prstGeom prst="rect">
-              <a:avLst/>
-            </a:prstGeom>
-          </p:spPr>
-        </p:pic>
-        <p:pic>
-          <p:nvPicPr>
-            <p:cNvPr id="204" name="Picture 203" descr="normal_ian-symbol-fundulus-heteroclitus-male (1).png"/>
-            <p:cNvPicPr>
-              <a:picLocks noChangeAspect="1"/>
-            </p:cNvPicPr>
-            <p:nvPr/>
-          </p:nvPicPr>
-          <p:blipFill>
-            <a:blip r:embed="rId6">
-              <a:extLst>
-                <a:ext uri="{28A0092B-C50C-407E-A947-70E740481C1C}">
-                  <a14:useLocalDpi xmlns:a14="http://schemas.microsoft.com/office/drawing/2010/main" val="0"/>
-                </a:ext>
-              </a:extLst>
-            </a:blip>
-            <a:stretch>
-              <a:fillRect/>
-            </a:stretch>
-          </p:blipFill>
-          <p:spPr>
-            <a:xfrm>
-              <a:off x="2504206" y="5128806"/>
-              <a:ext cx="991263" cy="473328"/>
-            </a:xfrm>
-            <a:prstGeom prst="rect">
-              <a:avLst/>
-            </a:prstGeom>
-          </p:spPr>
-        </p:pic>
-        <p:pic>
-          <p:nvPicPr>
-            <p:cNvPr id="205" name="Picture 204" descr="normal_ian-symbol-fundulus-heteroclitus-male (1).png"/>
-            <p:cNvPicPr>
-              <a:picLocks noChangeAspect="1"/>
-            </p:cNvPicPr>
-            <p:nvPr/>
-          </p:nvPicPr>
-          <p:blipFill>
-            <a:blip r:embed="rId6">
-              <a:extLst>
-                <a:ext uri="{28A0092B-C50C-407E-A947-70E740481C1C}">
-                  <a14:useLocalDpi xmlns:a14="http://schemas.microsoft.com/office/drawing/2010/main" val="0"/>
-                </a:ext>
-              </a:extLst>
-            </a:blip>
-            <a:stretch>
-              <a:fillRect/>
-            </a:stretch>
-          </p:blipFill>
-          <p:spPr>
-            <a:xfrm>
-              <a:off x="1621362" y="5714180"/>
-              <a:ext cx="991263" cy="473328"/>
-            </a:xfrm>
-            <a:prstGeom prst="rect">
-              <a:avLst/>
-            </a:prstGeom>
-          </p:spPr>
-        </p:pic>
-        <p:sp>
-          <p:nvSpPr>
-            <p:cNvPr id="206" name="TextBox 205"/>
-            <p:cNvSpPr txBox="1"/>
-            <p:nvPr/>
-          </p:nvSpPr>
-          <p:spPr>
-            <a:xfrm>
-              <a:off x="1592330" y="824398"/>
-              <a:ext cx="1798088" cy="461665"/>
-            </a:xfrm>
-            <a:prstGeom prst="rect">
-              <a:avLst/>
-            </a:prstGeom>
-            <a:noFill/>
-          </p:spPr>
-          <p:txBody>
-            <a:bodyPr wrap="none" rtlCol="0">
-              <a:spAutoFit/>
-            </a:bodyPr>
-            <a:lstStyle/>
-            <a:p>
-              <a:r>
-                <a:rPr lang="en-US" sz="2400" b="1" dirty="0" smtClean="0"/>
-                <a:t>FW = 0.2 </a:t>
-              </a:r>
-              <a:r>
-                <a:rPr lang="en-US" sz="2400" b="1" dirty="0" err="1" smtClean="0"/>
-                <a:t>ppt</a:t>
-              </a:r>
-              <a:endParaRPr lang="en-US" sz="2400" b="1" dirty="0"/>
-            </a:p>
-          </p:txBody>
-        </p:sp>
-        <p:sp>
-          <p:nvSpPr>
-            <p:cNvPr id="207" name="TextBox 206"/>
-            <p:cNvSpPr txBox="1"/>
-            <p:nvPr/>
-          </p:nvSpPr>
-          <p:spPr>
-            <a:xfrm>
-              <a:off x="4370964" y="844554"/>
-              <a:ext cx="1758304" cy="534188"/>
-            </a:xfrm>
-            <a:prstGeom prst="rect">
-              <a:avLst/>
-            </a:prstGeom>
-            <a:noFill/>
-          </p:spPr>
-          <p:txBody>
-            <a:bodyPr wrap="none" rtlCol="0">
-              <a:spAutoFit/>
-            </a:bodyPr>
-            <a:lstStyle/>
-            <a:p>
-              <a:r>
-                <a:rPr lang="en-US" sz="2400" b="1" dirty="0" smtClean="0"/>
-                <a:t>TR </a:t>
-              </a:r>
-              <a:r>
-                <a:rPr lang="en-US" sz="2400" b="1" dirty="0" smtClean="0"/>
-                <a:t>= 15 </a:t>
-              </a:r>
-              <a:r>
-                <a:rPr lang="en-US" sz="2400" b="1" dirty="0" err="1" smtClean="0"/>
-                <a:t>ppt</a:t>
-              </a:r>
-              <a:endParaRPr lang="en-US" sz="2400" b="1" dirty="0"/>
-            </a:p>
-          </p:txBody>
-        </p:sp>
-        <p:sp>
-          <p:nvSpPr>
-            <p:cNvPr id="209" name="TextBox 208"/>
-            <p:cNvSpPr txBox="1"/>
-            <p:nvPr/>
-          </p:nvSpPr>
-          <p:spPr>
-            <a:xfrm>
-              <a:off x="1657471" y="3832257"/>
-              <a:ext cx="1749197" cy="461665"/>
-            </a:xfrm>
-            <a:prstGeom prst="rect">
-              <a:avLst/>
-            </a:prstGeom>
-            <a:noFill/>
-          </p:spPr>
-          <p:txBody>
-            <a:bodyPr wrap="none" rtlCol="0">
-              <a:spAutoFit/>
-            </a:bodyPr>
-            <a:lstStyle/>
-            <a:p>
-              <a:r>
-                <a:rPr lang="en-US" sz="2400" b="1" dirty="0" smtClean="0"/>
-                <a:t>BW = 15 </a:t>
-              </a:r>
-              <a:r>
-                <a:rPr lang="en-US" sz="2400" b="1" dirty="0" err="1" smtClean="0"/>
-                <a:t>ppt</a:t>
-              </a:r>
-              <a:endParaRPr lang="en-US" sz="2400" b="1" dirty="0"/>
-            </a:p>
-          </p:txBody>
-        </p:sp>
-        <p:sp>
-          <p:nvSpPr>
-            <p:cNvPr id="212" name="TextBox 211"/>
-            <p:cNvSpPr txBox="1"/>
-            <p:nvPr/>
-          </p:nvSpPr>
-          <p:spPr>
-            <a:xfrm>
-              <a:off x="4758096" y="424288"/>
-              <a:ext cx="838691" cy="400110"/>
-            </a:xfrm>
-            <a:prstGeom prst="rect">
-              <a:avLst/>
-            </a:prstGeom>
-            <a:noFill/>
-          </p:spPr>
-          <p:txBody>
-            <a:bodyPr wrap="none" rtlCol="0">
-              <a:spAutoFit/>
-            </a:bodyPr>
-            <a:lstStyle/>
-            <a:p>
-              <a:r>
-                <a:rPr lang="en-US" sz="2000" b="1" dirty="0" smtClean="0"/>
-                <a:t>24 </a:t>
-              </a:r>
-              <a:r>
-                <a:rPr lang="en-US" sz="2000" b="1" dirty="0" err="1" smtClean="0"/>
-                <a:t>hrs</a:t>
-              </a:r>
-              <a:endParaRPr lang="en-US" sz="2000" b="1" dirty="0"/>
-            </a:p>
-          </p:txBody>
-        </p:sp>
-        <p:cxnSp>
-          <p:nvCxnSpPr>
-            <p:cNvPr id="216" name="Straight Arrow Connector 215"/>
-            <p:cNvCxnSpPr/>
-            <p:nvPr/>
-          </p:nvCxnSpPr>
-          <p:spPr>
-            <a:xfrm>
-              <a:off x="3184904" y="1817690"/>
-              <a:ext cx="1805287" cy="0"/>
-            </a:xfrm>
-            <a:prstGeom prst="straightConnector1">
-              <a:avLst/>
-            </a:prstGeom>
-            <a:ln w="12700">
-              <a:solidFill>
-                <a:schemeClr val="tx1"/>
-              </a:solidFill>
-              <a:tailEnd type="arrow"/>
-            </a:ln>
-            <a:effectLst/>
-          </p:spPr>
-          <p:style>
-            <a:lnRef idx="2">
-              <a:schemeClr val="accent1"/>
-            </a:lnRef>
-            <a:fillRef idx="0">
-              <a:schemeClr val="accent1"/>
-            </a:fillRef>
-            <a:effectRef idx="1">
-              <a:schemeClr val="accent1"/>
-            </a:effectRef>
-            <a:fontRef idx="minor">
-              <a:schemeClr val="tx1"/>
-            </a:fontRef>
-          </p:style>
-        </p:cxnSp>
-        <p:cxnSp>
-          <p:nvCxnSpPr>
-            <p:cNvPr id="217" name="Straight Arrow Connector 216"/>
-            <p:cNvCxnSpPr/>
-            <p:nvPr/>
-          </p:nvCxnSpPr>
-          <p:spPr>
-            <a:xfrm>
-              <a:off x="2765116" y="2306046"/>
-              <a:ext cx="1805287" cy="0"/>
-            </a:xfrm>
-            <a:prstGeom prst="straightConnector1">
-              <a:avLst/>
-            </a:prstGeom>
-            <a:ln w="12700">
-              <a:solidFill>
-                <a:schemeClr val="tx1"/>
-              </a:solidFill>
-              <a:tailEnd type="arrow"/>
-            </a:ln>
-            <a:effectLst/>
-          </p:spPr>
-          <p:style>
-            <a:lnRef idx="2">
-              <a:schemeClr val="accent1"/>
-            </a:lnRef>
-            <a:fillRef idx="0">
-              <a:schemeClr val="accent1"/>
-            </a:fillRef>
-            <a:effectRef idx="1">
-              <a:schemeClr val="accent1"/>
-            </a:effectRef>
-            <a:fontRef idx="minor">
-              <a:schemeClr val="tx1"/>
-            </a:fontRef>
-          </p:style>
-        </p:cxnSp>
-        <p:cxnSp>
-          <p:nvCxnSpPr>
-            <p:cNvPr id="229" name="Straight Arrow Connector 228"/>
-            <p:cNvCxnSpPr/>
-            <p:nvPr/>
-          </p:nvCxnSpPr>
-          <p:spPr>
-            <a:xfrm>
-              <a:off x="2765116" y="3257889"/>
-              <a:ext cx="1805287" cy="0"/>
-            </a:xfrm>
-            <a:prstGeom prst="straightConnector1">
-              <a:avLst/>
-            </a:prstGeom>
-            <a:ln w="12700">
-              <a:solidFill>
-                <a:schemeClr val="tx1"/>
-              </a:solidFill>
-              <a:tailEnd type="arrow"/>
-            </a:ln>
-            <a:effectLst/>
-          </p:spPr>
-          <p:style>
-            <a:lnRef idx="2">
-              <a:schemeClr val="accent1"/>
-            </a:lnRef>
-            <a:fillRef idx="0">
-              <a:schemeClr val="accent1"/>
-            </a:fillRef>
-            <a:effectRef idx="1">
-              <a:schemeClr val="accent1"/>
-            </a:effectRef>
-            <a:fontRef idx="minor">
-              <a:schemeClr val="tx1"/>
-            </a:fontRef>
-          </p:style>
-        </p:cxnSp>
-      </p:grpSp>
       <p:sp>
         <p:nvSpPr>
           <p:cNvPr id="236" name="TextBox 235"/>
@@ -17299,8 +13818,8 @@
         </p:nvSpPr>
         <p:spPr>
           <a:xfrm>
-            <a:off x="21404442" y="27279600"/>
-            <a:ext cx="8347304" cy="6093976"/>
+            <a:off x="21404442" y="27051000"/>
+            <a:ext cx="8492784" cy="6093976"/>
           </a:xfrm>
           <a:prstGeom prst="rect">
             <a:avLst/>
@@ -17350,8 +13869,17 @@
               <a:rPr lang="en-US" sz="3000" dirty="0" smtClean="0">
                 <a:sym typeface="Wingdings" pitchFamily="2" charset="2"/>
               </a:rPr>
-              <a:t> killifish</a:t>
-            </a:r>
+              <a:t> </a:t>
+            </a:r>
+            <a:r>
+              <a:rPr lang="en-US" sz="3000" dirty="0" smtClean="0">
+                <a:sym typeface="Wingdings" pitchFamily="2" charset="2"/>
+              </a:rPr>
+              <a:t>killifish were generated and are available.</a:t>
+            </a:r>
+            <a:endParaRPr lang="en-US" sz="3000" dirty="0" smtClean="0">
+              <a:sym typeface="Wingdings" pitchFamily="2" charset="2"/>
+            </a:endParaRPr>
           </a:p>
           <a:p>
             <a:pPr marL="514350" indent="-514350">
@@ -17362,7 +13890,37 @@
               <a:rPr lang="en-US" sz="3000" dirty="0" smtClean="0">
                 <a:sym typeface="Wingdings" pitchFamily="2" charset="2"/>
               </a:rPr>
-              <a:t>45K x 16 species expression table for future analysis of gene expression patterns across clades for the osmotic challenge experiment.</a:t>
+              <a:t>53K genes x </a:t>
+            </a:r>
+            <a:r>
+              <a:rPr lang="en-US" sz="3000" dirty="0" smtClean="0">
+                <a:sym typeface="Wingdings" pitchFamily="2" charset="2"/>
+              </a:rPr>
+              <a:t>16 species expression </a:t>
+            </a:r>
+            <a:r>
+              <a:rPr lang="en-US" sz="3000" dirty="0" smtClean="0">
+                <a:sym typeface="Wingdings" pitchFamily="2" charset="2"/>
+              </a:rPr>
+              <a:t>quantification table will be used for analysis </a:t>
+            </a:r>
+            <a:r>
+              <a:rPr lang="en-US" sz="3000" dirty="0" smtClean="0">
+                <a:sym typeface="Wingdings" pitchFamily="2" charset="2"/>
+              </a:rPr>
+              <a:t>of </a:t>
+            </a:r>
+            <a:r>
+              <a:rPr lang="en-US" sz="3000" dirty="0" smtClean="0">
+                <a:sym typeface="Wingdings" pitchFamily="2" charset="2"/>
+              </a:rPr>
+              <a:t>patterns </a:t>
+            </a:r>
+            <a:r>
+              <a:rPr lang="en-US" sz="3000" dirty="0" smtClean="0">
+                <a:sym typeface="Wingdings" pitchFamily="2" charset="2"/>
+              </a:rPr>
+              <a:t>across clades for the osmotic challenge experiment.</a:t>
             </a:r>
           </a:p>
           <a:p>
@@ -17386,8 +13944,17 @@
               <a:rPr lang="en-US" sz="3000" dirty="0" smtClean="0">
                 <a:sym typeface="Wingdings" pitchFamily="2" charset="2"/>
               </a:rPr>
-              <a:t> transcriptome assemblies, annotations, and merge gene expression tables across species</a:t>
-            </a:r>
+              <a:t> transcriptome assemblies, annotations, and merge gene expression tables across </a:t>
+            </a:r>
+            <a:r>
+              <a:rPr lang="en-US" sz="3000" dirty="0" smtClean="0">
+                <a:sym typeface="Wingdings" pitchFamily="2" charset="2"/>
+              </a:rPr>
+              <a:t>species.</a:t>
+            </a:r>
+            <a:endParaRPr lang="en-US" sz="3000" dirty="0" smtClean="0">
+              <a:sym typeface="Wingdings" pitchFamily="2" charset="2"/>
+            </a:endParaRPr>
           </a:p>
           <a:p>
             <a:pPr marL="457200" indent="-457200">
@@ -17417,8 +13984,8 @@
         </p:nvSpPr>
         <p:spPr>
           <a:xfrm>
-            <a:off x="14877343" y="9469945"/>
-            <a:ext cx="4724201" cy="1938992"/>
+            <a:off x="15468599" y="8153400"/>
+            <a:ext cx="6154839" cy="3323987"/>
           </a:xfrm>
           <a:prstGeom prst="rect">
             <a:avLst/>
@@ -17437,8 +14004,21 @@
             </a:pPr>
             <a:r>
               <a:rPr lang="en-US" sz="3000" dirty="0" smtClean="0"/>
-              <a:t>Animals sacrificed</a:t>
-            </a:r>
+              <a:t>Individuals from each species were randomly divided and acclimated to either 0.2 </a:t>
+            </a:r>
+            <a:r>
+              <a:rPr lang="en-US" sz="3000" dirty="0" err="1" smtClean="0"/>
+              <a:t>ppt</a:t>
+            </a:r>
+            <a:r>
+              <a:rPr lang="en-US" sz="3000" dirty="0" smtClean="0"/>
+              <a:t> or 15 </a:t>
+            </a:r>
+            <a:r>
+              <a:rPr lang="en-US" sz="3000" dirty="0" err="1" smtClean="0"/>
+              <a:t>ppt</a:t>
+            </a:r>
+            <a:endParaRPr lang="en-US" sz="3000" dirty="0" smtClean="0"/>
           </a:p>
           <a:p>
             <a:pPr marL="457200" indent="-457200">
@@ -17447,8 +14027,13 @@
             </a:pPr>
             <a:r>
               <a:rPr lang="en-US" sz="3000" dirty="0" smtClean="0"/>
-              <a:t>Gill epithelium preserved</a:t>
-            </a:r>
+              <a:t>Gill epithelium </a:t>
+            </a:r>
+            <a:r>
+              <a:rPr lang="en-US" sz="3000" dirty="0" smtClean="0"/>
+              <a:t>was preserved</a:t>
+            </a:r>
+            <a:endParaRPr lang="en-US" sz="3000" dirty="0" smtClean="0"/>
           </a:p>
           <a:p>
             <a:pPr marL="457200" indent="-457200">
@@ -17456,6 +14041,24 @@
               <a:buChar char="•"/>
             </a:pPr>
             <a:r>
+              <a:rPr lang="en-US" sz="3000" dirty="0" err="1"/>
+              <a:t>polyA</a:t>
+            </a:r>
+            <a:r>
+              <a:rPr lang="en-US" sz="3000" dirty="0"/>
+              <a:t>+ libraries </a:t>
+            </a:r>
+            <a:r>
+              <a:rPr lang="en-US" sz="3000" dirty="0" smtClean="0"/>
+              <a:t>were prepared</a:t>
+            </a:r>
+          </a:p>
+          <a:p>
+            <a:pPr marL="457200" indent="-457200">
+              <a:buFont typeface="Arial" charset="0"/>
+              <a:buChar char="•"/>
+            </a:pPr>
+            <a:r>
               <a:rPr lang="en-US" sz="3000" dirty="0" smtClean="0"/>
               <a:t>Illumina </a:t>
             </a:r>
@@ -17468,20 +14071,8 @@
               <a:t> 2000 </a:t>
             </a:r>
             <a:r>
-              <a:rPr lang="en-US" sz="3000" dirty="0" err="1" smtClean="0"/>
-              <a:t>RNAseq</a:t>
-            </a:r>
-            <a:r>
               <a:rPr lang="en-US" sz="3000" dirty="0" smtClean="0"/>
-              <a:t>, </a:t>
-            </a:r>
-            <a:r>
-              <a:rPr lang="en-US" sz="3000" dirty="0" err="1" smtClean="0"/>
-              <a:t>polyA</a:t>
-            </a:r>
-            <a:r>
-              <a:rPr lang="en-US" sz="3000" dirty="0" smtClean="0"/>
-              <a:t>+</a:t>
+              <a:t>PE x 100 RNA sequencing </a:t>
             </a:r>
             <a:endParaRPr lang="en-US" sz="3000" dirty="0"/>
           </a:p>
@@ -17750,7 +14341,7 @@
           <p:nvPr/>
         </p:nvPicPr>
         <p:blipFill>
-          <a:blip r:embed="rId7" cstate="print">
+          <a:blip r:embed="rId6" cstate="print">
             <a:extLst>
               <a:ext uri="{28A0092B-C50C-407E-A947-70E740481C1C}">
                 <a14:useLocalDpi xmlns:a14="http://schemas.microsoft.com/office/drawing/2010/main"/>
@@ -17786,10 +14377,10 @@
         </p:nvGrpSpPr>
         <p:grpSpPr>
           <a:xfrm>
-            <a:off x="36855624" y="13106399"/>
-            <a:ext cx="5816376" cy="13732541"/>
-            <a:chOff x="36931824" y="12712307"/>
-            <a:chExt cx="5816376" cy="13732541"/>
+            <a:off x="36652200" y="12725400"/>
+            <a:ext cx="5817323" cy="13680454"/>
+            <a:chOff x="36930877" y="12322329"/>
+            <a:chExt cx="5817323" cy="13680454"/>
           </a:xfrm>
         </p:grpSpPr>
         <p:pic>
@@ -17801,7 +14392,7 @@
             <p:nvPr/>
           </p:nvPicPr>
           <p:blipFill rotWithShape="1">
-            <a:blip r:embed="rId8">
+            <a:blip r:embed="rId7">
               <a:extLst>
                 <a:ext uri="{28A0092B-C50C-407E-A947-70E740481C1C}">
                   <a14:useLocalDpi xmlns:a14="http://schemas.microsoft.com/office/drawing/2010/main" val="0"/>
@@ -17813,7 +14404,7 @@
           </p:blipFill>
           <p:spPr>
             <a:xfrm>
-              <a:off x="37675301" y="12712307"/>
+              <a:off x="36930877" y="12322329"/>
               <a:ext cx="3799569" cy="2487306"/>
             </a:xfrm>
             <a:prstGeom prst="rect">
@@ -17830,20 +14421,20 @@
             <p:nvPr/>
           </p:nvPicPr>
           <p:blipFill rotWithShape="1">
-            <a:blip r:embed="rId8">
+            <a:blip r:embed="rId7">
               <a:extLst>
                 <a:ext uri="{28A0092B-C50C-407E-A947-70E740481C1C}">
                   <a14:useLocalDpi xmlns:a14="http://schemas.microsoft.com/office/drawing/2010/main" val="0"/>
                 </a:ext>
               </a:extLst>
             </a:blip>
-            <a:srcRect l="23103" r="24338"/>
+            <a:srcRect l="23103" r="24338" b="3824"/>
             <a:stretch/>
           </p:blipFill>
           <p:spPr>
             <a:xfrm>
-              <a:off x="36931824" y="14782800"/>
-              <a:ext cx="5543439" cy="11662048"/>
+              <a:off x="36931824" y="14913129"/>
+              <a:ext cx="5543439" cy="11089654"/>
             </a:xfrm>
             <a:prstGeom prst="rect">
               <a:avLst/>
@@ -17906,7 +14497,7 @@
           <p:nvPr/>
         </p:nvPicPr>
         <p:blipFill>
-          <a:blip r:embed="rId9">
+          <a:blip r:embed="rId8">
             <a:extLst>
               <a:ext uri="{28A0092B-C50C-407E-A947-70E740481C1C}">
                 <a14:useLocalDpi xmlns:a14="http://schemas.microsoft.com/office/drawing/2010/main" val="0"/>
@@ -17936,7 +14527,7 @@
           <p:nvPr/>
         </p:nvPicPr>
         <p:blipFill>
-          <a:blip r:embed="rId10">
+          <a:blip r:embed="rId9">
             <a:extLst>
               <a:ext uri="{28A0092B-C50C-407E-A947-70E740481C1C}">
                 <a14:useLocalDpi xmlns:a14="http://schemas.microsoft.com/office/drawing/2010/main" val="0"/>
@@ -17965,8 +14556,8 @@
         </p:nvSpPr>
         <p:spPr>
           <a:xfrm>
-            <a:off x="34996304" y="5537537"/>
-            <a:ext cx="8361496" cy="1015663"/>
+            <a:off x="36195000" y="5385137"/>
+            <a:ext cx="7696200" cy="1015663"/>
           </a:xfrm>
           <a:prstGeom prst="rect">
             <a:avLst/>
@@ -17981,15 +14572,19 @@
           <a:p>
             <a:r>
               <a:rPr lang="en-US" sz="3000" dirty="0" smtClean="0"/>
-              <a:t>PCA of expression in </a:t>
-            </a:r>
-            <a:r>
-              <a:rPr lang="en-US" sz="3000" dirty="0" smtClean="0"/>
+              <a:t>PCA of expression </a:t>
+            </a:r>
+            <a:r>
+              <a:rPr lang="en-US" sz="3000" smtClean="0"/>
+              <a:t>in </a:t>
+            </a:r>
+            <a:r>
+              <a:rPr lang="en-US" sz="3000" smtClean="0"/>
               <a:t>53</a:t>
             </a:r>
             <a:r>
-              <a:rPr lang="en-US" sz="3000" dirty="0" smtClean="0"/>
-              <a:t>K </a:t>
+              <a:rPr lang="en-US" sz="3000" smtClean="0"/>
+              <a:t>K genes </a:t>
             </a:r>
             <a:r>
               <a:rPr lang="en-US" sz="3000" dirty="0" smtClean="0"/>
@@ -18007,7 +14602,7 @@
         </p:nvSpPr>
         <p:spPr>
           <a:xfrm>
-            <a:off x="30335268" y="29689201"/>
+            <a:off x="30335268" y="29565600"/>
             <a:ext cx="9661795" cy="1246495"/>
           </a:xfrm>
           <a:prstGeom prst="rect">
@@ -18037,8 +14632,8 @@
         </p:nvSpPr>
         <p:spPr>
           <a:xfrm>
-            <a:off x="30348586" y="31035992"/>
-            <a:ext cx="13542614" cy="1631216"/>
+            <a:off x="30348586" y="30708600"/>
+            <a:ext cx="13161614" cy="2092881"/>
           </a:xfrm>
           <a:prstGeom prst="rect">
             <a:avLst/>
@@ -18066,55 +14661,85 @@
               <a:rPr lang="en-US" sz="3000" dirty="0" smtClean="0">
                 <a:sym typeface="Wingdings" pitchFamily="2" charset="2"/>
               </a:rPr>
-              <a:t>osmotic challenge experiment. Thanks to Noah </a:t>
+              <a:t>osmotic challenge experiment. </a:t>
+            </a:r>
+            <a:r>
+              <a:rPr lang="en-US" sz="3000" dirty="0" smtClean="0">
+                <a:sym typeface="Wingdings" pitchFamily="2" charset="2"/>
+              </a:rPr>
+              <a:t>Jen Roach prepared the </a:t>
+            </a:r>
+            <a:r>
+              <a:rPr lang="en-US" sz="3000" dirty="0" err="1" smtClean="0">
+                <a:sym typeface="Wingdings" pitchFamily="2" charset="2"/>
+              </a:rPr>
+              <a:t>RNAseq</a:t>
+            </a:r>
+            <a:r>
+              <a:rPr lang="en-US" sz="3000" dirty="0" smtClean="0">
+                <a:sym typeface="Wingdings" pitchFamily="2" charset="2"/>
+              </a:rPr>
+              <a:t> libraries. Thank you to Noah Reid and </a:t>
+            </a:r>
+            <a:r>
+              <a:rPr lang="en-US" sz="3000" dirty="0" smtClean="0">
+                <a:sym typeface="Wingdings" pitchFamily="2" charset="2"/>
+              </a:rPr>
+              <a:t>Titus </a:t>
+            </a:r>
+            <a:r>
+              <a:rPr lang="en-US" sz="3000" dirty="0" smtClean="0">
+                <a:sym typeface="Wingdings" pitchFamily="2" charset="2"/>
+              </a:rPr>
+              <a:t>Brown for guidance</a:t>
             </a:r>
             <a:r>
               <a:rPr lang="en-US" sz="3000" dirty="0">
                 <a:sym typeface="Wingdings" pitchFamily="2" charset="2"/>
               </a:rPr>
-              <a:t>Reid, Jen Roach, </a:t>
+              <a:t> </a:t>
             </a:r>
             <a:r>
               <a:rPr lang="en-US" sz="3000" dirty="0" smtClean="0">
                 <a:sym typeface="Wingdings" pitchFamily="2" charset="2"/>
               </a:rPr>
-              <a:t>C. Titus </a:t>
+              <a:t>and</a:t>
+            </a:r>
+            <a:r>
+              <a:rPr lang="en-US" sz="3000" dirty="0" smtClean="0">
+                <a:sym typeface="Wingdings" pitchFamily="2" charset="2"/>
+              </a:rPr>
+              <a:t> assistance with data analysis. </a:t>
             </a:r>
             <a:r>
               <a:rPr lang="en-US" sz="3000" dirty="0">
                 <a:sym typeface="Wingdings" pitchFamily="2" charset="2"/>
               </a:rPr>
-              <a:t>Brown, </a:t>
+              <a:t>Thanks to </a:t>
             </a:r>
             <a:r>
               <a:rPr lang="en-US" sz="3000" dirty="0" smtClean="0">
                 <a:sym typeface="Wingdings" pitchFamily="2" charset="2"/>
               </a:rPr>
-              <a:t>DIB </a:t>
+              <a:t>the </a:t>
             </a:r>
             <a:r>
               <a:rPr lang="en-US" sz="3000" dirty="0">
                 <a:sym typeface="Wingdings" pitchFamily="2" charset="2"/>
               </a:rPr>
-              <a:t>lab </a:t>
+              <a:t>DIB lab and Whitehead lab members at UC Davis </a:t>
             </a:r>
             <a:r>
               <a:rPr lang="en-US" sz="3000" dirty="0" smtClean="0">
                 <a:sym typeface="Wingdings" pitchFamily="2" charset="2"/>
               </a:rPr>
-              <a:t>and Whitehead lab members </a:t>
-            </a:r>
-            <a:r>
-              <a:rPr lang="en-US" sz="3000" dirty="0">
-                <a:sym typeface="Wingdings" pitchFamily="2" charset="2"/>
-              </a:rPr>
-              <a:t>at UC </a:t>
+              <a:t>for helpful </a:t>
             </a:r>
             <a:r>
               <a:rPr lang="en-US" sz="3000" dirty="0" smtClean="0">
                 <a:sym typeface="Wingdings" pitchFamily="2" charset="2"/>
               </a:rPr>
-              <a:t>Davis for guidance, assistance and helpful discussions. </a:t>
+              <a:t>discussions. </a:t>
             </a:r>
             <a:endParaRPr lang="en-US" sz="3000" dirty="0">
               <a:sym typeface="Wingdings" pitchFamily="2" charset="2"/>
@@ -18133,7 +14758,7 @@
         </p:nvSpPr>
         <p:spPr>
           <a:xfrm>
-            <a:off x="30206116" y="27660600"/>
+            <a:off x="30206116" y="27508200"/>
             <a:ext cx="12294638" cy="2400657"/>
           </a:xfrm>
           <a:prstGeom prst="rect">
@@ -18168,13 +14793,13 @@
             </a:r>
             <a:r>
               <a:rPr lang="en-US" sz="3000" dirty="0" smtClean="0">
-                <a:hlinkClick r:id="rId11"/>
+                <a:hlinkClick r:id="rId10"/>
               </a:rPr>
               <a:t>http</a:t>
             </a:r>
             <a:r>
               <a:rPr lang="en-US" sz="3000" dirty="0">
-                <a:hlinkClick r:id="rId11"/>
+                <a:hlinkClick r:id="rId10"/>
               </a:rPr>
               <a:t>://doi.org/10.17605/OSF.IO/M4XEG</a:t>
             </a:r>
@@ -18199,13 +14824,13 @@
             </a:r>
             <a:r>
               <a:rPr lang="en-US" sz="3000" dirty="0">
-                <a:hlinkClick r:id="rId12"/>
+                <a:hlinkClick r:id="rId11"/>
               </a:rPr>
               <a:t>https://</a:t>
             </a:r>
             <a:r>
               <a:rPr lang="en-US" sz="3000" dirty="0" smtClean="0">
-                <a:hlinkClick r:id="rId12"/>
+                <a:hlinkClick r:id="rId11"/>
               </a:rPr>
               <a:t>github.com/ljcohen/RNAseq_15killifish</a:t>
             </a:r>
@@ -18225,19 +14850,19 @@
             </a:r>
             <a:r>
               <a:rPr lang="en-US" sz="3000" dirty="0" smtClean="0">
-                <a:hlinkClick r:id="rId13"/>
+                <a:hlinkClick r:id="rId12"/>
               </a:rPr>
               <a:t>https</a:t>
             </a:r>
             <a:r>
               <a:rPr lang="en-US" sz="3000" dirty="0">
-                <a:hlinkClick r:id="rId13"/>
+                <a:hlinkClick r:id="rId12"/>
               </a:rPr>
               <a:t>://</a:t>
             </a:r>
             <a:r>
               <a:rPr lang="en-US" sz="3000" dirty="0" smtClean="0">
-                <a:hlinkClick r:id="rId13"/>
+                <a:hlinkClick r:id="rId12"/>
               </a:rPr>
               <a:t>www.ncbi.nlm.nih.gov/bioproject/473009</a:t>
             </a:r>
@@ -18259,7 +14884,7 @@
         </p:nvSpPr>
         <p:spPr>
           <a:xfrm>
-            <a:off x="30335268" y="26153477"/>
+            <a:off x="30251400" y="26153477"/>
             <a:ext cx="2527615" cy="1246495"/>
           </a:xfrm>
           <a:prstGeom prst="rect">
@@ -18281,1326 +14906,3472 @@
           </a:p>
         </p:txBody>
       </p:sp>
+      <p:grpSp>
+        <p:nvGrpSpPr>
+          <p:cNvPr id="32" name="Group 31"/>
+          <p:cNvGrpSpPr/>
+          <p:nvPr/>
+        </p:nvGrpSpPr>
+        <p:grpSpPr>
+          <a:xfrm>
+            <a:off x="13035147" y="6781800"/>
+            <a:ext cx="2281053" cy="5064115"/>
+            <a:chOff x="12377373" y="6606024"/>
+            <a:chExt cx="2281053" cy="5064115"/>
+          </a:xfrm>
+        </p:grpSpPr>
+        <p:grpSp>
+          <p:nvGrpSpPr>
+            <p:cNvPr id="153" name="Group 152"/>
+            <p:cNvGrpSpPr/>
+            <p:nvPr/>
+          </p:nvGrpSpPr>
+          <p:grpSpPr>
+            <a:xfrm>
+              <a:off x="12377373" y="6606024"/>
+              <a:ext cx="2281053" cy="5064115"/>
+              <a:chOff x="1323462" y="792546"/>
+              <a:chExt cx="2478155" cy="5859633"/>
+            </a:xfrm>
+          </p:grpSpPr>
+          <p:sp>
+            <p:nvSpPr>
+              <p:cNvPr id="168" name="Can 167"/>
+              <p:cNvSpPr/>
+              <p:nvPr/>
+            </p:nvSpPr>
+            <p:spPr>
+              <a:xfrm>
+                <a:off x="1323462" y="792546"/>
+                <a:ext cx="2478155" cy="2865568"/>
+              </a:xfrm>
+              <a:prstGeom prst="can">
+                <a:avLst/>
+              </a:prstGeom>
+              <a:gradFill>
+                <a:gsLst>
+                  <a:gs pos="0">
+                    <a:schemeClr val="accent1">
+                      <a:tint val="100000"/>
+                      <a:shade val="100000"/>
+                      <a:satMod val="130000"/>
+                    </a:schemeClr>
+                  </a:gs>
+                  <a:gs pos="9000">
+                    <a:schemeClr val="accent1">
+                      <a:lumMod val="20000"/>
+                      <a:lumOff val="80000"/>
+                    </a:schemeClr>
+                  </a:gs>
+                </a:gsLst>
+              </a:gradFill>
+            </p:spPr>
+            <p:style>
+              <a:lnRef idx="1">
+                <a:schemeClr val="accent1"/>
+              </a:lnRef>
+              <a:fillRef idx="3">
+                <a:schemeClr val="accent1"/>
+              </a:fillRef>
+              <a:effectRef idx="2">
+                <a:schemeClr val="accent1"/>
+              </a:effectRef>
+              <a:fontRef idx="minor">
+                <a:schemeClr val="lt1"/>
+              </a:fontRef>
+            </p:style>
+            <p:txBody>
+              <a:bodyPr rtlCol="0" anchor="ctr"/>
+              <a:lstStyle/>
+              <a:p>
+                <a:pPr algn="ctr"/>
+                <a:endParaRPr lang="en-US"/>
+              </a:p>
+            </p:txBody>
+          </p:sp>
+          <p:sp>
+            <p:nvSpPr>
+              <p:cNvPr id="190" name="Can 189"/>
+              <p:cNvSpPr/>
+              <p:nvPr/>
+            </p:nvSpPr>
+            <p:spPr>
+              <a:xfrm>
+                <a:off x="1323462" y="3786612"/>
+                <a:ext cx="2478155" cy="2865567"/>
+              </a:xfrm>
+              <a:prstGeom prst="can">
+                <a:avLst/>
+              </a:prstGeom>
+              <a:gradFill>
+                <a:gsLst>
+                  <a:gs pos="0">
+                    <a:schemeClr val="accent1">
+                      <a:tint val="100000"/>
+                      <a:shade val="100000"/>
+                      <a:satMod val="130000"/>
+                    </a:schemeClr>
+                  </a:gs>
+                  <a:gs pos="54000">
+                    <a:schemeClr val="accent1">
+                      <a:lumMod val="40000"/>
+                      <a:lumOff val="60000"/>
+                    </a:schemeClr>
+                  </a:gs>
+                </a:gsLst>
+              </a:gradFill>
+            </p:spPr>
+            <p:style>
+              <a:lnRef idx="1">
+                <a:schemeClr val="accent1"/>
+              </a:lnRef>
+              <a:fillRef idx="3">
+                <a:schemeClr val="accent1"/>
+              </a:fillRef>
+              <a:effectRef idx="2">
+                <a:schemeClr val="accent1"/>
+              </a:effectRef>
+              <a:fontRef idx="minor">
+                <a:schemeClr val="lt1"/>
+              </a:fontRef>
+            </p:style>
+            <p:txBody>
+              <a:bodyPr rtlCol="0" anchor="ctr"/>
+              <a:lstStyle/>
+              <a:p>
+                <a:pPr algn="ctr"/>
+                <a:endParaRPr lang="en-US"/>
+              </a:p>
+            </p:txBody>
+          </p:sp>
+          <p:pic>
+            <p:nvPicPr>
+              <p:cNvPr id="203" name="Picture 202" descr="normal_ian-symbol-fundulus-heteroclitus-male (1).png"/>
+              <p:cNvPicPr>
+                <a:picLocks noChangeAspect="1"/>
+              </p:cNvPicPr>
+              <p:nvPr/>
+            </p:nvPicPr>
+            <p:blipFill>
+              <a:blip r:embed="rId13">
+                <a:extLst>
+                  <a:ext uri="{28A0092B-C50C-407E-A947-70E740481C1C}">
+                    <a14:useLocalDpi xmlns:a14="http://schemas.microsoft.com/office/drawing/2010/main" val="0"/>
+                  </a:ext>
+                </a:extLst>
+              </a:blip>
+              <a:stretch>
+                <a:fillRect/>
+              </a:stretch>
+            </p:blipFill>
+            <p:spPr>
+              <a:xfrm>
+                <a:off x="1662856" y="4597992"/>
+                <a:ext cx="991263" cy="473328"/>
+              </a:xfrm>
+              <a:prstGeom prst="rect">
+                <a:avLst/>
+              </a:prstGeom>
+            </p:spPr>
+          </p:pic>
+          <p:pic>
+            <p:nvPicPr>
+              <p:cNvPr id="204" name="Picture 203" descr="normal_ian-symbol-fundulus-heteroclitus-male (1).png"/>
+              <p:cNvPicPr>
+                <a:picLocks noChangeAspect="1"/>
+              </p:cNvPicPr>
+              <p:nvPr/>
+            </p:nvPicPr>
+            <p:blipFill>
+              <a:blip r:embed="rId13">
+                <a:extLst>
+                  <a:ext uri="{28A0092B-C50C-407E-A947-70E740481C1C}">
+                    <a14:useLocalDpi xmlns:a14="http://schemas.microsoft.com/office/drawing/2010/main" val="0"/>
+                  </a:ext>
+                </a:extLst>
+              </a:blip>
+              <a:stretch>
+                <a:fillRect/>
+              </a:stretch>
+            </p:blipFill>
+            <p:spPr>
+              <a:xfrm>
+                <a:off x="2504206" y="5128806"/>
+                <a:ext cx="991263" cy="473328"/>
+              </a:xfrm>
+              <a:prstGeom prst="rect">
+                <a:avLst/>
+              </a:prstGeom>
+            </p:spPr>
+          </p:pic>
+          <p:pic>
+            <p:nvPicPr>
+              <p:cNvPr id="205" name="Picture 204" descr="normal_ian-symbol-fundulus-heteroclitus-male (1).png"/>
+              <p:cNvPicPr>
+                <a:picLocks noChangeAspect="1"/>
+              </p:cNvPicPr>
+              <p:nvPr/>
+            </p:nvPicPr>
+            <p:blipFill>
+              <a:blip r:embed="rId13">
+                <a:extLst>
+                  <a:ext uri="{28A0092B-C50C-407E-A947-70E740481C1C}">
+                    <a14:useLocalDpi xmlns:a14="http://schemas.microsoft.com/office/drawing/2010/main" val="0"/>
+                  </a:ext>
+                </a:extLst>
+              </a:blip>
+              <a:stretch>
+                <a:fillRect/>
+              </a:stretch>
+            </p:blipFill>
+            <p:spPr>
+              <a:xfrm>
+                <a:off x="1621362" y="5714180"/>
+                <a:ext cx="991263" cy="473328"/>
+              </a:xfrm>
+              <a:prstGeom prst="rect">
+                <a:avLst/>
+              </a:prstGeom>
+            </p:spPr>
+          </p:pic>
+          <p:sp>
+            <p:nvSpPr>
+              <p:cNvPr id="206" name="TextBox 205"/>
+              <p:cNvSpPr txBox="1"/>
+              <p:nvPr/>
+            </p:nvSpPr>
+            <p:spPr>
+              <a:xfrm>
+                <a:off x="2045489" y="824398"/>
+                <a:ext cx="1176638" cy="534188"/>
+              </a:xfrm>
+              <a:prstGeom prst="rect">
+                <a:avLst/>
+              </a:prstGeom>
+              <a:noFill/>
+            </p:spPr>
+            <p:txBody>
+              <a:bodyPr wrap="none" rtlCol="0">
+                <a:spAutoFit/>
+              </a:bodyPr>
+              <a:lstStyle/>
+              <a:p>
+                <a:r>
+                  <a:rPr lang="en-US" sz="2400" b="1" dirty="0" smtClean="0"/>
+                  <a:t>0.2 </a:t>
+                </a:r>
+                <a:r>
+                  <a:rPr lang="en-US" sz="2400" b="1" dirty="0" err="1" smtClean="0"/>
+                  <a:t>ppt</a:t>
+                </a:r>
+                <a:endParaRPr lang="en-US" sz="2400" b="1" dirty="0"/>
+              </a:p>
+            </p:txBody>
+          </p:sp>
+          <p:sp>
+            <p:nvSpPr>
+              <p:cNvPr id="209" name="TextBox 208"/>
+              <p:cNvSpPr txBox="1"/>
+              <p:nvPr/>
+            </p:nvSpPr>
+            <p:spPr>
+              <a:xfrm>
+                <a:off x="2051522" y="3792435"/>
+                <a:ext cx="1087821" cy="534188"/>
+              </a:xfrm>
+              <a:prstGeom prst="rect">
+                <a:avLst/>
+              </a:prstGeom>
+              <a:noFill/>
+            </p:spPr>
+            <p:txBody>
+              <a:bodyPr wrap="none" rtlCol="0">
+                <a:spAutoFit/>
+              </a:bodyPr>
+              <a:lstStyle/>
+              <a:p>
+                <a:r>
+                  <a:rPr lang="en-US" sz="2400" b="1" dirty="0" smtClean="0"/>
+                  <a:t>15 </a:t>
+                </a:r>
+                <a:r>
+                  <a:rPr lang="en-US" sz="2400" b="1" dirty="0" err="1" smtClean="0"/>
+                  <a:t>ppt</a:t>
+                </a:r>
+                <a:endParaRPr lang="en-US" sz="2400" b="1" dirty="0"/>
+              </a:p>
+            </p:txBody>
+          </p:sp>
+        </p:grpSp>
+        <p:pic>
+          <p:nvPicPr>
+            <p:cNvPr id="281" name="Picture 280" descr="normal_ian-symbol-fundulus-heteroclitus-male (1).png"/>
+            <p:cNvPicPr>
+              <a:picLocks noChangeAspect="1"/>
+            </p:cNvPicPr>
+            <p:nvPr/>
+          </p:nvPicPr>
+          <p:blipFill>
+            <a:blip r:embed="rId13">
+              <a:extLst>
+                <a:ext uri="{28A0092B-C50C-407E-A947-70E740481C1C}">
+                  <a14:useLocalDpi xmlns:a14="http://schemas.microsoft.com/office/drawing/2010/main" val="0"/>
+                </a:ext>
+              </a:extLst>
+            </a:blip>
+            <a:stretch>
+              <a:fillRect/>
+            </a:stretch>
+          </p:blipFill>
+          <p:spPr>
+            <a:xfrm>
+              <a:off x="12754158" y="7323314"/>
+              <a:ext cx="912422" cy="409068"/>
+            </a:xfrm>
+            <a:prstGeom prst="rect">
+              <a:avLst/>
+            </a:prstGeom>
+          </p:spPr>
+        </p:pic>
+        <p:pic>
+          <p:nvPicPr>
+            <p:cNvPr id="304" name="Picture 303" descr="normal_ian-symbol-fundulus-heteroclitus-male (1).png"/>
+            <p:cNvPicPr>
+              <a:picLocks noChangeAspect="1"/>
+            </p:cNvPicPr>
+            <p:nvPr/>
+          </p:nvPicPr>
+          <p:blipFill>
+            <a:blip r:embed="rId13">
+              <a:extLst>
+                <a:ext uri="{28A0092B-C50C-407E-A947-70E740481C1C}">
+                  <a14:useLocalDpi xmlns:a14="http://schemas.microsoft.com/office/drawing/2010/main" val="0"/>
+                </a:ext>
+              </a:extLst>
+            </a:blip>
+            <a:stretch>
+              <a:fillRect/>
+            </a:stretch>
+          </p:blipFill>
+          <p:spPr>
+            <a:xfrm>
+              <a:off x="13528591" y="7782064"/>
+              <a:ext cx="912422" cy="409068"/>
+            </a:xfrm>
+            <a:prstGeom prst="rect">
+              <a:avLst/>
+            </a:prstGeom>
+          </p:spPr>
+        </p:pic>
+        <p:pic>
+          <p:nvPicPr>
+            <p:cNvPr id="305" name="Picture 304" descr="normal_ian-symbol-fundulus-heteroclitus-male (1).png"/>
+            <p:cNvPicPr>
+              <a:picLocks noChangeAspect="1"/>
+            </p:cNvPicPr>
+            <p:nvPr/>
+          </p:nvPicPr>
+          <p:blipFill>
+            <a:blip r:embed="rId13">
+              <a:extLst>
+                <a:ext uri="{28A0092B-C50C-407E-A947-70E740481C1C}">
+                  <a14:useLocalDpi xmlns:a14="http://schemas.microsoft.com/office/drawing/2010/main" val="0"/>
+                </a:ext>
+              </a:extLst>
+            </a:blip>
+            <a:stretch>
+              <a:fillRect/>
+            </a:stretch>
+          </p:blipFill>
+          <p:spPr>
+            <a:xfrm>
+              <a:off x="12715964" y="8287966"/>
+              <a:ext cx="912422" cy="409068"/>
+            </a:xfrm>
+            <a:prstGeom prst="rect">
+              <a:avLst/>
+            </a:prstGeom>
+          </p:spPr>
+        </p:pic>
+      </p:grpSp>
+      <p:grpSp>
+        <p:nvGrpSpPr>
+          <p:cNvPr id="468" name="Group 467"/>
+          <p:cNvGrpSpPr/>
+          <p:nvPr/>
+        </p:nvGrpSpPr>
+        <p:grpSpPr>
+          <a:xfrm>
+            <a:off x="12192000" y="25987648"/>
+            <a:ext cx="8599114" cy="6397352"/>
+            <a:chOff x="12085017" y="25908000"/>
+            <a:chExt cx="8599114" cy="6397352"/>
+          </a:xfrm>
+        </p:grpSpPr>
+        <p:sp>
+          <p:nvSpPr>
+            <p:cNvPr id="179" name="Shape 186"/>
+            <p:cNvSpPr txBox="1"/>
+            <p:nvPr/>
+          </p:nvSpPr>
+          <p:spPr>
+            <a:xfrm>
+              <a:off x="13376832" y="31984374"/>
+              <a:ext cx="1329768" cy="312827"/>
+            </a:xfrm>
+            <a:prstGeom prst="rect">
+              <a:avLst/>
+            </a:prstGeom>
+            <a:noFill/>
+            <a:ln>
+              <a:noFill/>
+            </a:ln>
+          </p:spPr>
+          <p:txBody>
+            <a:bodyPr lIns="91425" tIns="91425" rIns="91425" bIns="91425" anchor="t" anchorCtr="0">
+              <a:noAutofit/>
+            </a:bodyPr>
+            <a:lstStyle/>
+            <a:p>
+              <a:pPr lvl="0">
+                <a:spcBef>
+                  <a:spcPts val="0"/>
+                </a:spcBef>
+                <a:buNone/>
+              </a:pPr>
+              <a:r>
+                <a:rPr lang="en-US" sz="2400" b="1" dirty="0" smtClean="0"/>
+                <a:t>Clade 1</a:t>
+              </a:r>
+              <a:endParaRPr lang="en" sz="2400" b="1" dirty="0"/>
+            </a:p>
+          </p:txBody>
+        </p:sp>
+        <p:sp>
+          <p:nvSpPr>
+            <p:cNvPr id="180" name="Shape 186"/>
+            <p:cNvSpPr txBox="1"/>
+            <p:nvPr/>
+          </p:nvSpPr>
+          <p:spPr>
+            <a:xfrm>
+              <a:off x="16149647" y="31994395"/>
+              <a:ext cx="1300153" cy="310957"/>
+            </a:xfrm>
+            <a:prstGeom prst="rect">
+              <a:avLst/>
+            </a:prstGeom>
+            <a:noFill/>
+            <a:ln>
+              <a:noFill/>
+            </a:ln>
+          </p:spPr>
+          <p:txBody>
+            <a:bodyPr lIns="91425" tIns="91425" rIns="91425" bIns="91425" anchor="t" anchorCtr="0">
+              <a:noAutofit/>
+            </a:bodyPr>
+            <a:lstStyle/>
+            <a:p>
+              <a:pPr lvl="0">
+                <a:spcBef>
+                  <a:spcPts val="0"/>
+                </a:spcBef>
+                <a:buNone/>
+              </a:pPr>
+              <a:r>
+                <a:rPr lang="en-US" sz="2400" b="1" dirty="0" smtClean="0"/>
+                <a:t>Clade 2</a:t>
+              </a:r>
+              <a:endParaRPr lang="en" sz="2400" b="1" dirty="0"/>
+            </a:p>
+          </p:txBody>
+        </p:sp>
+        <p:sp>
+          <p:nvSpPr>
+            <p:cNvPr id="181" name="Shape 186"/>
+            <p:cNvSpPr txBox="1"/>
+            <p:nvPr/>
+          </p:nvSpPr>
+          <p:spPr>
+            <a:xfrm>
+              <a:off x="19126200" y="32002546"/>
+              <a:ext cx="1546108" cy="302806"/>
+            </a:xfrm>
+            <a:prstGeom prst="rect">
+              <a:avLst/>
+            </a:prstGeom>
+            <a:noFill/>
+            <a:ln>
+              <a:noFill/>
+            </a:ln>
+          </p:spPr>
+          <p:txBody>
+            <a:bodyPr lIns="91425" tIns="91425" rIns="91425" bIns="91425" anchor="t" anchorCtr="0">
+              <a:noAutofit/>
+            </a:bodyPr>
+            <a:lstStyle/>
+            <a:p>
+              <a:pPr lvl="0">
+                <a:spcBef>
+                  <a:spcPts val="0"/>
+                </a:spcBef>
+                <a:buNone/>
+              </a:pPr>
+              <a:r>
+                <a:rPr lang="en-US" sz="2400" b="1" dirty="0" smtClean="0"/>
+                <a:t>Clade 3</a:t>
+              </a:r>
+              <a:endParaRPr lang="en" sz="2400" b="1" dirty="0"/>
+            </a:p>
+          </p:txBody>
+        </p:sp>
+        <p:cxnSp>
+          <p:nvCxnSpPr>
+            <p:cNvPr id="182" name="Shape 181"/>
+            <p:cNvCxnSpPr/>
+            <p:nvPr/>
+          </p:nvCxnSpPr>
+          <p:spPr>
+            <a:xfrm>
+              <a:off x="12599890" y="26724389"/>
+              <a:ext cx="0" cy="2118960"/>
+            </a:xfrm>
+            <a:prstGeom prst="straightConnector1">
+              <a:avLst/>
+            </a:prstGeom>
+            <a:noFill/>
+            <a:ln w="9525" cap="flat" cmpd="sng">
+              <a:solidFill>
+                <a:schemeClr val="dk2"/>
+              </a:solidFill>
+              <a:prstDash val="solid"/>
+              <a:round/>
+              <a:headEnd type="none" w="lg" len="lg"/>
+              <a:tailEnd type="none" w="lg" len="lg"/>
+            </a:ln>
+          </p:spPr>
+        </p:cxnSp>
+        <p:cxnSp>
+          <p:nvCxnSpPr>
+            <p:cNvPr id="183" name="Shape 182"/>
+            <p:cNvCxnSpPr/>
+            <p:nvPr/>
+          </p:nvCxnSpPr>
+          <p:spPr>
+            <a:xfrm>
+              <a:off x="12598913" y="28829741"/>
+              <a:ext cx="2395158" cy="0"/>
+            </a:xfrm>
+            <a:prstGeom prst="straightConnector1">
+              <a:avLst/>
+            </a:prstGeom>
+            <a:noFill/>
+            <a:ln w="9525" cap="flat" cmpd="sng">
+              <a:solidFill>
+                <a:schemeClr val="dk2"/>
+              </a:solidFill>
+              <a:prstDash val="solid"/>
+              <a:round/>
+              <a:headEnd type="none" w="lg" len="lg"/>
+              <a:tailEnd type="none" w="lg" len="lg"/>
+            </a:ln>
+          </p:spPr>
+        </p:cxnSp>
+        <p:cxnSp>
+          <p:nvCxnSpPr>
+            <p:cNvPr id="186" name="Shape 183"/>
+            <p:cNvCxnSpPr/>
+            <p:nvPr/>
+          </p:nvCxnSpPr>
+          <p:spPr>
+            <a:xfrm>
+              <a:off x="13258800" y="28777556"/>
+              <a:ext cx="0" cy="182693"/>
+            </a:xfrm>
+            <a:prstGeom prst="straightConnector1">
+              <a:avLst/>
+            </a:prstGeom>
+            <a:noFill/>
+            <a:ln w="9525" cap="flat" cmpd="sng">
+              <a:solidFill>
+                <a:schemeClr val="dk2"/>
+              </a:solidFill>
+              <a:prstDash val="solid"/>
+              <a:round/>
+              <a:headEnd type="none" w="lg" len="lg"/>
+              <a:tailEnd type="none" w="lg" len="lg"/>
+            </a:ln>
+          </p:spPr>
+        </p:cxnSp>
+        <p:cxnSp>
+          <p:nvCxnSpPr>
+            <p:cNvPr id="193" name="Shape 185"/>
+            <p:cNvCxnSpPr/>
+            <p:nvPr/>
+          </p:nvCxnSpPr>
+          <p:spPr>
+            <a:xfrm>
+              <a:off x="14478000" y="28777556"/>
+              <a:ext cx="0" cy="182693"/>
+            </a:xfrm>
+            <a:prstGeom prst="straightConnector1">
+              <a:avLst/>
+            </a:prstGeom>
+            <a:noFill/>
+            <a:ln w="9525" cap="flat" cmpd="sng">
+              <a:solidFill>
+                <a:schemeClr val="dk2"/>
+              </a:solidFill>
+              <a:prstDash val="solid"/>
+              <a:round/>
+              <a:headEnd type="none" w="lg" len="lg"/>
+              <a:tailEnd type="none" w="lg" len="lg"/>
+            </a:ln>
+          </p:spPr>
+        </p:cxnSp>
+        <p:sp>
+          <p:nvSpPr>
+            <p:cNvPr id="194" name="Shape 186"/>
+            <p:cNvSpPr txBox="1"/>
+            <p:nvPr/>
+          </p:nvSpPr>
+          <p:spPr>
+            <a:xfrm>
+              <a:off x="12948023" y="28879800"/>
+              <a:ext cx="844177" cy="312827"/>
+            </a:xfrm>
+            <a:prstGeom prst="rect">
+              <a:avLst/>
+            </a:prstGeom>
+            <a:noFill/>
+            <a:ln>
+              <a:noFill/>
+            </a:ln>
+          </p:spPr>
+          <p:txBody>
+            <a:bodyPr lIns="91425" tIns="91425" rIns="91425" bIns="91425" anchor="t" anchorCtr="0">
+              <a:noAutofit/>
+            </a:bodyPr>
+            <a:lstStyle/>
+            <a:p>
+              <a:pPr lvl="0">
+                <a:spcBef>
+                  <a:spcPts val="0"/>
+                </a:spcBef>
+                <a:buNone/>
+              </a:pPr>
+              <a:r>
+                <a:rPr lang="en" sz="1800" dirty="0"/>
+                <a:t>0.2ppt</a:t>
+              </a:r>
+            </a:p>
+          </p:txBody>
+        </p:sp>
+        <p:sp>
+          <p:nvSpPr>
+            <p:cNvPr id="198" name="Shape 188"/>
+            <p:cNvSpPr txBox="1"/>
+            <p:nvPr/>
+          </p:nvSpPr>
+          <p:spPr>
+            <a:xfrm>
+              <a:off x="14097000" y="28879800"/>
+              <a:ext cx="841140" cy="312827"/>
+            </a:xfrm>
+            <a:prstGeom prst="rect">
+              <a:avLst/>
+            </a:prstGeom>
+            <a:noFill/>
+            <a:ln>
+              <a:noFill/>
+            </a:ln>
+          </p:spPr>
+          <p:txBody>
+            <a:bodyPr lIns="91425" tIns="91425" rIns="91425" bIns="91425" anchor="t" anchorCtr="0">
+              <a:noAutofit/>
+            </a:bodyPr>
+            <a:lstStyle/>
+            <a:p>
+              <a:pPr lvl="0" rtl="0">
+                <a:spcBef>
+                  <a:spcPts val="0"/>
+                </a:spcBef>
+                <a:buNone/>
+              </a:pPr>
+              <a:r>
+                <a:rPr lang="en" sz="1800" dirty="0"/>
+                <a:t>15 ppt</a:t>
+              </a:r>
+            </a:p>
+          </p:txBody>
+        </p:sp>
+        <p:sp>
+          <p:nvSpPr>
+            <p:cNvPr id="199" name="Shape 189"/>
+            <p:cNvSpPr txBox="1"/>
+            <p:nvPr/>
+          </p:nvSpPr>
+          <p:spPr>
+            <a:xfrm rot="16200000">
+              <a:off x="11299967" y="27453486"/>
+              <a:ext cx="2010391" cy="437098"/>
+            </a:xfrm>
+            <a:prstGeom prst="rect">
+              <a:avLst/>
+            </a:prstGeom>
+            <a:noFill/>
+            <a:ln>
+              <a:noFill/>
+            </a:ln>
+          </p:spPr>
+          <p:txBody>
+            <a:bodyPr lIns="91425" tIns="91425" rIns="91425" bIns="91425" anchor="t" anchorCtr="0">
+              <a:noAutofit/>
+            </a:bodyPr>
+            <a:lstStyle/>
+            <a:p>
+              <a:pPr lvl="0">
+                <a:spcBef>
+                  <a:spcPts val="0"/>
+                </a:spcBef>
+                <a:buNone/>
+              </a:pPr>
+              <a:r>
+                <a:rPr lang="en" sz="1800" dirty="0"/>
+                <a:t>Expression </a:t>
+              </a:r>
+              <a:r>
+                <a:rPr lang="en" sz="1800" dirty="0" smtClean="0"/>
+                <a:t>Gene</a:t>
+              </a:r>
+              <a:r>
+                <a:rPr lang="en-US" sz="1600" dirty="0" smtClean="0"/>
+                <a:t> </a:t>
+              </a:r>
+              <a:r>
+                <a:rPr lang="en" sz="1600" dirty="0" smtClean="0"/>
+                <a:t>A</a:t>
+              </a:r>
+              <a:endParaRPr lang="en" sz="1600" dirty="0"/>
+            </a:p>
+          </p:txBody>
+        </p:sp>
+        <p:cxnSp>
+          <p:nvCxnSpPr>
+            <p:cNvPr id="215" name="Shape 181"/>
+            <p:cNvCxnSpPr/>
+            <p:nvPr/>
+          </p:nvCxnSpPr>
+          <p:spPr>
+            <a:xfrm>
+              <a:off x="15444409" y="26724389"/>
+              <a:ext cx="0" cy="2118960"/>
+            </a:xfrm>
+            <a:prstGeom prst="straightConnector1">
+              <a:avLst/>
+            </a:prstGeom>
+            <a:noFill/>
+            <a:ln w="9525" cap="flat" cmpd="sng">
+              <a:solidFill>
+                <a:schemeClr val="dk2"/>
+              </a:solidFill>
+              <a:prstDash val="solid"/>
+              <a:round/>
+              <a:headEnd type="none" w="lg" len="lg"/>
+              <a:tailEnd type="none" w="lg" len="lg"/>
+            </a:ln>
+          </p:spPr>
+        </p:cxnSp>
+        <p:cxnSp>
+          <p:nvCxnSpPr>
+            <p:cNvPr id="219" name="Shape 182"/>
+            <p:cNvCxnSpPr/>
+            <p:nvPr/>
+          </p:nvCxnSpPr>
+          <p:spPr>
+            <a:xfrm>
+              <a:off x="15443432" y="28829741"/>
+              <a:ext cx="2395158" cy="0"/>
+            </a:xfrm>
+            <a:prstGeom prst="straightConnector1">
+              <a:avLst/>
+            </a:prstGeom>
+            <a:noFill/>
+            <a:ln w="9525" cap="flat" cmpd="sng">
+              <a:solidFill>
+                <a:schemeClr val="dk2"/>
+              </a:solidFill>
+              <a:prstDash val="solid"/>
+              <a:round/>
+              <a:headEnd type="none" w="lg" len="lg"/>
+              <a:tailEnd type="none" w="lg" len="lg"/>
+            </a:ln>
+          </p:spPr>
+        </p:cxnSp>
+        <p:cxnSp>
+          <p:nvCxnSpPr>
+            <p:cNvPr id="220" name="Shape 183"/>
+            <p:cNvCxnSpPr/>
+            <p:nvPr/>
+          </p:nvCxnSpPr>
+          <p:spPr>
+            <a:xfrm>
+              <a:off x="16078200" y="28777556"/>
+              <a:ext cx="0" cy="182693"/>
+            </a:xfrm>
+            <a:prstGeom prst="straightConnector1">
+              <a:avLst/>
+            </a:prstGeom>
+            <a:noFill/>
+            <a:ln w="9525" cap="flat" cmpd="sng">
+              <a:solidFill>
+                <a:schemeClr val="dk2"/>
+              </a:solidFill>
+              <a:prstDash val="solid"/>
+              <a:round/>
+              <a:headEnd type="none" w="lg" len="lg"/>
+              <a:tailEnd type="none" w="lg" len="lg"/>
+            </a:ln>
+          </p:spPr>
+        </p:cxnSp>
+        <p:cxnSp>
+          <p:nvCxnSpPr>
+            <p:cNvPr id="222" name="Shape 185"/>
+            <p:cNvCxnSpPr/>
+            <p:nvPr/>
+          </p:nvCxnSpPr>
+          <p:spPr>
+            <a:xfrm>
+              <a:off x="17373600" y="28777556"/>
+              <a:ext cx="0" cy="182693"/>
+            </a:xfrm>
+            <a:prstGeom prst="straightConnector1">
+              <a:avLst/>
+            </a:prstGeom>
+            <a:noFill/>
+            <a:ln w="9525" cap="flat" cmpd="sng">
+              <a:solidFill>
+                <a:schemeClr val="dk2"/>
+              </a:solidFill>
+              <a:prstDash val="solid"/>
+              <a:round/>
+              <a:headEnd type="none" w="lg" len="lg"/>
+              <a:tailEnd type="none" w="lg" len="lg"/>
+            </a:ln>
+          </p:spPr>
+        </p:cxnSp>
+        <p:cxnSp>
+          <p:nvCxnSpPr>
+            <p:cNvPr id="226" name="Shape 181"/>
+            <p:cNvCxnSpPr/>
+            <p:nvPr/>
+          </p:nvCxnSpPr>
+          <p:spPr>
+            <a:xfrm>
+              <a:off x="18287818" y="26732863"/>
+              <a:ext cx="0" cy="2118960"/>
+            </a:xfrm>
+            <a:prstGeom prst="straightConnector1">
+              <a:avLst/>
+            </a:prstGeom>
+            <a:noFill/>
+            <a:ln w="9525" cap="flat" cmpd="sng">
+              <a:solidFill>
+                <a:schemeClr val="dk2"/>
+              </a:solidFill>
+              <a:prstDash val="solid"/>
+              <a:round/>
+              <a:headEnd type="none" w="lg" len="lg"/>
+              <a:tailEnd type="none" w="lg" len="lg"/>
+            </a:ln>
+          </p:spPr>
+        </p:cxnSp>
+        <p:cxnSp>
+          <p:nvCxnSpPr>
+            <p:cNvPr id="227" name="Shape 182"/>
+            <p:cNvCxnSpPr/>
+            <p:nvPr/>
+          </p:nvCxnSpPr>
+          <p:spPr>
+            <a:xfrm>
+              <a:off x="18286841" y="28838215"/>
+              <a:ext cx="2395158" cy="0"/>
+            </a:xfrm>
+            <a:prstGeom prst="straightConnector1">
+              <a:avLst/>
+            </a:prstGeom>
+            <a:noFill/>
+            <a:ln w="9525" cap="flat" cmpd="sng">
+              <a:solidFill>
+                <a:schemeClr val="dk2"/>
+              </a:solidFill>
+              <a:prstDash val="solid"/>
+              <a:round/>
+              <a:headEnd type="none" w="lg" len="lg"/>
+              <a:tailEnd type="none" w="lg" len="lg"/>
+            </a:ln>
+          </p:spPr>
+        </p:cxnSp>
+        <p:cxnSp>
+          <p:nvCxnSpPr>
+            <p:cNvPr id="228" name="Shape 183"/>
+            <p:cNvCxnSpPr/>
+            <p:nvPr/>
+          </p:nvCxnSpPr>
+          <p:spPr>
+            <a:xfrm>
+              <a:off x="18973800" y="28786030"/>
+              <a:ext cx="0" cy="182693"/>
+            </a:xfrm>
+            <a:prstGeom prst="straightConnector1">
+              <a:avLst/>
+            </a:prstGeom>
+            <a:noFill/>
+            <a:ln w="9525" cap="flat" cmpd="sng">
+              <a:solidFill>
+                <a:schemeClr val="dk2"/>
+              </a:solidFill>
+              <a:prstDash val="solid"/>
+              <a:round/>
+              <a:headEnd type="none" w="lg" len="lg"/>
+              <a:tailEnd type="none" w="lg" len="lg"/>
+            </a:ln>
+          </p:spPr>
+        </p:cxnSp>
+        <p:cxnSp>
+          <p:nvCxnSpPr>
+            <p:cNvPr id="254" name="Shape 185"/>
+            <p:cNvCxnSpPr/>
+            <p:nvPr/>
+          </p:nvCxnSpPr>
+          <p:spPr>
+            <a:xfrm>
+              <a:off x="20193000" y="28786030"/>
+              <a:ext cx="0" cy="182693"/>
+            </a:xfrm>
+            <a:prstGeom prst="straightConnector1">
+              <a:avLst/>
+            </a:prstGeom>
+            <a:noFill/>
+            <a:ln w="9525" cap="flat" cmpd="sng">
+              <a:solidFill>
+                <a:schemeClr val="dk2"/>
+              </a:solidFill>
+              <a:prstDash val="solid"/>
+              <a:round/>
+              <a:headEnd type="none" w="lg" len="lg"/>
+              <a:tailEnd type="none" w="lg" len="lg"/>
+            </a:ln>
+          </p:spPr>
+        </p:cxnSp>
+        <p:sp>
+          <p:nvSpPr>
+            <p:cNvPr id="261" name="Shape 190"/>
+            <p:cNvSpPr/>
+            <p:nvPr/>
+          </p:nvSpPr>
+          <p:spPr>
+            <a:xfrm>
+              <a:off x="12186940" y="26060400"/>
+              <a:ext cx="190967" cy="182693"/>
+            </a:xfrm>
+            <a:prstGeom prst="rect">
+              <a:avLst/>
+            </a:prstGeom>
+            <a:solidFill>
+              <a:srgbClr val="0000FF"/>
+            </a:solidFill>
+            <a:ln w="9525" cap="flat" cmpd="sng">
+              <a:solidFill>
+                <a:schemeClr val="dk2"/>
+              </a:solidFill>
+              <a:prstDash val="solid"/>
+              <a:round/>
+              <a:headEnd type="none" w="med" len="med"/>
+              <a:tailEnd type="none" w="med" len="med"/>
+            </a:ln>
+          </p:spPr>
+          <p:txBody>
+            <a:bodyPr lIns="91425" tIns="91425" rIns="91425" bIns="91425" anchor="ctr" anchorCtr="0">
+              <a:noAutofit/>
+            </a:bodyPr>
+            <a:lstStyle/>
+            <a:p>
+              <a:pPr lvl="0">
+                <a:spcBef>
+                  <a:spcPts val="0"/>
+                </a:spcBef>
+                <a:buNone/>
+              </a:pPr>
+              <a:endParaRPr/>
+            </a:p>
+          </p:txBody>
+        </p:sp>
+        <p:sp>
+          <p:nvSpPr>
+            <p:cNvPr id="262" name="Shape 191"/>
+            <p:cNvSpPr/>
+            <p:nvPr/>
+          </p:nvSpPr>
+          <p:spPr>
+            <a:xfrm>
+              <a:off x="12179287" y="26405854"/>
+              <a:ext cx="190967" cy="182693"/>
+            </a:xfrm>
+            <a:prstGeom prst="triangle">
+              <a:avLst>
+                <a:gd name="adj" fmla="val 50000"/>
+              </a:avLst>
+            </a:prstGeom>
+            <a:solidFill>
+              <a:srgbClr val="FF0000"/>
+            </a:solidFill>
+            <a:ln w="9525" cap="flat" cmpd="sng">
+              <a:solidFill>
+                <a:schemeClr val="dk2"/>
+              </a:solidFill>
+              <a:prstDash val="solid"/>
+              <a:round/>
+              <a:headEnd type="none" w="med" len="med"/>
+              <a:tailEnd type="none" w="med" len="med"/>
+            </a:ln>
+          </p:spPr>
+          <p:txBody>
+            <a:bodyPr lIns="91425" tIns="91425" rIns="91425" bIns="91425" anchor="ctr" anchorCtr="0">
+              <a:noAutofit/>
+            </a:bodyPr>
+            <a:lstStyle/>
+            <a:p>
+              <a:pPr lvl="0">
+                <a:spcBef>
+                  <a:spcPts val="0"/>
+                </a:spcBef>
+                <a:buNone/>
+              </a:pPr>
+              <a:endParaRPr/>
+            </a:p>
+          </p:txBody>
+        </p:sp>
+        <p:sp>
+          <p:nvSpPr>
+            <p:cNvPr id="282" name="Shape 192"/>
+            <p:cNvSpPr txBox="1"/>
+            <p:nvPr/>
+          </p:nvSpPr>
+          <p:spPr>
+            <a:xfrm>
+              <a:off x="12315517" y="25908000"/>
+              <a:ext cx="3545867" cy="280387"/>
+            </a:xfrm>
+            <a:prstGeom prst="rect">
+              <a:avLst/>
+            </a:prstGeom>
+            <a:noFill/>
+            <a:ln>
+              <a:noFill/>
+            </a:ln>
+          </p:spPr>
+          <p:txBody>
+            <a:bodyPr lIns="91425" tIns="91425" rIns="91425" bIns="91425" anchor="t" anchorCtr="0">
+              <a:noAutofit/>
+            </a:bodyPr>
+            <a:lstStyle/>
+            <a:p>
+              <a:pPr lvl="0">
+                <a:spcBef>
+                  <a:spcPts val="0"/>
+                </a:spcBef>
+                <a:buNone/>
+              </a:pPr>
+              <a:r>
+                <a:rPr lang="en-US" sz="2000" dirty="0" smtClean="0"/>
+                <a:t> Marine </a:t>
+              </a:r>
+              <a:r>
+                <a:rPr lang="en" sz="2000" dirty="0" smtClean="0"/>
+                <a:t>physiology</a:t>
+              </a:r>
+              <a:endParaRPr lang="en" sz="2000" dirty="0"/>
+            </a:p>
+          </p:txBody>
+        </p:sp>
+        <p:sp>
+          <p:nvSpPr>
+            <p:cNvPr id="283" name="Shape 193"/>
+            <p:cNvSpPr txBox="1"/>
+            <p:nvPr/>
+          </p:nvSpPr>
+          <p:spPr>
+            <a:xfrm>
+              <a:off x="12297466" y="26289000"/>
+              <a:ext cx="3712065" cy="282612"/>
+            </a:xfrm>
+            <a:prstGeom prst="rect">
+              <a:avLst/>
+            </a:prstGeom>
+            <a:noFill/>
+            <a:ln>
+              <a:noFill/>
+            </a:ln>
+          </p:spPr>
+          <p:txBody>
+            <a:bodyPr lIns="91425" tIns="91425" rIns="91425" bIns="91425" anchor="t" anchorCtr="0">
+              <a:noAutofit/>
+            </a:bodyPr>
+            <a:lstStyle/>
+            <a:p>
+              <a:pPr lvl="0" rtl="0">
+                <a:spcBef>
+                  <a:spcPts val="0"/>
+                </a:spcBef>
+                <a:buNone/>
+              </a:pPr>
+              <a:r>
+                <a:rPr lang="en-US" sz="2000" dirty="0" smtClean="0"/>
+                <a:t> </a:t>
+              </a:r>
+              <a:r>
+                <a:rPr lang="en" sz="2000" dirty="0" smtClean="0"/>
+                <a:t>F</a:t>
+              </a:r>
+              <a:r>
+                <a:rPr lang="en-US" sz="2000" dirty="0" err="1" smtClean="0"/>
+                <a:t>reshwater</a:t>
+              </a:r>
+              <a:r>
+                <a:rPr lang="en-US" sz="2000" dirty="0" smtClean="0"/>
+                <a:t> </a:t>
+              </a:r>
+              <a:r>
+                <a:rPr lang="en-US" sz="2000" dirty="0" smtClean="0"/>
+                <a:t>p</a:t>
+              </a:r>
+              <a:r>
+                <a:rPr lang="en" sz="2000" dirty="0" smtClean="0"/>
+                <a:t>hysiology</a:t>
+              </a:r>
+              <a:endParaRPr lang="en" sz="2000" dirty="0"/>
+            </a:p>
+          </p:txBody>
+        </p:sp>
+        <p:cxnSp>
+          <p:nvCxnSpPr>
+            <p:cNvPr id="362" name="Shape 181"/>
+            <p:cNvCxnSpPr/>
+            <p:nvPr/>
+          </p:nvCxnSpPr>
+          <p:spPr>
+            <a:xfrm>
+              <a:off x="12602021" y="29434964"/>
+              <a:ext cx="0" cy="2118960"/>
+            </a:xfrm>
+            <a:prstGeom prst="straightConnector1">
+              <a:avLst/>
+            </a:prstGeom>
+            <a:noFill/>
+            <a:ln w="9525" cap="flat" cmpd="sng">
+              <a:solidFill>
+                <a:schemeClr val="dk2"/>
+              </a:solidFill>
+              <a:prstDash val="solid"/>
+              <a:round/>
+              <a:headEnd type="none" w="lg" len="lg"/>
+              <a:tailEnd type="none" w="lg" len="lg"/>
+            </a:ln>
+          </p:spPr>
+        </p:cxnSp>
+        <p:cxnSp>
+          <p:nvCxnSpPr>
+            <p:cNvPr id="363" name="Shape 182"/>
+            <p:cNvCxnSpPr/>
+            <p:nvPr/>
+          </p:nvCxnSpPr>
+          <p:spPr>
+            <a:xfrm>
+              <a:off x="12601044" y="31540316"/>
+              <a:ext cx="2395158" cy="0"/>
+            </a:xfrm>
+            <a:prstGeom prst="straightConnector1">
+              <a:avLst/>
+            </a:prstGeom>
+            <a:noFill/>
+            <a:ln w="9525" cap="flat" cmpd="sng">
+              <a:solidFill>
+                <a:schemeClr val="dk2"/>
+              </a:solidFill>
+              <a:prstDash val="solid"/>
+              <a:round/>
+              <a:headEnd type="none" w="lg" len="lg"/>
+              <a:tailEnd type="none" w="lg" len="lg"/>
+            </a:ln>
+          </p:spPr>
+        </p:cxnSp>
+        <p:cxnSp>
+          <p:nvCxnSpPr>
+            <p:cNvPr id="368" name="Shape 185"/>
+            <p:cNvCxnSpPr/>
+            <p:nvPr/>
+          </p:nvCxnSpPr>
+          <p:spPr>
+            <a:xfrm>
+              <a:off x="14478000" y="31488131"/>
+              <a:ext cx="0" cy="182693"/>
+            </a:xfrm>
+            <a:prstGeom prst="straightConnector1">
+              <a:avLst/>
+            </a:prstGeom>
+            <a:noFill/>
+            <a:ln w="9525" cap="flat" cmpd="sng">
+              <a:solidFill>
+                <a:schemeClr val="dk2"/>
+              </a:solidFill>
+              <a:prstDash val="solid"/>
+              <a:round/>
+              <a:headEnd type="none" w="lg" len="lg"/>
+              <a:tailEnd type="none" w="lg" len="lg"/>
+            </a:ln>
+          </p:spPr>
+        </p:cxnSp>
+        <p:sp>
+          <p:nvSpPr>
+            <p:cNvPr id="383" name="Shape 189"/>
+            <p:cNvSpPr txBox="1"/>
+            <p:nvPr/>
+          </p:nvSpPr>
+          <p:spPr>
+            <a:xfrm rot="16200000">
+              <a:off x="11323392" y="30117098"/>
+              <a:ext cx="2019107" cy="495858"/>
+            </a:xfrm>
+            <a:prstGeom prst="rect">
+              <a:avLst/>
+            </a:prstGeom>
+            <a:noFill/>
+            <a:ln>
+              <a:noFill/>
+            </a:ln>
+          </p:spPr>
+          <p:txBody>
+            <a:bodyPr lIns="91425" tIns="91425" rIns="91425" bIns="91425" anchor="t" anchorCtr="0">
+              <a:noAutofit/>
+            </a:bodyPr>
+            <a:lstStyle/>
+            <a:p>
+              <a:pPr lvl="0">
+                <a:spcBef>
+                  <a:spcPts val="0"/>
+                </a:spcBef>
+                <a:buNone/>
+              </a:pPr>
+              <a:r>
+                <a:rPr lang="en" sz="1800" dirty="0"/>
+                <a:t>Expression </a:t>
+              </a:r>
+              <a:r>
+                <a:rPr lang="en" sz="1800" dirty="0" smtClean="0"/>
+                <a:t>Gene</a:t>
+              </a:r>
+              <a:r>
+                <a:rPr lang="en-US" sz="1800" dirty="0" smtClean="0"/>
+                <a:t> </a:t>
+              </a:r>
+              <a:r>
+                <a:rPr lang="en-US" sz="1800" dirty="0" smtClean="0"/>
+                <a:t>A</a:t>
+              </a:r>
+              <a:endParaRPr lang="en" sz="1800" dirty="0"/>
+            </a:p>
+          </p:txBody>
+        </p:sp>
+        <p:cxnSp>
+          <p:nvCxnSpPr>
+            <p:cNvPr id="399" name="Shape 181"/>
+            <p:cNvCxnSpPr/>
+            <p:nvPr/>
+          </p:nvCxnSpPr>
+          <p:spPr>
+            <a:xfrm>
+              <a:off x="15446540" y="29434964"/>
+              <a:ext cx="0" cy="2118960"/>
+            </a:xfrm>
+            <a:prstGeom prst="straightConnector1">
+              <a:avLst/>
+            </a:prstGeom>
+            <a:noFill/>
+            <a:ln w="9525" cap="flat" cmpd="sng">
+              <a:solidFill>
+                <a:schemeClr val="dk2"/>
+              </a:solidFill>
+              <a:prstDash val="solid"/>
+              <a:round/>
+              <a:headEnd type="none" w="lg" len="lg"/>
+              <a:tailEnd type="none" w="lg" len="lg"/>
+            </a:ln>
+          </p:spPr>
+        </p:cxnSp>
+        <p:cxnSp>
+          <p:nvCxnSpPr>
+            <p:cNvPr id="400" name="Shape 182"/>
+            <p:cNvCxnSpPr/>
+            <p:nvPr/>
+          </p:nvCxnSpPr>
+          <p:spPr>
+            <a:xfrm>
+              <a:off x="15445564" y="31540316"/>
+              <a:ext cx="2395158" cy="0"/>
+            </a:xfrm>
+            <a:prstGeom prst="straightConnector1">
+              <a:avLst/>
+            </a:prstGeom>
+            <a:noFill/>
+            <a:ln w="9525" cap="flat" cmpd="sng">
+              <a:solidFill>
+                <a:schemeClr val="dk2"/>
+              </a:solidFill>
+              <a:prstDash val="solid"/>
+              <a:round/>
+              <a:headEnd type="none" w="lg" len="lg"/>
+              <a:tailEnd type="none" w="lg" len="lg"/>
+            </a:ln>
+          </p:spPr>
+        </p:cxnSp>
+        <p:cxnSp>
+          <p:nvCxnSpPr>
+            <p:cNvPr id="401" name="Shape 183"/>
+            <p:cNvCxnSpPr/>
+            <p:nvPr/>
+          </p:nvCxnSpPr>
+          <p:spPr>
+            <a:xfrm>
+              <a:off x="16078200" y="31488131"/>
+              <a:ext cx="0" cy="182693"/>
+            </a:xfrm>
+            <a:prstGeom prst="straightConnector1">
+              <a:avLst/>
+            </a:prstGeom>
+            <a:noFill/>
+            <a:ln w="9525" cap="flat" cmpd="sng">
+              <a:solidFill>
+                <a:schemeClr val="dk2"/>
+              </a:solidFill>
+              <a:prstDash val="solid"/>
+              <a:round/>
+              <a:headEnd type="none" w="lg" len="lg"/>
+              <a:tailEnd type="none" w="lg" len="lg"/>
+            </a:ln>
+          </p:spPr>
+        </p:cxnSp>
+        <p:cxnSp>
+          <p:nvCxnSpPr>
+            <p:cNvPr id="403" name="Shape 185"/>
+            <p:cNvCxnSpPr/>
+            <p:nvPr/>
+          </p:nvCxnSpPr>
+          <p:spPr>
+            <a:xfrm>
+              <a:off x="17297400" y="31488131"/>
+              <a:ext cx="0" cy="182693"/>
+            </a:xfrm>
+            <a:prstGeom prst="straightConnector1">
+              <a:avLst/>
+            </a:prstGeom>
+            <a:noFill/>
+            <a:ln w="9525" cap="flat" cmpd="sng">
+              <a:solidFill>
+                <a:schemeClr val="dk2"/>
+              </a:solidFill>
+              <a:prstDash val="solid"/>
+              <a:round/>
+              <a:headEnd type="none" w="lg" len="lg"/>
+              <a:tailEnd type="none" w="lg" len="lg"/>
+            </a:ln>
+          </p:spPr>
+        </p:cxnSp>
+        <p:cxnSp>
+          <p:nvCxnSpPr>
+            <p:cNvPr id="407" name="Shape 181"/>
+            <p:cNvCxnSpPr/>
+            <p:nvPr/>
+          </p:nvCxnSpPr>
+          <p:spPr>
+            <a:xfrm>
+              <a:off x="18289949" y="29443438"/>
+              <a:ext cx="0" cy="2118960"/>
+            </a:xfrm>
+            <a:prstGeom prst="straightConnector1">
+              <a:avLst/>
+            </a:prstGeom>
+            <a:noFill/>
+            <a:ln w="9525" cap="flat" cmpd="sng">
+              <a:solidFill>
+                <a:schemeClr val="dk2"/>
+              </a:solidFill>
+              <a:prstDash val="solid"/>
+              <a:round/>
+              <a:headEnd type="none" w="lg" len="lg"/>
+              <a:tailEnd type="none" w="lg" len="lg"/>
+            </a:ln>
+          </p:spPr>
+        </p:cxnSp>
+        <p:cxnSp>
+          <p:nvCxnSpPr>
+            <p:cNvPr id="408" name="Shape 182"/>
+            <p:cNvCxnSpPr/>
+            <p:nvPr/>
+          </p:nvCxnSpPr>
+          <p:spPr>
+            <a:xfrm>
+              <a:off x="18288973" y="31548790"/>
+              <a:ext cx="2395158" cy="0"/>
+            </a:xfrm>
+            <a:prstGeom prst="straightConnector1">
+              <a:avLst/>
+            </a:prstGeom>
+            <a:noFill/>
+            <a:ln w="9525" cap="flat" cmpd="sng">
+              <a:solidFill>
+                <a:schemeClr val="dk2"/>
+              </a:solidFill>
+              <a:prstDash val="solid"/>
+              <a:round/>
+              <a:headEnd type="none" w="lg" len="lg"/>
+              <a:tailEnd type="none" w="lg" len="lg"/>
+            </a:ln>
+          </p:spPr>
+        </p:cxnSp>
+        <p:cxnSp>
+          <p:nvCxnSpPr>
+            <p:cNvPr id="409" name="Shape 183"/>
+            <p:cNvCxnSpPr/>
+            <p:nvPr/>
+          </p:nvCxnSpPr>
+          <p:spPr>
+            <a:xfrm>
+              <a:off x="18973800" y="31496606"/>
+              <a:ext cx="0" cy="182693"/>
+            </a:xfrm>
+            <a:prstGeom prst="straightConnector1">
+              <a:avLst/>
+            </a:prstGeom>
+            <a:noFill/>
+            <a:ln w="9525" cap="flat" cmpd="sng">
+              <a:solidFill>
+                <a:schemeClr val="dk2"/>
+              </a:solidFill>
+              <a:prstDash val="solid"/>
+              <a:round/>
+              <a:headEnd type="none" w="lg" len="lg"/>
+              <a:tailEnd type="none" w="lg" len="lg"/>
+            </a:ln>
+          </p:spPr>
+        </p:cxnSp>
+        <p:cxnSp>
+          <p:nvCxnSpPr>
+            <p:cNvPr id="411" name="Shape 185"/>
+            <p:cNvCxnSpPr/>
+            <p:nvPr/>
+          </p:nvCxnSpPr>
+          <p:spPr>
+            <a:xfrm>
+              <a:off x="20193000" y="31496606"/>
+              <a:ext cx="0" cy="182693"/>
+            </a:xfrm>
+            <a:prstGeom prst="straightConnector1">
+              <a:avLst/>
+            </a:prstGeom>
+            <a:noFill/>
+            <a:ln w="9525" cap="flat" cmpd="sng">
+              <a:solidFill>
+                <a:schemeClr val="dk2"/>
+              </a:solidFill>
+              <a:prstDash val="solid"/>
+              <a:round/>
+              <a:headEnd type="none" w="lg" len="lg"/>
+              <a:tailEnd type="none" w="lg" len="lg"/>
+            </a:ln>
+          </p:spPr>
+        </p:cxnSp>
+        <p:sp>
+          <p:nvSpPr>
+            <p:cNvPr id="437" name="TextBox 436"/>
+            <p:cNvSpPr txBox="1"/>
+            <p:nvPr/>
+          </p:nvSpPr>
+          <p:spPr>
+            <a:xfrm>
+              <a:off x="15585226" y="26513135"/>
+              <a:ext cx="2415790" cy="461665"/>
+            </a:xfrm>
+            <a:prstGeom prst="rect">
+              <a:avLst/>
+            </a:prstGeom>
+            <a:noFill/>
+          </p:spPr>
+          <p:txBody>
+            <a:bodyPr wrap="none" rtlCol="0">
+              <a:spAutoFit/>
+            </a:bodyPr>
+            <a:lstStyle/>
+            <a:p>
+              <a:r>
+                <a:rPr lang="en-US" sz="2400" b="1" dirty="0" smtClean="0"/>
+                <a:t>Parallel evolution</a:t>
+              </a:r>
+              <a:endParaRPr lang="en-US" sz="2400" b="1" dirty="0"/>
+            </a:p>
+          </p:txBody>
+        </p:sp>
+        <p:sp>
+          <p:nvSpPr>
+            <p:cNvPr id="438" name="TextBox 437"/>
+            <p:cNvSpPr txBox="1"/>
+            <p:nvPr/>
+          </p:nvSpPr>
+          <p:spPr>
+            <a:xfrm>
+              <a:off x="15585226" y="29355517"/>
+              <a:ext cx="2711063" cy="461665"/>
+            </a:xfrm>
+            <a:prstGeom prst="rect">
+              <a:avLst/>
+            </a:prstGeom>
+            <a:noFill/>
+          </p:spPr>
+          <p:txBody>
+            <a:bodyPr wrap="none" rtlCol="0">
+              <a:spAutoFit/>
+            </a:bodyPr>
+            <a:lstStyle/>
+            <a:p>
+              <a:r>
+                <a:rPr lang="en-US" sz="2400" b="1" dirty="0" smtClean="0"/>
+                <a:t>Divergent evolution</a:t>
+              </a:r>
+              <a:endParaRPr lang="en-US" sz="2400" b="1" dirty="0"/>
+            </a:p>
+          </p:txBody>
+        </p:sp>
+        <p:sp>
+          <p:nvSpPr>
+            <p:cNvPr id="266" name="Shape 186"/>
+            <p:cNvSpPr txBox="1"/>
+            <p:nvPr/>
+          </p:nvSpPr>
+          <p:spPr>
+            <a:xfrm>
+              <a:off x="15767423" y="28879800"/>
+              <a:ext cx="844177" cy="312827"/>
+            </a:xfrm>
+            <a:prstGeom prst="rect">
+              <a:avLst/>
+            </a:prstGeom>
+            <a:noFill/>
+            <a:ln>
+              <a:noFill/>
+            </a:ln>
+          </p:spPr>
+          <p:txBody>
+            <a:bodyPr lIns="91425" tIns="91425" rIns="91425" bIns="91425" anchor="t" anchorCtr="0">
+              <a:noAutofit/>
+            </a:bodyPr>
+            <a:lstStyle/>
+            <a:p>
+              <a:pPr lvl="0">
+                <a:spcBef>
+                  <a:spcPts val="0"/>
+                </a:spcBef>
+                <a:buNone/>
+              </a:pPr>
+              <a:r>
+                <a:rPr lang="en" sz="1800" dirty="0"/>
+                <a:t>0.2ppt</a:t>
+              </a:r>
+            </a:p>
+          </p:txBody>
+        </p:sp>
+        <p:sp>
+          <p:nvSpPr>
+            <p:cNvPr id="268" name="Shape 188"/>
+            <p:cNvSpPr txBox="1"/>
+            <p:nvPr/>
+          </p:nvSpPr>
+          <p:spPr>
+            <a:xfrm>
+              <a:off x="16992600" y="28879800"/>
+              <a:ext cx="841140" cy="312827"/>
+            </a:xfrm>
+            <a:prstGeom prst="rect">
+              <a:avLst/>
+            </a:prstGeom>
+            <a:noFill/>
+            <a:ln>
+              <a:noFill/>
+            </a:ln>
+          </p:spPr>
+          <p:txBody>
+            <a:bodyPr lIns="91425" tIns="91425" rIns="91425" bIns="91425" anchor="t" anchorCtr="0">
+              <a:noAutofit/>
+            </a:bodyPr>
+            <a:lstStyle/>
+            <a:p>
+              <a:pPr lvl="0" rtl="0">
+                <a:spcBef>
+                  <a:spcPts val="0"/>
+                </a:spcBef>
+                <a:buNone/>
+              </a:pPr>
+              <a:r>
+                <a:rPr lang="en" sz="1800" dirty="0"/>
+                <a:t>15 ppt</a:t>
+              </a:r>
+            </a:p>
+          </p:txBody>
+        </p:sp>
+        <p:sp>
+          <p:nvSpPr>
+            <p:cNvPr id="269" name="Shape 186"/>
+            <p:cNvSpPr txBox="1"/>
+            <p:nvPr/>
+          </p:nvSpPr>
+          <p:spPr>
+            <a:xfrm>
+              <a:off x="18663023" y="28879800"/>
+              <a:ext cx="844177" cy="312827"/>
+            </a:xfrm>
+            <a:prstGeom prst="rect">
+              <a:avLst/>
+            </a:prstGeom>
+            <a:noFill/>
+            <a:ln>
+              <a:noFill/>
+            </a:ln>
+          </p:spPr>
+          <p:txBody>
+            <a:bodyPr lIns="91425" tIns="91425" rIns="91425" bIns="91425" anchor="t" anchorCtr="0">
+              <a:noAutofit/>
+            </a:bodyPr>
+            <a:lstStyle/>
+            <a:p>
+              <a:pPr lvl="0">
+                <a:spcBef>
+                  <a:spcPts val="0"/>
+                </a:spcBef>
+                <a:buNone/>
+              </a:pPr>
+              <a:r>
+                <a:rPr lang="en" sz="1800" dirty="0"/>
+                <a:t>0.2ppt</a:t>
+              </a:r>
+            </a:p>
+          </p:txBody>
+        </p:sp>
+        <p:sp>
+          <p:nvSpPr>
+            <p:cNvPr id="271" name="Shape 188"/>
+            <p:cNvSpPr txBox="1"/>
+            <p:nvPr/>
+          </p:nvSpPr>
+          <p:spPr>
+            <a:xfrm>
+              <a:off x="19812000" y="28879800"/>
+              <a:ext cx="841140" cy="312827"/>
+            </a:xfrm>
+            <a:prstGeom prst="rect">
+              <a:avLst/>
+            </a:prstGeom>
+            <a:noFill/>
+            <a:ln>
+              <a:noFill/>
+            </a:ln>
+          </p:spPr>
+          <p:txBody>
+            <a:bodyPr lIns="91425" tIns="91425" rIns="91425" bIns="91425" anchor="t" anchorCtr="0">
+              <a:noAutofit/>
+            </a:bodyPr>
+            <a:lstStyle/>
+            <a:p>
+              <a:pPr lvl="0" rtl="0">
+                <a:spcBef>
+                  <a:spcPts val="0"/>
+                </a:spcBef>
+                <a:buNone/>
+              </a:pPr>
+              <a:r>
+                <a:rPr lang="en" sz="1800" dirty="0"/>
+                <a:t>15 ppt</a:t>
+              </a:r>
+            </a:p>
+          </p:txBody>
+        </p:sp>
+        <p:sp>
+          <p:nvSpPr>
+            <p:cNvPr id="274" name="Shape 188"/>
+            <p:cNvSpPr txBox="1"/>
+            <p:nvPr/>
+          </p:nvSpPr>
+          <p:spPr>
+            <a:xfrm>
+              <a:off x="14097000" y="31614973"/>
+              <a:ext cx="841140" cy="312827"/>
+            </a:xfrm>
+            <a:prstGeom prst="rect">
+              <a:avLst/>
+            </a:prstGeom>
+            <a:noFill/>
+            <a:ln>
+              <a:noFill/>
+            </a:ln>
+          </p:spPr>
+          <p:txBody>
+            <a:bodyPr lIns="91425" tIns="91425" rIns="91425" bIns="91425" anchor="t" anchorCtr="0">
+              <a:noAutofit/>
+            </a:bodyPr>
+            <a:lstStyle/>
+            <a:p>
+              <a:pPr lvl="0" rtl="0">
+                <a:spcBef>
+                  <a:spcPts val="0"/>
+                </a:spcBef>
+                <a:buNone/>
+              </a:pPr>
+              <a:r>
+                <a:rPr lang="en" sz="1800" dirty="0"/>
+                <a:t>15 ppt</a:t>
+              </a:r>
+            </a:p>
+          </p:txBody>
+        </p:sp>
+        <p:sp>
+          <p:nvSpPr>
+            <p:cNvPr id="275" name="Shape 186"/>
+            <p:cNvSpPr txBox="1"/>
+            <p:nvPr/>
+          </p:nvSpPr>
+          <p:spPr>
+            <a:xfrm>
+              <a:off x="15767423" y="31623000"/>
+              <a:ext cx="844177" cy="312827"/>
+            </a:xfrm>
+            <a:prstGeom prst="rect">
+              <a:avLst/>
+            </a:prstGeom>
+            <a:noFill/>
+            <a:ln>
+              <a:noFill/>
+            </a:ln>
+          </p:spPr>
+          <p:txBody>
+            <a:bodyPr lIns="91425" tIns="91425" rIns="91425" bIns="91425" anchor="t" anchorCtr="0">
+              <a:noAutofit/>
+            </a:bodyPr>
+            <a:lstStyle/>
+            <a:p>
+              <a:pPr lvl="0">
+                <a:spcBef>
+                  <a:spcPts val="0"/>
+                </a:spcBef>
+                <a:buNone/>
+              </a:pPr>
+              <a:r>
+                <a:rPr lang="en" sz="1800" dirty="0"/>
+                <a:t>0.2ppt</a:t>
+              </a:r>
+            </a:p>
+          </p:txBody>
+        </p:sp>
+        <p:sp>
+          <p:nvSpPr>
+            <p:cNvPr id="277" name="Shape 188"/>
+            <p:cNvSpPr txBox="1"/>
+            <p:nvPr/>
+          </p:nvSpPr>
+          <p:spPr>
+            <a:xfrm>
+              <a:off x="16916400" y="31623000"/>
+              <a:ext cx="841140" cy="312827"/>
+            </a:xfrm>
+            <a:prstGeom prst="rect">
+              <a:avLst/>
+            </a:prstGeom>
+            <a:noFill/>
+            <a:ln>
+              <a:noFill/>
+            </a:ln>
+          </p:spPr>
+          <p:txBody>
+            <a:bodyPr lIns="91425" tIns="91425" rIns="91425" bIns="91425" anchor="t" anchorCtr="0">
+              <a:noAutofit/>
+            </a:bodyPr>
+            <a:lstStyle/>
+            <a:p>
+              <a:pPr lvl="0" rtl="0">
+                <a:spcBef>
+                  <a:spcPts val="0"/>
+                </a:spcBef>
+                <a:buNone/>
+              </a:pPr>
+              <a:r>
+                <a:rPr lang="en" sz="1800" dirty="0"/>
+                <a:t>15 ppt</a:t>
+              </a:r>
+            </a:p>
+          </p:txBody>
+        </p:sp>
+        <p:sp>
+          <p:nvSpPr>
+            <p:cNvPr id="278" name="Shape 186"/>
+            <p:cNvSpPr txBox="1"/>
+            <p:nvPr/>
+          </p:nvSpPr>
+          <p:spPr>
+            <a:xfrm>
+              <a:off x="18663023" y="31623000"/>
+              <a:ext cx="844177" cy="312827"/>
+            </a:xfrm>
+            <a:prstGeom prst="rect">
+              <a:avLst/>
+            </a:prstGeom>
+            <a:noFill/>
+            <a:ln>
+              <a:noFill/>
+            </a:ln>
+          </p:spPr>
+          <p:txBody>
+            <a:bodyPr lIns="91425" tIns="91425" rIns="91425" bIns="91425" anchor="t" anchorCtr="0">
+              <a:noAutofit/>
+            </a:bodyPr>
+            <a:lstStyle/>
+            <a:p>
+              <a:pPr lvl="0">
+                <a:spcBef>
+                  <a:spcPts val="0"/>
+                </a:spcBef>
+                <a:buNone/>
+              </a:pPr>
+              <a:r>
+                <a:rPr lang="en" sz="1800" dirty="0"/>
+                <a:t>0.2ppt</a:t>
+              </a:r>
+            </a:p>
+          </p:txBody>
+        </p:sp>
+        <p:sp>
+          <p:nvSpPr>
+            <p:cNvPr id="280" name="Shape 188"/>
+            <p:cNvSpPr txBox="1"/>
+            <p:nvPr/>
+          </p:nvSpPr>
+          <p:spPr>
+            <a:xfrm>
+              <a:off x="19812000" y="31614973"/>
+              <a:ext cx="841140" cy="312827"/>
+            </a:xfrm>
+            <a:prstGeom prst="rect">
+              <a:avLst/>
+            </a:prstGeom>
+            <a:noFill/>
+            <a:ln>
+              <a:noFill/>
+            </a:ln>
+          </p:spPr>
+          <p:txBody>
+            <a:bodyPr lIns="91425" tIns="91425" rIns="91425" bIns="91425" anchor="t" anchorCtr="0">
+              <a:noAutofit/>
+            </a:bodyPr>
+            <a:lstStyle/>
+            <a:p>
+              <a:pPr lvl="0" rtl="0">
+                <a:spcBef>
+                  <a:spcPts val="0"/>
+                </a:spcBef>
+                <a:buNone/>
+              </a:pPr>
+              <a:r>
+                <a:rPr lang="en" sz="1800" dirty="0"/>
+                <a:t>15 ppt</a:t>
+              </a:r>
+            </a:p>
+          </p:txBody>
+        </p:sp>
+        <p:sp>
+          <p:nvSpPr>
+            <p:cNvPr id="29" name="TextBox 28"/>
+            <p:cNvSpPr txBox="1"/>
+            <p:nvPr/>
+          </p:nvSpPr>
+          <p:spPr>
+            <a:xfrm>
+              <a:off x="12721442" y="29433228"/>
+              <a:ext cx="1602213" cy="923330"/>
+            </a:xfrm>
+            <a:prstGeom prst="rect">
+              <a:avLst/>
+            </a:prstGeom>
+            <a:noFill/>
+          </p:spPr>
+          <p:txBody>
+            <a:bodyPr wrap="square" rtlCol="0">
+              <a:spAutoFit/>
+            </a:bodyPr>
+            <a:lstStyle/>
+            <a:p>
+              <a:r>
+                <a:rPr lang="en-US" sz="1800" dirty="0" smtClean="0"/>
+                <a:t>Divergence is unique, </a:t>
+              </a:r>
+            </a:p>
+            <a:p>
+              <a:r>
+                <a:rPr lang="en-US" sz="1800" dirty="0" smtClean="0"/>
+                <a:t>not repeated</a:t>
+              </a:r>
+              <a:endParaRPr lang="en-US" sz="1800" dirty="0"/>
+            </a:p>
+          </p:txBody>
+        </p:sp>
+        <p:sp>
+          <p:nvSpPr>
+            <p:cNvPr id="306" name="Shape 197"/>
+            <p:cNvSpPr/>
+            <p:nvPr/>
+          </p:nvSpPr>
+          <p:spPr>
+            <a:xfrm>
+              <a:off x="20091078" y="29968915"/>
+              <a:ext cx="190967" cy="182693"/>
+            </a:xfrm>
+            <a:prstGeom prst="rect">
+              <a:avLst/>
+            </a:prstGeom>
+            <a:solidFill>
+              <a:srgbClr val="0000FF"/>
+            </a:solidFill>
+            <a:ln w="9525" cap="flat" cmpd="sng">
+              <a:solidFill>
+                <a:schemeClr val="dk2"/>
+              </a:solidFill>
+              <a:prstDash val="solid"/>
+              <a:round/>
+              <a:headEnd type="none" w="med" len="med"/>
+              <a:tailEnd type="none" w="med" len="med"/>
+            </a:ln>
+          </p:spPr>
+          <p:txBody>
+            <a:bodyPr lIns="91425" tIns="91425" rIns="91425" bIns="91425" anchor="ctr" anchorCtr="0">
+              <a:noAutofit/>
+            </a:bodyPr>
+            <a:lstStyle/>
+            <a:p>
+              <a:pPr lvl="0">
+                <a:spcBef>
+                  <a:spcPts val="0"/>
+                </a:spcBef>
+                <a:buNone/>
+              </a:pPr>
+              <a:endParaRPr/>
+            </a:p>
+          </p:txBody>
+        </p:sp>
+        <p:sp>
+          <p:nvSpPr>
+            <p:cNvPr id="307" name="Shape 196"/>
+            <p:cNvSpPr/>
+            <p:nvPr/>
+          </p:nvSpPr>
+          <p:spPr>
+            <a:xfrm>
+              <a:off x="18884616" y="31080429"/>
+              <a:ext cx="190967" cy="182693"/>
+            </a:xfrm>
+            <a:prstGeom prst="rect">
+              <a:avLst/>
+            </a:prstGeom>
+            <a:solidFill>
+              <a:srgbClr val="0000FF"/>
+            </a:solidFill>
+            <a:ln w="9525" cap="flat" cmpd="sng">
+              <a:solidFill>
+                <a:schemeClr val="dk2"/>
+              </a:solidFill>
+              <a:prstDash val="solid"/>
+              <a:round/>
+              <a:headEnd type="none" w="med" len="med"/>
+              <a:tailEnd type="none" w="med" len="med"/>
+            </a:ln>
+          </p:spPr>
+          <p:txBody>
+            <a:bodyPr lIns="91425" tIns="91425" rIns="91425" bIns="91425" anchor="ctr" anchorCtr="0">
+              <a:noAutofit/>
+            </a:bodyPr>
+            <a:lstStyle/>
+            <a:p>
+              <a:pPr lvl="0">
+                <a:spcBef>
+                  <a:spcPts val="0"/>
+                </a:spcBef>
+                <a:buNone/>
+              </a:pPr>
+              <a:endParaRPr/>
+            </a:p>
+          </p:txBody>
+        </p:sp>
+        <p:sp>
+          <p:nvSpPr>
+            <p:cNvPr id="308" name="Shape 194"/>
+            <p:cNvSpPr/>
+            <p:nvPr/>
+          </p:nvSpPr>
+          <p:spPr>
+            <a:xfrm>
+              <a:off x="18881737" y="31093963"/>
+              <a:ext cx="190967" cy="182693"/>
+            </a:xfrm>
+            <a:prstGeom prst="triangle">
+              <a:avLst>
+                <a:gd name="adj" fmla="val 50000"/>
+              </a:avLst>
+            </a:prstGeom>
+            <a:solidFill>
+              <a:srgbClr val="FF0000"/>
+            </a:solidFill>
+            <a:ln w="9525" cap="flat" cmpd="sng">
+              <a:solidFill>
+                <a:schemeClr val="dk2"/>
+              </a:solidFill>
+              <a:prstDash val="solid"/>
+              <a:round/>
+              <a:headEnd type="none" w="med" len="med"/>
+              <a:tailEnd type="none" w="med" len="med"/>
+            </a:ln>
+          </p:spPr>
+          <p:txBody>
+            <a:bodyPr lIns="91425" tIns="91425" rIns="91425" bIns="91425" anchor="ctr" anchorCtr="0">
+              <a:noAutofit/>
+            </a:bodyPr>
+            <a:lstStyle/>
+            <a:p>
+              <a:pPr lvl="0">
+                <a:spcBef>
+                  <a:spcPts val="0"/>
+                </a:spcBef>
+                <a:buNone/>
+              </a:pPr>
+              <a:endParaRPr/>
+            </a:p>
+          </p:txBody>
+        </p:sp>
+        <p:sp>
+          <p:nvSpPr>
+            <p:cNvPr id="309" name="Shape 195"/>
+            <p:cNvSpPr/>
+            <p:nvPr/>
+          </p:nvSpPr>
+          <p:spPr>
+            <a:xfrm>
+              <a:off x="20091078" y="29977536"/>
+              <a:ext cx="190967" cy="182693"/>
+            </a:xfrm>
+            <a:prstGeom prst="triangle">
+              <a:avLst>
+                <a:gd name="adj" fmla="val 50000"/>
+              </a:avLst>
+            </a:prstGeom>
+            <a:solidFill>
+              <a:srgbClr val="FF0000"/>
+            </a:solidFill>
+            <a:ln w="9525" cap="flat" cmpd="sng">
+              <a:solidFill>
+                <a:schemeClr val="dk2"/>
+              </a:solidFill>
+              <a:prstDash val="solid"/>
+              <a:round/>
+              <a:headEnd type="none" w="med" len="med"/>
+              <a:tailEnd type="none" w="med" len="med"/>
+            </a:ln>
+          </p:spPr>
+          <p:txBody>
+            <a:bodyPr lIns="91425" tIns="91425" rIns="91425" bIns="91425" anchor="ctr" anchorCtr="0">
+              <a:noAutofit/>
+            </a:bodyPr>
+            <a:lstStyle/>
+            <a:p>
+              <a:pPr lvl="0">
+                <a:spcBef>
+                  <a:spcPts val="0"/>
+                </a:spcBef>
+                <a:buNone/>
+              </a:pPr>
+              <a:endParaRPr/>
+            </a:p>
+          </p:txBody>
+        </p:sp>
+        <p:cxnSp>
+          <p:nvCxnSpPr>
+            <p:cNvPr id="310" name="Shape 354"/>
+            <p:cNvCxnSpPr>
+              <a:endCxn id="306" idx="1"/>
+            </p:cNvCxnSpPr>
+            <p:nvPr/>
+          </p:nvCxnSpPr>
+          <p:spPr>
+            <a:xfrm flipV="1">
+              <a:off x="19024962" y="30060262"/>
+              <a:ext cx="1066116" cy="1125048"/>
+            </a:xfrm>
+            <a:prstGeom prst="straightConnector1">
+              <a:avLst/>
+            </a:prstGeom>
+            <a:noFill/>
+            <a:ln w="9525" cap="flat" cmpd="sng">
+              <a:solidFill>
+                <a:schemeClr val="dk2"/>
+              </a:solidFill>
+              <a:prstDash val="solid"/>
+              <a:round/>
+              <a:headEnd type="none" w="lg" len="lg"/>
+              <a:tailEnd type="none" w="lg" len="lg"/>
+            </a:ln>
+          </p:spPr>
+        </p:cxnSp>
+        <p:cxnSp>
+          <p:nvCxnSpPr>
+            <p:cNvPr id="311" name="Shape 356"/>
+            <p:cNvCxnSpPr>
+              <a:endCxn id="309" idx="2"/>
+            </p:cNvCxnSpPr>
+            <p:nvPr/>
+          </p:nvCxnSpPr>
+          <p:spPr>
+            <a:xfrm flipV="1">
+              <a:off x="19024962" y="30160229"/>
+              <a:ext cx="1066116" cy="1025082"/>
+            </a:xfrm>
+            <a:prstGeom prst="straightConnector1">
+              <a:avLst/>
+            </a:prstGeom>
+            <a:noFill/>
+            <a:ln w="9525" cap="flat" cmpd="sng">
+              <a:solidFill>
+                <a:schemeClr val="dk2"/>
+              </a:solidFill>
+              <a:prstDash val="solid"/>
+              <a:round/>
+              <a:headEnd type="none" w="lg" len="lg"/>
+              <a:tailEnd type="none" w="lg" len="lg"/>
+            </a:ln>
+          </p:spPr>
+        </p:cxnSp>
+        <p:sp>
+          <p:nvSpPr>
+            <p:cNvPr id="312" name="Shape 197"/>
+            <p:cNvSpPr/>
+            <p:nvPr/>
+          </p:nvSpPr>
+          <p:spPr>
+            <a:xfrm>
+              <a:off x="17211341" y="29946600"/>
+              <a:ext cx="190967" cy="182693"/>
+            </a:xfrm>
+            <a:prstGeom prst="rect">
+              <a:avLst/>
+            </a:prstGeom>
+            <a:solidFill>
+              <a:srgbClr val="0000FF"/>
+            </a:solidFill>
+            <a:ln w="9525" cap="flat" cmpd="sng">
+              <a:solidFill>
+                <a:schemeClr val="dk2"/>
+              </a:solidFill>
+              <a:prstDash val="solid"/>
+              <a:round/>
+              <a:headEnd type="none" w="med" len="med"/>
+              <a:tailEnd type="none" w="med" len="med"/>
+            </a:ln>
+          </p:spPr>
+          <p:txBody>
+            <a:bodyPr lIns="91425" tIns="91425" rIns="91425" bIns="91425" anchor="ctr" anchorCtr="0">
+              <a:noAutofit/>
+            </a:bodyPr>
+            <a:lstStyle/>
+            <a:p>
+              <a:pPr lvl="0">
+                <a:spcBef>
+                  <a:spcPts val="0"/>
+                </a:spcBef>
+                <a:buNone/>
+              </a:pPr>
+              <a:endParaRPr/>
+            </a:p>
+          </p:txBody>
+        </p:sp>
+        <p:sp>
+          <p:nvSpPr>
+            <p:cNvPr id="313" name="Shape 196"/>
+            <p:cNvSpPr/>
+            <p:nvPr/>
+          </p:nvSpPr>
+          <p:spPr>
+            <a:xfrm>
+              <a:off x="16004879" y="31058114"/>
+              <a:ext cx="190967" cy="182693"/>
+            </a:xfrm>
+            <a:prstGeom prst="rect">
+              <a:avLst/>
+            </a:prstGeom>
+            <a:solidFill>
+              <a:srgbClr val="0000FF"/>
+            </a:solidFill>
+            <a:ln w="9525" cap="flat" cmpd="sng">
+              <a:solidFill>
+                <a:schemeClr val="dk2"/>
+              </a:solidFill>
+              <a:prstDash val="solid"/>
+              <a:round/>
+              <a:headEnd type="none" w="med" len="med"/>
+              <a:tailEnd type="none" w="med" len="med"/>
+            </a:ln>
+          </p:spPr>
+          <p:txBody>
+            <a:bodyPr lIns="91425" tIns="91425" rIns="91425" bIns="91425" anchor="ctr" anchorCtr="0">
+              <a:noAutofit/>
+            </a:bodyPr>
+            <a:lstStyle/>
+            <a:p>
+              <a:pPr lvl="0">
+                <a:spcBef>
+                  <a:spcPts val="0"/>
+                </a:spcBef>
+                <a:buNone/>
+              </a:pPr>
+              <a:endParaRPr/>
+            </a:p>
+          </p:txBody>
+        </p:sp>
+        <p:sp>
+          <p:nvSpPr>
+            <p:cNvPr id="314" name="Shape 194"/>
+            <p:cNvSpPr/>
+            <p:nvPr/>
+          </p:nvSpPr>
+          <p:spPr>
+            <a:xfrm>
+              <a:off x="16002000" y="31071648"/>
+              <a:ext cx="190967" cy="182693"/>
+            </a:xfrm>
+            <a:prstGeom prst="triangle">
+              <a:avLst>
+                <a:gd name="adj" fmla="val 50000"/>
+              </a:avLst>
+            </a:prstGeom>
+            <a:solidFill>
+              <a:srgbClr val="FF0000"/>
+            </a:solidFill>
+            <a:ln w="9525" cap="flat" cmpd="sng">
+              <a:solidFill>
+                <a:schemeClr val="dk2"/>
+              </a:solidFill>
+              <a:prstDash val="solid"/>
+              <a:round/>
+              <a:headEnd type="none" w="med" len="med"/>
+              <a:tailEnd type="none" w="med" len="med"/>
+            </a:ln>
+          </p:spPr>
+          <p:txBody>
+            <a:bodyPr lIns="91425" tIns="91425" rIns="91425" bIns="91425" anchor="ctr" anchorCtr="0">
+              <a:noAutofit/>
+            </a:bodyPr>
+            <a:lstStyle/>
+            <a:p>
+              <a:pPr lvl="0">
+                <a:spcBef>
+                  <a:spcPts val="0"/>
+                </a:spcBef>
+                <a:buNone/>
+              </a:pPr>
+              <a:endParaRPr/>
+            </a:p>
+          </p:txBody>
+        </p:sp>
+        <p:sp>
+          <p:nvSpPr>
+            <p:cNvPr id="315" name="Shape 195"/>
+            <p:cNvSpPr/>
+            <p:nvPr/>
+          </p:nvSpPr>
+          <p:spPr>
+            <a:xfrm>
+              <a:off x="17211341" y="29955221"/>
+              <a:ext cx="190967" cy="182693"/>
+            </a:xfrm>
+            <a:prstGeom prst="triangle">
+              <a:avLst>
+                <a:gd name="adj" fmla="val 50000"/>
+              </a:avLst>
+            </a:prstGeom>
+            <a:solidFill>
+              <a:srgbClr val="FF0000"/>
+            </a:solidFill>
+            <a:ln w="9525" cap="flat" cmpd="sng">
+              <a:solidFill>
+                <a:schemeClr val="dk2"/>
+              </a:solidFill>
+              <a:prstDash val="solid"/>
+              <a:round/>
+              <a:headEnd type="none" w="med" len="med"/>
+              <a:tailEnd type="none" w="med" len="med"/>
+            </a:ln>
+          </p:spPr>
+          <p:txBody>
+            <a:bodyPr lIns="91425" tIns="91425" rIns="91425" bIns="91425" anchor="ctr" anchorCtr="0">
+              <a:noAutofit/>
+            </a:bodyPr>
+            <a:lstStyle/>
+            <a:p>
+              <a:pPr lvl="0">
+                <a:spcBef>
+                  <a:spcPts val="0"/>
+                </a:spcBef>
+                <a:buNone/>
+              </a:pPr>
+              <a:endParaRPr/>
+            </a:p>
+          </p:txBody>
+        </p:sp>
+        <p:cxnSp>
+          <p:nvCxnSpPr>
+            <p:cNvPr id="316" name="Shape 354"/>
+            <p:cNvCxnSpPr/>
+            <p:nvPr/>
+          </p:nvCxnSpPr>
+          <p:spPr>
+            <a:xfrm flipV="1">
+              <a:off x="16145225" y="30037947"/>
+              <a:ext cx="1066116" cy="1125048"/>
+            </a:xfrm>
+            <a:prstGeom prst="straightConnector1">
+              <a:avLst/>
+            </a:prstGeom>
+            <a:noFill/>
+            <a:ln w="9525" cap="flat" cmpd="sng">
+              <a:solidFill>
+                <a:schemeClr val="dk2"/>
+              </a:solidFill>
+              <a:prstDash val="solid"/>
+              <a:round/>
+              <a:headEnd type="none" w="lg" len="lg"/>
+              <a:tailEnd type="none" w="lg" len="lg"/>
+            </a:ln>
+          </p:spPr>
+        </p:cxnSp>
+        <p:cxnSp>
+          <p:nvCxnSpPr>
+            <p:cNvPr id="317" name="Shape 356"/>
+            <p:cNvCxnSpPr/>
+            <p:nvPr/>
+          </p:nvCxnSpPr>
+          <p:spPr>
+            <a:xfrm flipV="1">
+              <a:off x="16145225" y="30137914"/>
+              <a:ext cx="1066116" cy="1025082"/>
+            </a:xfrm>
+            <a:prstGeom prst="straightConnector1">
+              <a:avLst/>
+            </a:prstGeom>
+            <a:noFill/>
+            <a:ln w="9525" cap="flat" cmpd="sng">
+              <a:solidFill>
+                <a:schemeClr val="dk2"/>
+              </a:solidFill>
+              <a:prstDash val="solid"/>
+              <a:round/>
+              <a:headEnd type="none" w="lg" len="lg"/>
+              <a:tailEnd type="none" w="lg" len="lg"/>
+            </a:ln>
+          </p:spPr>
+        </p:cxnSp>
+        <p:sp>
+          <p:nvSpPr>
+            <p:cNvPr id="318" name="Shape 197"/>
+            <p:cNvSpPr/>
+            <p:nvPr/>
+          </p:nvSpPr>
+          <p:spPr>
+            <a:xfrm>
+              <a:off x="14420954" y="27051229"/>
+              <a:ext cx="190967" cy="182693"/>
+            </a:xfrm>
+            <a:prstGeom prst="rect">
+              <a:avLst/>
+            </a:prstGeom>
+            <a:solidFill>
+              <a:srgbClr val="0000FF"/>
+            </a:solidFill>
+            <a:ln w="9525" cap="flat" cmpd="sng">
+              <a:solidFill>
+                <a:schemeClr val="dk2"/>
+              </a:solidFill>
+              <a:prstDash val="solid"/>
+              <a:round/>
+              <a:headEnd type="none" w="med" len="med"/>
+              <a:tailEnd type="none" w="med" len="med"/>
+            </a:ln>
+          </p:spPr>
+          <p:txBody>
+            <a:bodyPr lIns="91425" tIns="91425" rIns="91425" bIns="91425" anchor="ctr" anchorCtr="0">
+              <a:noAutofit/>
+            </a:bodyPr>
+            <a:lstStyle/>
+            <a:p>
+              <a:pPr lvl="0">
+                <a:spcBef>
+                  <a:spcPts val="0"/>
+                </a:spcBef>
+                <a:buNone/>
+              </a:pPr>
+              <a:endParaRPr/>
+            </a:p>
+          </p:txBody>
+        </p:sp>
+        <p:sp>
+          <p:nvSpPr>
+            <p:cNvPr id="319" name="Shape 196"/>
+            <p:cNvSpPr/>
+            <p:nvPr/>
+          </p:nvSpPr>
+          <p:spPr>
+            <a:xfrm>
+              <a:off x="13176251" y="28265922"/>
+              <a:ext cx="190967" cy="182693"/>
+            </a:xfrm>
+            <a:prstGeom prst="rect">
+              <a:avLst/>
+            </a:prstGeom>
+            <a:solidFill>
+              <a:srgbClr val="0000FF"/>
+            </a:solidFill>
+            <a:ln w="9525" cap="flat" cmpd="sng">
+              <a:solidFill>
+                <a:schemeClr val="dk2"/>
+              </a:solidFill>
+              <a:prstDash val="solid"/>
+              <a:round/>
+              <a:headEnd type="none" w="med" len="med"/>
+              <a:tailEnd type="none" w="med" len="med"/>
+            </a:ln>
+          </p:spPr>
+          <p:txBody>
+            <a:bodyPr lIns="91425" tIns="91425" rIns="91425" bIns="91425" anchor="ctr" anchorCtr="0">
+              <a:noAutofit/>
+            </a:bodyPr>
+            <a:lstStyle/>
+            <a:p>
+              <a:pPr lvl="0">
+                <a:spcBef>
+                  <a:spcPts val="0"/>
+                </a:spcBef>
+                <a:buNone/>
+              </a:pPr>
+              <a:endParaRPr/>
+            </a:p>
+          </p:txBody>
+        </p:sp>
+        <p:sp>
+          <p:nvSpPr>
+            <p:cNvPr id="320" name="Shape 194"/>
+            <p:cNvSpPr/>
+            <p:nvPr/>
+          </p:nvSpPr>
+          <p:spPr>
+            <a:xfrm>
+              <a:off x="13172708" y="28265923"/>
+              <a:ext cx="190967" cy="182693"/>
+            </a:xfrm>
+            <a:prstGeom prst="triangle">
+              <a:avLst>
+                <a:gd name="adj" fmla="val 50000"/>
+              </a:avLst>
+            </a:prstGeom>
+            <a:solidFill>
+              <a:srgbClr val="FF0000"/>
+            </a:solidFill>
+            <a:ln w="9525" cap="flat" cmpd="sng">
+              <a:solidFill>
+                <a:schemeClr val="dk2"/>
+              </a:solidFill>
+              <a:prstDash val="solid"/>
+              <a:round/>
+              <a:headEnd type="none" w="med" len="med"/>
+              <a:tailEnd type="none" w="med" len="med"/>
+            </a:ln>
+          </p:spPr>
+          <p:txBody>
+            <a:bodyPr lIns="91425" tIns="91425" rIns="91425" bIns="91425" anchor="ctr" anchorCtr="0">
+              <a:noAutofit/>
+            </a:bodyPr>
+            <a:lstStyle/>
+            <a:p>
+              <a:pPr lvl="0">
+                <a:spcBef>
+                  <a:spcPts val="0"/>
+                </a:spcBef>
+                <a:buNone/>
+              </a:pPr>
+              <a:endParaRPr/>
+            </a:p>
+          </p:txBody>
+        </p:sp>
+        <p:sp>
+          <p:nvSpPr>
+            <p:cNvPr id="321" name="Shape 195"/>
+            <p:cNvSpPr/>
+            <p:nvPr/>
+          </p:nvSpPr>
+          <p:spPr>
+            <a:xfrm>
+              <a:off x="14419535" y="28265923"/>
+              <a:ext cx="190967" cy="182693"/>
+            </a:xfrm>
+            <a:prstGeom prst="triangle">
+              <a:avLst>
+                <a:gd name="adj" fmla="val 50000"/>
+              </a:avLst>
+            </a:prstGeom>
+            <a:solidFill>
+              <a:srgbClr val="FF0000"/>
+            </a:solidFill>
+            <a:ln w="9525" cap="flat" cmpd="sng">
+              <a:solidFill>
+                <a:schemeClr val="dk2"/>
+              </a:solidFill>
+              <a:prstDash val="solid"/>
+              <a:round/>
+              <a:headEnd type="none" w="med" len="med"/>
+              <a:tailEnd type="none" w="med" len="med"/>
+            </a:ln>
+          </p:spPr>
+          <p:txBody>
+            <a:bodyPr lIns="91425" tIns="91425" rIns="91425" bIns="91425" anchor="ctr" anchorCtr="0">
+              <a:noAutofit/>
+            </a:bodyPr>
+            <a:lstStyle/>
+            <a:p>
+              <a:pPr lvl="0">
+                <a:spcBef>
+                  <a:spcPts val="0"/>
+                </a:spcBef>
+                <a:buNone/>
+              </a:pPr>
+              <a:endParaRPr/>
+            </a:p>
+          </p:txBody>
+        </p:sp>
+        <p:cxnSp>
+          <p:nvCxnSpPr>
+            <p:cNvPr id="322" name="Shape 354"/>
+            <p:cNvCxnSpPr>
+              <a:stCxn id="319" idx="1"/>
+            </p:cNvCxnSpPr>
+            <p:nvPr/>
+          </p:nvCxnSpPr>
+          <p:spPr>
+            <a:xfrm flipV="1">
+              <a:off x="13176251" y="27142578"/>
+              <a:ext cx="1244703" cy="1214691"/>
+            </a:xfrm>
+            <a:prstGeom prst="straightConnector1">
+              <a:avLst/>
+            </a:prstGeom>
+            <a:noFill/>
+            <a:ln w="9525" cap="flat" cmpd="sng">
+              <a:solidFill>
+                <a:schemeClr val="dk2"/>
+              </a:solidFill>
+              <a:prstDash val="solid"/>
+              <a:round/>
+              <a:headEnd type="none" w="lg" len="lg"/>
+              <a:tailEnd type="none" w="lg" len="lg"/>
+            </a:ln>
+          </p:spPr>
+        </p:cxnSp>
+        <p:cxnSp>
+          <p:nvCxnSpPr>
+            <p:cNvPr id="323" name="Shape 354"/>
+            <p:cNvCxnSpPr>
+              <a:stCxn id="320" idx="5"/>
+            </p:cNvCxnSpPr>
+            <p:nvPr/>
+          </p:nvCxnSpPr>
+          <p:spPr>
+            <a:xfrm>
+              <a:off x="13315933" y="28357270"/>
+              <a:ext cx="1151344" cy="0"/>
+            </a:xfrm>
+            <a:prstGeom prst="straightConnector1">
+              <a:avLst/>
+            </a:prstGeom>
+            <a:noFill/>
+            <a:ln w="9525" cap="flat" cmpd="sng">
+              <a:solidFill>
+                <a:schemeClr val="dk2"/>
+              </a:solidFill>
+              <a:prstDash val="solid"/>
+              <a:round/>
+              <a:headEnd type="none" w="lg" len="lg"/>
+              <a:tailEnd type="none" w="lg" len="lg"/>
+            </a:ln>
+          </p:spPr>
+        </p:cxnSp>
+        <p:cxnSp>
+          <p:nvCxnSpPr>
+            <p:cNvPr id="324" name="Shape 183"/>
+            <p:cNvCxnSpPr/>
+            <p:nvPr/>
+          </p:nvCxnSpPr>
+          <p:spPr>
+            <a:xfrm>
+              <a:off x="13253623" y="31420641"/>
+              <a:ext cx="0" cy="182693"/>
+            </a:xfrm>
+            <a:prstGeom prst="straightConnector1">
+              <a:avLst/>
+            </a:prstGeom>
+            <a:noFill/>
+            <a:ln w="9525" cap="flat" cmpd="sng">
+              <a:solidFill>
+                <a:schemeClr val="dk2"/>
+              </a:solidFill>
+              <a:prstDash val="solid"/>
+              <a:round/>
+              <a:headEnd type="none" w="lg" len="lg"/>
+              <a:tailEnd type="none" w="lg" len="lg"/>
+            </a:ln>
+          </p:spPr>
+        </p:cxnSp>
+        <p:sp>
+          <p:nvSpPr>
+            <p:cNvPr id="325" name="Shape 186"/>
+            <p:cNvSpPr txBox="1"/>
+            <p:nvPr/>
+          </p:nvSpPr>
+          <p:spPr>
+            <a:xfrm>
+              <a:off x="12942846" y="31522885"/>
+              <a:ext cx="844177" cy="312827"/>
+            </a:xfrm>
+            <a:prstGeom prst="rect">
+              <a:avLst/>
+            </a:prstGeom>
+            <a:noFill/>
+            <a:ln>
+              <a:noFill/>
+            </a:ln>
+          </p:spPr>
+          <p:txBody>
+            <a:bodyPr lIns="91425" tIns="91425" rIns="91425" bIns="91425" anchor="t" anchorCtr="0">
+              <a:noAutofit/>
+            </a:bodyPr>
+            <a:lstStyle/>
+            <a:p>
+              <a:pPr lvl="0">
+                <a:spcBef>
+                  <a:spcPts val="0"/>
+                </a:spcBef>
+                <a:buNone/>
+              </a:pPr>
+              <a:r>
+                <a:rPr lang="en" sz="1800" dirty="0"/>
+                <a:t>0.2ppt</a:t>
+              </a:r>
+            </a:p>
+          </p:txBody>
+        </p:sp>
+        <p:sp>
+          <p:nvSpPr>
+            <p:cNvPr id="326" name="Shape 197"/>
+            <p:cNvSpPr/>
+            <p:nvPr/>
+          </p:nvSpPr>
+          <p:spPr>
+            <a:xfrm>
+              <a:off x="14452807" y="29770395"/>
+              <a:ext cx="190967" cy="182693"/>
+            </a:xfrm>
+            <a:prstGeom prst="rect">
+              <a:avLst/>
+            </a:prstGeom>
+            <a:solidFill>
+              <a:srgbClr val="0000FF"/>
+            </a:solidFill>
+            <a:ln w="9525" cap="flat" cmpd="sng">
+              <a:solidFill>
+                <a:schemeClr val="dk2"/>
+              </a:solidFill>
+              <a:prstDash val="solid"/>
+              <a:round/>
+              <a:headEnd type="none" w="med" len="med"/>
+              <a:tailEnd type="none" w="med" len="med"/>
+            </a:ln>
+          </p:spPr>
+          <p:txBody>
+            <a:bodyPr lIns="91425" tIns="91425" rIns="91425" bIns="91425" anchor="ctr" anchorCtr="0">
+              <a:noAutofit/>
+            </a:bodyPr>
+            <a:lstStyle/>
+            <a:p>
+              <a:pPr lvl="0">
+                <a:spcBef>
+                  <a:spcPts val="0"/>
+                </a:spcBef>
+                <a:buNone/>
+              </a:pPr>
+              <a:endParaRPr/>
+            </a:p>
+          </p:txBody>
+        </p:sp>
+        <p:sp>
+          <p:nvSpPr>
+            <p:cNvPr id="327" name="Shape 196"/>
+            <p:cNvSpPr/>
+            <p:nvPr/>
+          </p:nvSpPr>
+          <p:spPr>
+            <a:xfrm>
+              <a:off x="13208104" y="30985088"/>
+              <a:ext cx="190967" cy="182693"/>
+            </a:xfrm>
+            <a:prstGeom prst="rect">
+              <a:avLst/>
+            </a:prstGeom>
+            <a:solidFill>
+              <a:srgbClr val="0000FF"/>
+            </a:solidFill>
+            <a:ln w="9525" cap="flat" cmpd="sng">
+              <a:solidFill>
+                <a:schemeClr val="dk2"/>
+              </a:solidFill>
+              <a:prstDash val="solid"/>
+              <a:round/>
+              <a:headEnd type="none" w="med" len="med"/>
+              <a:tailEnd type="none" w="med" len="med"/>
+            </a:ln>
+          </p:spPr>
+          <p:txBody>
+            <a:bodyPr lIns="91425" tIns="91425" rIns="91425" bIns="91425" anchor="ctr" anchorCtr="0">
+              <a:noAutofit/>
+            </a:bodyPr>
+            <a:lstStyle/>
+            <a:p>
+              <a:pPr lvl="0">
+                <a:spcBef>
+                  <a:spcPts val="0"/>
+                </a:spcBef>
+                <a:buNone/>
+              </a:pPr>
+              <a:endParaRPr/>
+            </a:p>
+          </p:txBody>
+        </p:sp>
+        <p:sp>
+          <p:nvSpPr>
+            <p:cNvPr id="328" name="Shape 194"/>
+            <p:cNvSpPr/>
+            <p:nvPr/>
+          </p:nvSpPr>
+          <p:spPr>
+            <a:xfrm>
+              <a:off x="13204561" y="30985089"/>
+              <a:ext cx="190967" cy="182693"/>
+            </a:xfrm>
+            <a:prstGeom prst="triangle">
+              <a:avLst>
+                <a:gd name="adj" fmla="val 50000"/>
+              </a:avLst>
+            </a:prstGeom>
+            <a:solidFill>
+              <a:srgbClr val="FF0000"/>
+            </a:solidFill>
+            <a:ln w="9525" cap="flat" cmpd="sng">
+              <a:solidFill>
+                <a:schemeClr val="dk2"/>
+              </a:solidFill>
+              <a:prstDash val="solid"/>
+              <a:round/>
+              <a:headEnd type="none" w="med" len="med"/>
+              <a:tailEnd type="none" w="med" len="med"/>
+            </a:ln>
+          </p:spPr>
+          <p:txBody>
+            <a:bodyPr lIns="91425" tIns="91425" rIns="91425" bIns="91425" anchor="ctr" anchorCtr="0">
+              <a:noAutofit/>
+            </a:bodyPr>
+            <a:lstStyle/>
+            <a:p>
+              <a:pPr lvl="0">
+                <a:spcBef>
+                  <a:spcPts val="0"/>
+                </a:spcBef>
+                <a:buNone/>
+              </a:pPr>
+              <a:endParaRPr/>
+            </a:p>
+          </p:txBody>
+        </p:sp>
+        <p:sp>
+          <p:nvSpPr>
+            <p:cNvPr id="329" name="Shape 195"/>
+            <p:cNvSpPr/>
+            <p:nvPr/>
+          </p:nvSpPr>
+          <p:spPr>
+            <a:xfrm>
+              <a:off x="14451388" y="30985089"/>
+              <a:ext cx="190967" cy="182693"/>
+            </a:xfrm>
+            <a:prstGeom prst="triangle">
+              <a:avLst>
+                <a:gd name="adj" fmla="val 50000"/>
+              </a:avLst>
+            </a:prstGeom>
+            <a:solidFill>
+              <a:srgbClr val="FF0000"/>
+            </a:solidFill>
+            <a:ln w="9525" cap="flat" cmpd="sng">
+              <a:solidFill>
+                <a:schemeClr val="dk2"/>
+              </a:solidFill>
+              <a:prstDash val="solid"/>
+              <a:round/>
+              <a:headEnd type="none" w="med" len="med"/>
+              <a:tailEnd type="none" w="med" len="med"/>
+            </a:ln>
+          </p:spPr>
+          <p:txBody>
+            <a:bodyPr lIns="91425" tIns="91425" rIns="91425" bIns="91425" anchor="ctr" anchorCtr="0">
+              <a:noAutofit/>
+            </a:bodyPr>
+            <a:lstStyle/>
+            <a:p>
+              <a:pPr lvl="0">
+                <a:spcBef>
+                  <a:spcPts val="0"/>
+                </a:spcBef>
+                <a:buNone/>
+              </a:pPr>
+              <a:endParaRPr/>
+            </a:p>
+          </p:txBody>
+        </p:sp>
+        <p:cxnSp>
+          <p:nvCxnSpPr>
+            <p:cNvPr id="330" name="Shape 354"/>
+            <p:cNvCxnSpPr/>
+            <p:nvPr/>
+          </p:nvCxnSpPr>
+          <p:spPr>
+            <a:xfrm flipV="1">
+              <a:off x="13208104" y="29861744"/>
+              <a:ext cx="1244703" cy="1214691"/>
+            </a:xfrm>
+            <a:prstGeom prst="straightConnector1">
+              <a:avLst/>
+            </a:prstGeom>
+            <a:noFill/>
+            <a:ln w="9525" cap="flat" cmpd="sng">
+              <a:solidFill>
+                <a:schemeClr val="dk2"/>
+              </a:solidFill>
+              <a:prstDash val="solid"/>
+              <a:round/>
+              <a:headEnd type="none" w="lg" len="lg"/>
+              <a:tailEnd type="none" w="lg" len="lg"/>
+            </a:ln>
+          </p:spPr>
+        </p:cxnSp>
+        <p:cxnSp>
+          <p:nvCxnSpPr>
+            <p:cNvPr id="331" name="Shape 354"/>
+            <p:cNvCxnSpPr/>
+            <p:nvPr/>
+          </p:nvCxnSpPr>
+          <p:spPr>
+            <a:xfrm>
+              <a:off x="13347786" y="31076436"/>
+              <a:ext cx="1151344" cy="0"/>
+            </a:xfrm>
+            <a:prstGeom prst="straightConnector1">
+              <a:avLst/>
+            </a:prstGeom>
+            <a:noFill/>
+            <a:ln w="9525" cap="flat" cmpd="sng">
+              <a:solidFill>
+                <a:schemeClr val="dk2"/>
+              </a:solidFill>
+              <a:prstDash val="solid"/>
+              <a:round/>
+              <a:headEnd type="none" w="lg" len="lg"/>
+              <a:tailEnd type="none" w="lg" len="lg"/>
+            </a:ln>
+          </p:spPr>
+        </p:cxnSp>
+        <p:sp>
+          <p:nvSpPr>
+            <p:cNvPr id="332" name="Shape 197"/>
+            <p:cNvSpPr/>
+            <p:nvPr/>
+          </p:nvSpPr>
+          <p:spPr>
+            <a:xfrm>
+              <a:off x="17249975" y="27098503"/>
+              <a:ext cx="190967" cy="182693"/>
+            </a:xfrm>
+            <a:prstGeom prst="rect">
+              <a:avLst/>
+            </a:prstGeom>
+            <a:solidFill>
+              <a:srgbClr val="0000FF"/>
+            </a:solidFill>
+            <a:ln w="9525" cap="flat" cmpd="sng">
+              <a:solidFill>
+                <a:schemeClr val="dk2"/>
+              </a:solidFill>
+              <a:prstDash val="solid"/>
+              <a:round/>
+              <a:headEnd type="none" w="med" len="med"/>
+              <a:tailEnd type="none" w="med" len="med"/>
+            </a:ln>
+          </p:spPr>
+          <p:txBody>
+            <a:bodyPr lIns="91425" tIns="91425" rIns="91425" bIns="91425" anchor="ctr" anchorCtr="0">
+              <a:noAutofit/>
+            </a:bodyPr>
+            <a:lstStyle/>
+            <a:p>
+              <a:pPr lvl="0">
+                <a:spcBef>
+                  <a:spcPts val="0"/>
+                </a:spcBef>
+                <a:buNone/>
+              </a:pPr>
+              <a:endParaRPr/>
+            </a:p>
+          </p:txBody>
+        </p:sp>
+        <p:sp>
+          <p:nvSpPr>
+            <p:cNvPr id="333" name="Shape 196"/>
+            <p:cNvSpPr/>
+            <p:nvPr/>
+          </p:nvSpPr>
+          <p:spPr>
+            <a:xfrm>
+              <a:off x="16005272" y="28313196"/>
+              <a:ext cx="190967" cy="182693"/>
+            </a:xfrm>
+            <a:prstGeom prst="rect">
+              <a:avLst/>
+            </a:prstGeom>
+            <a:solidFill>
+              <a:srgbClr val="0000FF"/>
+            </a:solidFill>
+            <a:ln w="9525" cap="flat" cmpd="sng">
+              <a:solidFill>
+                <a:schemeClr val="dk2"/>
+              </a:solidFill>
+              <a:prstDash val="solid"/>
+              <a:round/>
+              <a:headEnd type="none" w="med" len="med"/>
+              <a:tailEnd type="none" w="med" len="med"/>
+            </a:ln>
+          </p:spPr>
+          <p:txBody>
+            <a:bodyPr lIns="91425" tIns="91425" rIns="91425" bIns="91425" anchor="ctr" anchorCtr="0">
+              <a:noAutofit/>
+            </a:bodyPr>
+            <a:lstStyle/>
+            <a:p>
+              <a:pPr lvl="0">
+                <a:spcBef>
+                  <a:spcPts val="0"/>
+                </a:spcBef>
+                <a:buNone/>
+              </a:pPr>
+              <a:endParaRPr/>
+            </a:p>
+          </p:txBody>
+        </p:sp>
+        <p:sp>
+          <p:nvSpPr>
+            <p:cNvPr id="334" name="Shape 194"/>
+            <p:cNvSpPr/>
+            <p:nvPr/>
+          </p:nvSpPr>
+          <p:spPr>
+            <a:xfrm>
+              <a:off x="16001729" y="28313197"/>
+              <a:ext cx="190967" cy="182693"/>
+            </a:xfrm>
+            <a:prstGeom prst="triangle">
+              <a:avLst>
+                <a:gd name="adj" fmla="val 50000"/>
+              </a:avLst>
+            </a:prstGeom>
+            <a:solidFill>
+              <a:srgbClr val="FF0000"/>
+            </a:solidFill>
+            <a:ln w="9525" cap="flat" cmpd="sng">
+              <a:solidFill>
+                <a:schemeClr val="dk2"/>
+              </a:solidFill>
+              <a:prstDash val="solid"/>
+              <a:round/>
+              <a:headEnd type="none" w="med" len="med"/>
+              <a:tailEnd type="none" w="med" len="med"/>
+            </a:ln>
+          </p:spPr>
+          <p:txBody>
+            <a:bodyPr lIns="91425" tIns="91425" rIns="91425" bIns="91425" anchor="ctr" anchorCtr="0">
+              <a:noAutofit/>
+            </a:bodyPr>
+            <a:lstStyle/>
+            <a:p>
+              <a:pPr lvl="0">
+                <a:spcBef>
+                  <a:spcPts val="0"/>
+                </a:spcBef>
+                <a:buNone/>
+              </a:pPr>
+              <a:endParaRPr/>
+            </a:p>
+          </p:txBody>
+        </p:sp>
+        <p:sp>
+          <p:nvSpPr>
+            <p:cNvPr id="335" name="Shape 195"/>
+            <p:cNvSpPr/>
+            <p:nvPr/>
+          </p:nvSpPr>
+          <p:spPr>
+            <a:xfrm>
+              <a:off x="17248556" y="28313197"/>
+              <a:ext cx="190967" cy="182693"/>
+            </a:xfrm>
+            <a:prstGeom prst="triangle">
+              <a:avLst>
+                <a:gd name="adj" fmla="val 50000"/>
+              </a:avLst>
+            </a:prstGeom>
+            <a:solidFill>
+              <a:srgbClr val="FF0000"/>
+            </a:solidFill>
+            <a:ln w="9525" cap="flat" cmpd="sng">
+              <a:solidFill>
+                <a:schemeClr val="dk2"/>
+              </a:solidFill>
+              <a:prstDash val="solid"/>
+              <a:round/>
+              <a:headEnd type="none" w="med" len="med"/>
+              <a:tailEnd type="none" w="med" len="med"/>
+            </a:ln>
+          </p:spPr>
+          <p:txBody>
+            <a:bodyPr lIns="91425" tIns="91425" rIns="91425" bIns="91425" anchor="ctr" anchorCtr="0">
+              <a:noAutofit/>
+            </a:bodyPr>
+            <a:lstStyle/>
+            <a:p>
+              <a:pPr lvl="0">
+                <a:spcBef>
+                  <a:spcPts val="0"/>
+                </a:spcBef>
+                <a:buNone/>
+              </a:pPr>
+              <a:endParaRPr/>
+            </a:p>
+          </p:txBody>
+        </p:sp>
+        <p:cxnSp>
+          <p:nvCxnSpPr>
+            <p:cNvPr id="336" name="Shape 354"/>
+            <p:cNvCxnSpPr/>
+            <p:nvPr/>
+          </p:nvCxnSpPr>
+          <p:spPr>
+            <a:xfrm flipV="1">
+              <a:off x="16005272" y="27189852"/>
+              <a:ext cx="1244703" cy="1214691"/>
+            </a:xfrm>
+            <a:prstGeom prst="straightConnector1">
+              <a:avLst/>
+            </a:prstGeom>
+            <a:noFill/>
+            <a:ln w="9525" cap="flat" cmpd="sng">
+              <a:solidFill>
+                <a:schemeClr val="dk2"/>
+              </a:solidFill>
+              <a:prstDash val="solid"/>
+              <a:round/>
+              <a:headEnd type="none" w="lg" len="lg"/>
+              <a:tailEnd type="none" w="lg" len="lg"/>
+            </a:ln>
+          </p:spPr>
+        </p:cxnSp>
+        <p:cxnSp>
+          <p:nvCxnSpPr>
+            <p:cNvPr id="337" name="Shape 354"/>
+            <p:cNvCxnSpPr/>
+            <p:nvPr/>
+          </p:nvCxnSpPr>
+          <p:spPr>
+            <a:xfrm>
+              <a:off x="16144954" y="28404544"/>
+              <a:ext cx="1151344" cy="0"/>
+            </a:xfrm>
+            <a:prstGeom prst="straightConnector1">
+              <a:avLst/>
+            </a:prstGeom>
+            <a:noFill/>
+            <a:ln w="9525" cap="flat" cmpd="sng">
+              <a:solidFill>
+                <a:schemeClr val="dk2"/>
+              </a:solidFill>
+              <a:prstDash val="solid"/>
+              <a:round/>
+              <a:headEnd type="none" w="lg" len="lg"/>
+              <a:tailEnd type="none" w="lg" len="lg"/>
+            </a:ln>
+          </p:spPr>
+        </p:cxnSp>
+        <p:sp>
+          <p:nvSpPr>
+            <p:cNvPr id="338" name="Shape 197"/>
+            <p:cNvSpPr/>
+            <p:nvPr/>
+          </p:nvSpPr>
+          <p:spPr>
+            <a:xfrm>
+              <a:off x="20096661" y="27147374"/>
+              <a:ext cx="190967" cy="182693"/>
+            </a:xfrm>
+            <a:prstGeom prst="rect">
+              <a:avLst/>
+            </a:prstGeom>
+            <a:solidFill>
+              <a:srgbClr val="0000FF"/>
+            </a:solidFill>
+            <a:ln w="9525" cap="flat" cmpd="sng">
+              <a:solidFill>
+                <a:schemeClr val="dk2"/>
+              </a:solidFill>
+              <a:prstDash val="solid"/>
+              <a:round/>
+              <a:headEnd type="none" w="med" len="med"/>
+              <a:tailEnd type="none" w="med" len="med"/>
+            </a:ln>
+          </p:spPr>
+          <p:txBody>
+            <a:bodyPr lIns="91425" tIns="91425" rIns="91425" bIns="91425" anchor="ctr" anchorCtr="0">
+              <a:noAutofit/>
+            </a:bodyPr>
+            <a:lstStyle/>
+            <a:p>
+              <a:pPr lvl="0">
+                <a:spcBef>
+                  <a:spcPts val="0"/>
+                </a:spcBef>
+                <a:buNone/>
+              </a:pPr>
+              <a:endParaRPr/>
+            </a:p>
+          </p:txBody>
+        </p:sp>
+        <p:sp>
+          <p:nvSpPr>
+            <p:cNvPr id="339" name="Shape 196"/>
+            <p:cNvSpPr/>
+            <p:nvPr/>
+          </p:nvSpPr>
+          <p:spPr>
+            <a:xfrm>
+              <a:off x="18851958" y="28362067"/>
+              <a:ext cx="190967" cy="182693"/>
+            </a:xfrm>
+            <a:prstGeom prst="rect">
+              <a:avLst/>
+            </a:prstGeom>
+            <a:solidFill>
+              <a:srgbClr val="0000FF"/>
+            </a:solidFill>
+            <a:ln w="9525" cap="flat" cmpd="sng">
+              <a:solidFill>
+                <a:schemeClr val="dk2"/>
+              </a:solidFill>
+              <a:prstDash val="solid"/>
+              <a:round/>
+              <a:headEnd type="none" w="med" len="med"/>
+              <a:tailEnd type="none" w="med" len="med"/>
+            </a:ln>
+          </p:spPr>
+          <p:txBody>
+            <a:bodyPr lIns="91425" tIns="91425" rIns="91425" bIns="91425" anchor="ctr" anchorCtr="0">
+              <a:noAutofit/>
+            </a:bodyPr>
+            <a:lstStyle/>
+            <a:p>
+              <a:pPr lvl="0">
+                <a:spcBef>
+                  <a:spcPts val="0"/>
+                </a:spcBef>
+                <a:buNone/>
+              </a:pPr>
+              <a:endParaRPr/>
+            </a:p>
+          </p:txBody>
+        </p:sp>
+        <p:sp>
+          <p:nvSpPr>
+            <p:cNvPr id="340" name="Shape 194"/>
+            <p:cNvSpPr/>
+            <p:nvPr/>
+          </p:nvSpPr>
+          <p:spPr>
+            <a:xfrm>
+              <a:off x="18848415" y="28362068"/>
+              <a:ext cx="190967" cy="182693"/>
+            </a:xfrm>
+            <a:prstGeom prst="triangle">
+              <a:avLst>
+                <a:gd name="adj" fmla="val 50000"/>
+              </a:avLst>
+            </a:prstGeom>
+            <a:solidFill>
+              <a:srgbClr val="FF0000"/>
+            </a:solidFill>
+            <a:ln w="9525" cap="flat" cmpd="sng">
+              <a:solidFill>
+                <a:schemeClr val="dk2"/>
+              </a:solidFill>
+              <a:prstDash val="solid"/>
+              <a:round/>
+              <a:headEnd type="none" w="med" len="med"/>
+              <a:tailEnd type="none" w="med" len="med"/>
+            </a:ln>
+          </p:spPr>
+          <p:txBody>
+            <a:bodyPr lIns="91425" tIns="91425" rIns="91425" bIns="91425" anchor="ctr" anchorCtr="0">
+              <a:noAutofit/>
+            </a:bodyPr>
+            <a:lstStyle/>
+            <a:p>
+              <a:pPr lvl="0">
+                <a:spcBef>
+                  <a:spcPts val="0"/>
+                </a:spcBef>
+                <a:buNone/>
+              </a:pPr>
+              <a:endParaRPr/>
+            </a:p>
+          </p:txBody>
+        </p:sp>
+        <p:sp>
+          <p:nvSpPr>
+            <p:cNvPr id="341" name="Shape 195"/>
+            <p:cNvSpPr/>
+            <p:nvPr/>
+          </p:nvSpPr>
+          <p:spPr>
+            <a:xfrm>
+              <a:off x="20095242" y="28362068"/>
+              <a:ext cx="190967" cy="182693"/>
+            </a:xfrm>
+            <a:prstGeom prst="triangle">
+              <a:avLst>
+                <a:gd name="adj" fmla="val 50000"/>
+              </a:avLst>
+            </a:prstGeom>
+            <a:solidFill>
+              <a:srgbClr val="FF0000"/>
+            </a:solidFill>
+            <a:ln w="9525" cap="flat" cmpd="sng">
+              <a:solidFill>
+                <a:schemeClr val="dk2"/>
+              </a:solidFill>
+              <a:prstDash val="solid"/>
+              <a:round/>
+              <a:headEnd type="none" w="med" len="med"/>
+              <a:tailEnd type="none" w="med" len="med"/>
+            </a:ln>
+          </p:spPr>
+          <p:txBody>
+            <a:bodyPr lIns="91425" tIns="91425" rIns="91425" bIns="91425" anchor="ctr" anchorCtr="0">
+              <a:noAutofit/>
+            </a:bodyPr>
+            <a:lstStyle/>
+            <a:p>
+              <a:pPr lvl="0">
+                <a:spcBef>
+                  <a:spcPts val="0"/>
+                </a:spcBef>
+                <a:buNone/>
+              </a:pPr>
+              <a:endParaRPr/>
+            </a:p>
+          </p:txBody>
+        </p:sp>
+        <p:cxnSp>
+          <p:nvCxnSpPr>
+            <p:cNvPr id="342" name="Shape 354"/>
+            <p:cNvCxnSpPr/>
+            <p:nvPr/>
+          </p:nvCxnSpPr>
+          <p:spPr>
+            <a:xfrm flipV="1">
+              <a:off x="18851958" y="27238723"/>
+              <a:ext cx="1244703" cy="1214691"/>
+            </a:xfrm>
+            <a:prstGeom prst="straightConnector1">
+              <a:avLst/>
+            </a:prstGeom>
+            <a:noFill/>
+            <a:ln w="9525" cap="flat" cmpd="sng">
+              <a:solidFill>
+                <a:schemeClr val="dk2"/>
+              </a:solidFill>
+              <a:prstDash val="solid"/>
+              <a:round/>
+              <a:headEnd type="none" w="lg" len="lg"/>
+              <a:tailEnd type="none" w="lg" len="lg"/>
+            </a:ln>
+          </p:spPr>
+        </p:cxnSp>
+        <p:cxnSp>
+          <p:nvCxnSpPr>
+            <p:cNvPr id="343" name="Shape 354"/>
+            <p:cNvCxnSpPr/>
+            <p:nvPr/>
+          </p:nvCxnSpPr>
+          <p:spPr>
+            <a:xfrm>
+              <a:off x="18991640" y="28453415"/>
+              <a:ext cx="1151344" cy="0"/>
+            </a:xfrm>
+            <a:prstGeom prst="straightConnector1">
+              <a:avLst/>
+            </a:prstGeom>
+            <a:noFill/>
+            <a:ln w="9525" cap="flat" cmpd="sng">
+              <a:solidFill>
+                <a:schemeClr val="dk2"/>
+              </a:solidFill>
+              <a:prstDash val="solid"/>
+              <a:round/>
+              <a:headEnd type="none" w="lg" len="lg"/>
+              <a:tailEnd type="none" w="lg" len="lg"/>
+            </a:ln>
+          </p:spPr>
+        </p:cxnSp>
+      </p:grpSp>
       <p:sp>
         <p:nvSpPr>
-          <p:cNvPr id="235" name="Shape 197"/>
+          <p:cNvPr id="460" name="TextBox 459"/>
+          <p:cNvSpPr txBox="1"/>
+          <p:nvPr/>
+        </p:nvSpPr>
+        <p:spPr>
+          <a:xfrm>
+            <a:off x="38481000" y="8676382"/>
+            <a:ext cx="1949701" cy="1077218"/>
+          </a:xfrm>
+          <a:prstGeom prst="rect">
+            <a:avLst/>
+          </a:prstGeom>
+          <a:noFill/>
+        </p:spPr>
+        <p:txBody>
+          <a:bodyPr wrap="none" rtlCol="0">
+            <a:spAutoFit/>
+          </a:bodyPr>
+          <a:lstStyle/>
+          <a:p>
+            <a:pPr algn="ctr"/>
+            <a:r>
+              <a:rPr lang="en-US" sz="3200" dirty="0" smtClean="0"/>
+              <a:t>Native </a:t>
+            </a:r>
+          </a:p>
+          <a:p>
+            <a:pPr algn="ctr"/>
+            <a:r>
+              <a:rPr lang="en-US" sz="3200" dirty="0" smtClean="0"/>
+              <a:t>Physiology</a:t>
+            </a:r>
+            <a:endParaRPr lang="en-US" sz="3200" dirty="0"/>
+          </a:p>
+        </p:txBody>
+      </p:sp>
+      <p:sp>
+        <p:nvSpPr>
+          <p:cNvPr id="465" name="Rectangle 464"/>
           <p:cNvSpPr/>
           <p:nvPr/>
         </p:nvSpPr>
         <p:spPr>
           <a:xfrm>
-            <a:off x="17570286" y="27041612"/>
-            <a:ext cx="190967" cy="182693"/>
+            <a:off x="36132682" y="26358256"/>
+            <a:ext cx="6691718" cy="861774"/>
           </a:xfrm>
           <a:prstGeom prst="rect">
             <a:avLst/>
           </a:prstGeom>
-          <a:solidFill>
-            <a:srgbClr val="0000FF"/>
-          </a:solidFill>
-          <a:ln w="9525" cap="flat" cmpd="sng">
-            <a:solidFill>
-              <a:schemeClr val="dk2"/>
-            </a:solidFill>
-            <a:prstDash val="solid"/>
-            <a:round/>
-            <a:headEnd type="none" w="med" len="med"/>
-            <a:tailEnd type="none" w="med" len="med"/>
-          </a:ln>
         </p:spPr>
         <p:txBody>
-          <a:bodyPr lIns="91425" tIns="91425" rIns="91425" bIns="91425" anchor="ctr" anchorCtr="0">
-            <a:noAutofit/>
+          <a:bodyPr wrap="square">
+            <a:spAutoFit/>
           </a:bodyPr>
           <a:lstStyle/>
           <a:p>
-            <a:pPr lvl="0">
-              <a:spcBef>
-                <a:spcPts val="0"/>
-              </a:spcBef>
-              <a:buNone/>
-            </a:pPr>
-            <a:endParaRPr/>
+            <a:pPr algn="ctr"/>
+            <a:r>
+              <a:rPr lang="en-US" sz="2500" dirty="0"/>
+              <a:t>% Complete </a:t>
+            </a:r>
+            <a:r>
+              <a:rPr lang="en-US" sz="2500" dirty="0" smtClean="0"/>
+              <a:t>BUSCO</a:t>
+            </a:r>
+            <a:endParaRPr lang="en-US" sz="2500" dirty="0"/>
+          </a:p>
+          <a:p>
+            <a:pPr algn="ctr"/>
+            <a:r>
+              <a:rPr lang="en-US" sz="2500" dirty="0" smtClean="0"/>
+              <a:t>(Benchmarking </a:t>
+            </a:r>
+            <a:r>
+              <a:rPr lang="en-US" sz="2500" dirty="0"/>
+              <a:t>Universal Single Copy </a:t>
+            </a:r>
+            <a:r>
+              <a:rPr lang="en-US" sz="2500" dirty="0" err="1" smtClean="0"/>
+              <a:t>Ortholog</a:t>
+            </a:r>
+            <a:r>
+              <a:rPr lang="en-US" sz="2500" dirty="0" smtClean="0"/>
+              <a:t>) </a:t>
+            </a:r>
+            <a:endParaRPr lang="en-US" sz="2500" dirty="0"/>
           </a:p>
         </p:txBody>
       </p:sp>
       <p:sp>
         <p:nvSpPr>
-          <p:cNvPr id="240" name="Shape 301"/>
-          <p:cNvSpPr/>
-          <p:nvPr/>
-        </p:nvSpPr>
-        <p:spPr>
-          <a:xfrm>
-            <a:off x="16692842" y="27051064"/>
-            <a:ext cx="190967" cy="182693"/>
-          </a:xfrm>
-          <a:prstGeom prst="rect">
-            <a:avLst/>
-          </a:prstGeom>
-          <a:solidFill>
-            <a:srgbClr val="0000FF"/>
-          </a:solidFill>
-          <a:ln w="9525" cap="flat" cmpd="sng">
-            <a:solidFill>
-              <a:schemeClr val="dk2"/>
-            </a:solidFill>
-            <a:prstDash val="solid"/>
-            <a:round/>
-            <a:headEnd type="none" w="med" len="med"/>
-            <a:tailEnd type="none" w="med" len="med"/>
-          </a:ln>
-        </p:spPr>
-        <p:txBody>
-          <a:bodyPr lIns="91425" tIns="91425" rIns="91425" bIns="91425" anchor="ctr" anchorCtr="0">
-            <a:noAutofit/>
-          </a:bodyPr>
-          <a:lstStyle/>
-          <a:p>
-            <a:pPr lvl="0">
-              <a:spcBef>
-                <a:spcPts val="0"/>
-              </a:spcBef>
-              <a:buNone/>
-            </a:pPr>
-            <a:endParaRPr/>
-          </a:p>
-        </p:txBody>
-      </p:sp>
-      <p:sp>
-        <p:nvSpPr>
-          <p:cNvPr id="241" name="Shape 196"/>
-          <p:cNvSpPr/>
-          <p:nvPr/>
-        </p:nvSpPr>
-        <p:spPr>
-          <a:xfrm>
-            <a:off x="15845095" y="28361961"/>
-            <a:ext cx="190967" cy="182693"/>
-          </a:xfrm>
-          <a:prstGeom prst="rect">
-            <a:avLst/>
-          </a:prstGeom>
-          <a:solidFill>
-            <a:srgbClr val="0000FF"/>
-          </a:solidFill>
-          <a:ln w="9525" cap="flat" cmpd="sng">
-            <a:solidFill>
-              <a:schemeClr val="dk2"/>
-            </a:solidFill>
-            <a:prstDash val="solid"/>
-            <a:round/>
-            <a:headEnd type="none" w="med" len="med"/>
-            <a:tailEnd type="none" w="med" len="med"/>
-          </a:ln>
-        </p:spPr>
-        <p:txBody>
-          <a:bodyPr lIns="91425" tIns="91425" rIns="91425" bIns="91425" anchor="ctr" anchorCtr="0">
-            <a:noAutofit/>
-          </a:bodyPr>
-          <a:lstStyle/>
-          <a:p>
-            <a:pPr lvl="0">
-              <a:spcBef>
-                <a:spcPts val="0"/>
-              </a:spcBef>
-              <a:buNone/>
-            </a:pPr>
-            <a:endParaRPr/>
-          </a:p>
-        </p:txBody>
-      </p:sp>
-      <p:sp>
-        <p:nvSpPr>
-          <p:cNvPr id="242" name="Shape 194"/>
-          <p:cNvSpPr/>
-          <p:nvPr/>
-        </p:nvSpPr>
-        <p:spPr>
-          <a:xfrm>
-            <a:off x="15815748" y="28356823"/>
-            <a:ext cx="190967" cy="182693"/>
-          </a:xfrm>
-          <a:prstGeom prst="triangle">
-            <a:avLst>
-              <a:gd name="adj" fmla="val 50000"/>
-            </a:avLst>
-          </a:prstGeom>
-          <a:solidFill>
-            <a:srgbClr val="FF0000"/>
-          </a:solidFill>
-          <a:ln w="9525" cap="flat" cmpd="sng">
-            <a:solidFill>
-              <a:schemeClr val="dk2"/>
-            </a:solidFill>
-            <a:prstDash val="solid"/>
-            <a:round/>
-            <a:headEnd type="none" w="med" len="med"/>
-            <a:tailEnd type="none" w="med" len="med"/>
-          </a:ln>
-        </p:spPr>
-        <p:txBody>
-          <a:bodyPr lIns="91425" tIns="91425" rIns="91425" bIns="91425" anchor="ctr" anchorCtr="0">
-            <a:noAutofit/>
-          </a:bodyPr>
-          <a:lstStyle/>
-          <a:p>
-            <a:pPr lvl="0">
-              <a:spcBef>
-                <a:spcPts val="0"/>
-              </a:spcBef>
-              <a:buNone/>
-            </a:pPr>
-            <a:endParaRPr/>
-          </a:p>
-        </p:txBody>
-      </p:sp>
-      <p:sp>
-        <p:nvSpPr>
-          <p:cNvPr id="243" name="Shape 195"/>
-          <p:cNvSpPr/>
-          <p:nvPr/>
-        </p:nvSpPr>
-        <p:spPr>
-          <a:xfrm>
-            <a:off x="17540580" y="28360884"/>
-            <a:ext cx="190967" cy="182693"/>
-          </a:xfrm>
-          <a:prstGeom prst="triangle">
-            <a:avLst>
-              <a:gd name="adj" fmla="val 50000"/>
-            </a:avLst>
-          </a:prstGeom>
-          <a:solidFill>
-            <a:srgbClr val="FF0000"/>
-          </a:solidFill>
-          <a:ln w="9525" cap="flat" cmpd="sng">
-            <a:solidFill>
-              <a:schemeClr val="dk2"/>
-            </a:solidFill>
-            <a:prstDash val="solid"/>
-            <a:round/>
-            <a:headEnd type="none" w="med" len="med"/>
-            <a:tailEnd type="none" w="med" len="med"/>
-          </a:ln>
-        </p:spPr>
-        <p:txBody>
-          <a:bodyPr lIns="91425" tIns="91425" rIns="91425" bIns="91425" anchor="ctr" anchorCtr="0">
-            <a:noAutofit/>
-          </a:bodyPr>
-          <a:lstStyle/>
-          <a:p>
-            <a:pPr lvl="0">
-              <a:spcBef>
-                <a:spcPts val="0"/>
-              </a:spcBef>
-              <a:buNone/>
-            </a:pPr>
-            <a:endParaRPr/>
-          </a:p>
-        </p:txBody>
-      </p:sp>
-      <p:sp>
-        <p:nvSpPr>
-          <p:cNvPr id="244" name="Shape 300"/>
-          <p:cNvSpPr/>
-          <p:nvPr/>
-        </p:nvSpPr>
-        <p:spPr>
-          <a:xfrm>
-            <a:off x="16691587" y="28361428"/>
-            <a:ext cx="190967" cy="182693"/>
-          </a:xfrm>
-          <a:prstGeom prst="triangle">
-            <a:avLst>
-              <a:gd name="adj" fmla="val 50000"/>
-            </a:avLst>
-          </a:prstGeom>
-          <a:solidFill>
-            <a:srgbClr val="FF0000"/>
-          </a:solidFill>
-          <a:ln w="9525" cap="flat" cmpd="sng">
-            <a:solidFill>
-              <a:schemeClr val="dk2"/>
-            </a:solidFill>
-            <a:prstDash val="solid"/>
-            <a:round/>
-            <a:headEnd type="none" w="med" len="med"/>
-            <a:tailEnd type="none" w="med" len="med"/>
-          </a:ln>
-        </p:spPr>
-        <p:txBody>
-          <a:bodyPr lIns="91425" tIns="91425" rIns="91425" bIns="91425" anchor="ctr" anchorCtr="0">
-            <a:noAutofit/>
-          </a:bodyPr>
-          <a:lstStyle/>
-          <a:p>
-            <a:pPr lvl="0">
-              <a:spcBef>
-                <a:spcPts val="0"/>
-              </a:spcBef>
-              <a:buNone/>
-            </a:pPr>
-            <a:endParaRPr/>
-          </a:p>
-        </p:txBody>
-      </p:sp>
-      <p:cxnSp>
-        <p:nvCxnSpPr>
-          <p:cNvPr id="245" name="Shape 354"/>
-          <p:cNvCxnSpPr/>
-          <p:nvPr/>
-        </p:nvCxnSpPr>
-        <p:spPr>
-          <a:xfrm flipV="1">
-            <a:off x="15958973" y="27164274"/>
-            <a:ext cx="734044" cy="1283896"/>
-          </a:xfrm>
-          <a:prstGeom prst="straightConnector1">
-            <a:avLst/>
-          </a:prstGeom>
-          <a:noFill/>
-          <a:ln w="9525" cap="flat" cmpd="sng">
-            <a:solidFill>
-              <a:schemeClr val="dk2"/>
-            </a:solidFill>
-            <a:prstDash val="solid"/>
-            <a:round/>
-            <a:headEnd type="none" w="lg" len="lg"/>
-            <a:tailEnd type="none" w="lg" len="lg"/>
-          </a:ln>
-        </p:spPr>
-      </p:cxnSp>
-      <p:cxnSp>
-        <p:nvCxnSpPr>
-          <p:cNvPr id="246" name="Shape 355"/>
-          <p:cNvCxnSpPr/>
-          <p:nvPr/>
-        </p:nvCxnSpPr>
-        <p:spPr>
-          <a:xfrm flipV="1">
-            <a:off x="16883809" y="27132959"/>
-            <a:ext cx="686477" cy="9452"/>
-          </a:xfrm>
-          <a:prstGeom prst="straightConnector1">
-            <a:avLst/>
-          </a:prstGeom>
-          <a:noFill/>
-          <a:ln w="9525" cap="flat" cmpd="sng">
-            <a:solidFill>
-              <a:schemeClr val="dk2"/>
-            </a:solidFill>
-            <a:prstDash val="solid"/>
-            <a:round/>
-            <a:headEnd type="none" w="lg" len="lg"/>
-            <a:tailEnd type="none" w="lg" len="lg"/>
-          </a:ln>
-        </p:spPr>
-      </p:cxnSp>
-      <p:cxnSp>
-        <p:nvCxnSpPr>
-          <p:cNvPr id="247" name="Shape 356"/>
-          <p:cNvCxnSpPr/>
-          <p:nvPr/>
-        </p:nvCxnSpPr>
-        <p:spPr>
-          <a:xfrm>
-            <a:off x="15958973" y="28448170"/>
-            <a:ext cx="780356" cy="4605"/>
-          </a:xfrm>
-          <a:prstGeom prst="straightConnector1">
-            <a:avLst/>
-          </a:prstGeom>
-          <a:noFill/>
-          <a:ln w="9525" cap="flat" cmpd="sng">
-            <a:solidFill>
-              <a:schemeClr val="dk2"/>
-            </a:solidFill>
-            <a:prstDash val="solid"/>
-            <a:round/>
-            <a:headEnd type="none" w="lg" len="lg"/>
-            <a:tailEnd type="none" w="lg" len="lg"/>
-          </a:ln>
-        </p:spPr>
-      </p:cxnSp>
-      <p:cxnSp>
-        <p:nvCxnSpPr>
-          <p:cNvPr id="248" name="Shape 357"/>
-          <p:cNvCxnSpPr>
-            <a:endCxn id="243" idx="1"/>
-          </p:cNvCxnSpPr>
-          <p:nvPr/>
-        </p:nvCxnSpPr>
-        <p:spPr>
-          <a:xfrm flipV="1">
-            <a:off x="16834812" y="28452231"/>
-            <a:ext cx="753510" cy="544"/>
-          </a:xfrm>
-          <a:prstGeom prst="straightConnector1">
-            <a:avLst/>
-          </a:prstGeom>
-          <a:noFill/>
-          <a:ln w="9525" cap="flat" cmpd="sng">
-            <a:solidFill>
-              <a:schemeClr val="dk2"/>
-            </a:solidFill>
-            <a:prstDash val="solid"/>
-            <a:round/>
-            <a:headEnd type="none" w="lg" len="lg"/>
-            <a:tailEnd type="none" w="lg" len="lg"/>
-          </a:ln>
-        </p:spPr>
-      </p:cxnSp>
-      <p:sp>
-        <p:nvSpPr>
-          <p:cNvPr id="249" name="Shape 197"/>
-          <p:cNvSpPr/>
-          <p:nvPr/>
-        </p:nvSpPr>
-        <p:spPr>
-          <a:xfrm>
-            <a:off x="20435447" y="27079728"/>
-            <a:ext cx="190967" cy="182693"/>
-          </a:xfrm>
-          <a:prstGeom prst="rect">
-            <a:avLst/>
-          </a:prstGeom>
-          <a:solidFill>
-            <a:srgbClr val="0000FF"/>
-          </a:solidFill>
-          <a:ln w="9525" cap="flat" cmpd="sng">
-            <a:solidFill>
-              <a:schemeClr val="dk2"/>
-            </a:solidFill>
-            <a:prstDash val="solid"/>
-            <a:round/>
-            <a:headEnd type="none" w="med" len="med"/>
-            <a:tailEnd type="none" w="med" len="med"/>
-          </a:ln>
-        </p:spPr>
-        <p:txBody>
-          <a:bodyPr lIns="91425" tIns="91425" rIns="91425" bIns="91425" anchor="ctr" anchorCtr="0">
-            <a:noAutofit/>
-          </a:bodyPr>
-          <a:lstStyle/>
-          <a:p>
-            <a:pPr lvl="0">
-              <a:spcBef>
-                <a:spcPts val="0"/>
-              </a:spcBef>
-              <a:buNone/>
-            </a:pPr>
-            <a:endParaRPr/>
-          </a:p>
-        </p:txBody>
-      </p:sp>
-      <p:sp>
-        <p:nvSpPr>
-          <p:cNvPr id="250" name="Shape 301"/>
-          <p:cNvSpPr/>
-          <p:nvPr/>
-        </p:nvSpPr>
-        <p:spPr>
-          <a:xfrm>
-            <a:off x="19558003" y="27089180"/>
-            <a:ext cx="190967" cy="182693"/>
-          </a:xfrm>
-          <a:prstGeom prst="rect">
-            <a:avLst/>
-          </a:prstGeom>
-          <a:solidFill>
-            <a:srgbClr val="0000FF"/>
-          </a:solidFill>
-          <a:ln w="9525" cap="flat" cmpd="sng">
-            <a:solidFill>
-              <a:schemeClr val="dk2"/>
-            </a:solidFill>
-            <a:prstDash val="solid"/>
-            <a:round/>
-            <a:headEnd type="none" w="med" len="med"/>
-            <a:tailEnd type="none" w="med" len="med"/>
-          </a:ln>
-        </p:spPr>
-        <p:txBody>
-          <a:bodyPr lIns="91425" tIns="91425" rIns="91425" bIns="91425" anchor="ctr" anchorCtr="0">
-            <a:noAutofit/>
-          </a:bodyPr>
-          <a:lstStyle/>
-          <a:p>
-            <a:pPr lvl="0">
-              <a:spcBef>
-                <a:spcPts val="0"/>
-              </a:spcBef>
-              <a:buNone/>
-            </a:pPr>
-            <a:endParaRPr/>
-          </a:p>
-        </p:txBody>
-      </p:sp>
-      <p:sp>
-        <p:nvSpPr>
-          <p:cNvPr id="251" name="Shape 196"/>
-          <p:cNvSpPr/>
-          <p:nvPr/>
-        </p:nvSpPr>
-        <p:spPr>
-          <a:xfrm>
-            <a:off x="18710256" y="28400077"/>
-            <a:ext cx="190967" cy="182693"/>
-          </a:xfrm>
-          <a:prstGeom prst="rect">
-            <a:avLst/>
-          </a:prstGeom>
-          <a:solidFill>
-            <a:srgbClr val="0000FF"/>
-          </a:solidFill>
-          <a:ln w="9525" cap="flat" cmpd="sng">
-            <a:solidFill>
-              <a:schemeClr val="dk2"/>
-            </a:solidFill>
-            <a:prstDash val="solid"/>
-            <a:round/>
-            <a:headEnd type="none" w="med" len="med"/>
-            <a:tailEnd type="none" w="med" len="med"/>
-          </a:ln>
-        </p:spPr>
-        <p:txBody>
-          <a:bodyPr lIns="91425" tIns="91425" rIns="91425" bIns="91425" anchor="ctr" anchorCtr="0">
-            <a:noAutofit/>
-          </a:bodyPr>
-          <a:lstStyle/>
-          <a:p>
-            <a:pPr lvl="0">
-              <a:spcBef>
-                <a:spcPts val="0"/>
-              </a:spcBef>
-              <a:buNone/>
-            </a:pPr>
-            <a:endParaRPr/>
-          </a:p>
-        </p:txBody>
-      </p:sp>
-      <p:sp>
-        <p:nvSpPr>
-          <p:cNvPr id="252" name="Shape 194"/>
-          <p:cNvSpPr/>
-          <p:nvPr/>
-        </p:nvSpPr>
-        <p:spPr>
-          <a:xfrm>
-            <a:off x="18680909" y="28394939"/>
-            <a:ext cx="190967" cy="182693"/>
-          </a:xfrm>
-          <a:prstGeom prst="triangle">
-            <a:avLst>
-              <a:gd name="adj" fmla="val 50000"/>
-            </a:avLst>
-          </a:prstGeom>
-          <a:solidFill>
-            <a:srgbClr val="FF0000"/>
-          </a:solidFill>
-          <a:ln w="9525" cap="flat" cmpd="sng">
-            <a:solidFill>
-              <a:schemeClr val="dk2"/>
-            </a:solidFill>
-            <a:prstDash val="solid"/>
-            <a:round/>
-            <a:headEnd type="none" w="med" len="med"/>
-            <a:tailEnd type="none" w="med" len="med"/>
-          </a:ln>
-        </p:spPr>
-        <p:txBody>
-          <a:bodyPr lIns="91425" tIns="91425" rIns="91425" bIns="91425" anchor="ctr" anchorCtr="0">
-            <a:noAutofit/>
-          </a:bodyPr>
-          <a:lstStyle/>
-          <a:p>
-            <a:pPr lvl="0">
-              <a:spcBef>
-                <a:spcPts val="0"/>
-              </a:spcBef>
-              <a:buNone/>
-            </a:pPr>
-            <a:endParaRPr/>
-          </a:p>
-        </p:txBody>
-      </p:sp>
-      <p:sp>
-        <p:nvSpPr>
-          <p:cNvPr id="255" name="Shape 195"/>
-          <p:cNvSpPr/>
-          <p:nvPr/>
-        </p:nvSpPr>
-        <p:spPr>
-          <a:xfrm>
-            <a:off x="20406932" y="28390513"/>
-            <a:ext cx="190967" cy="182693"/>
-          </a:xfrm>
-          <a:prstGeom prst="triangle">
-            <a:avLst>
-              <a:gd name="adj" fmla="val 50000"/>
-            </a:avLst>
-          </a:prstGeom>
-          <a:solidFill>
-            <a:srgbClr val="FF0000"/>
-          </a:solidFill>
-          <a:ln w="9525" cap="flat" cmpd="sng">
-            <a:solidFill>
-              <a:schemeClr val="dk2"/>
-            </a:solidFill>
-            <a:prstDash val="solid"/>
-            <a:round/>
-            <a:headEnd type="none" w="med" len="med"/>
-            <a:tailEnd type="none" w="med" len="med"/>
-          </a:ln>
-        </p:spPr>
-        <p:txBody>
-          <a:bodyPr lIns="91425" tIns="91425" rIns="91425" bIns="91425" anchor="ctr" anchorCtr="0">
-            <a:noAutofit/>
-          </a:bodyPr>
-          <a:lstStyle/>
-          <a:p>
-            <a:pPr lvl="0">
-              <a:spcBef>
-                <a:spcPts val="0"/>
-              </a:spcBef>
-              <a:buNone/>
-            </a:pPr>
-            <a:endParaRPr/>
-          </a:p>
-        </p:txBody>
-      </p:sp>
-      <p:sp>
-        <p:nvSpPr>
-          <p:cNvPr id="256" name="Shape 300"/>
-          <p:cNvSpPr/>
-          <p:nvPr/>
-        </p:nvSpPr>
-        <p:spPr>
-          <a:xfrm>
-            <a:off x="19556748" y="28399544"/>
-            <a:ext cx="190967" cy="182693"/>
-          </a:xfrm>
-          <a:prstGeom prst="triangle">
-            <a:avLst>
-              <a:gd name="adj" fmla="val 50000"/>
-            </a:avLst>
-          </a:prstGeom>
-          <a:solidFill>
-            <a:srgbClr val="FF0000"/>
-          </a:solidFill>
-          <a:ln w="9525" cap="flat" cmpd="sng">
-            <a:solidFill>
-              <a:schemeClr val="dk2"/>
-            </a:solidFill>
-            <a:prstDash val="solid"/>
-            <a:round/>
-            <a:headEnd type="none" w="med" len="med"/>
-            <a:tailEnd type="none" w="med" len="med"/>
-          </a:ln>
-        </p:spPr>
-        <p:txBody>
-          <a:bodyPr lIns="91425" tIns="91425" rIns="91425" bIns="91425" anchor="ctr" anchorCtr="0">
-            <a:noAutofit/>
-          </a:bodyPr>
-          <a:lstStyle/>
-          <a:p>
-            <a:pPr lvl="0">
-              <a:spcBef>
-                <a:spcPts val="0"/>
-              </a:spcBef>
-              <a:buNone/>
-            </a:pPr>
-            <a:endParaRPr/>
-          </a:p>
-        </p:txBody>
-      </p:sp>
-      <p:cxnSp>
-        <p:nvCxnSpPr>
-          <p:cNvPr id="257" name="Shape 354"/>
-          <p:cNvCxnSpPr/>
-          <p:nvPr/>
-        </p:nvCxnSpPr>
-        <p:spPr>
-          <a:xfrm flipV="1">
-            <a:off x="18824134" y="27202390"/>
-            <a:ext cx="734044" cy="1283896"/>
-          </a:xfrm>
-          <a:prstGeom prst="straightConnector1">
-            <a:avLst/>
-          </a:prstGeom>
-          <a:noFill/>
-          <a:ln w="9525" cap="flat" cmpd="sng">
-            <a:solidFill>
-              <a:schemeClr val="dk2"/>
-            </a:solidFill>
-            <a:prstDash val="solid"/>
-            <a:round/>
-            <a:headEnd type="none" w="lg" len="lg"/>
-            <a:tailEnd type="none" w="lg" len="lg"/>
-          </a:ln>
-        </p:spPr>
-      </p:cxnSp>
-      <p:cxnSp>
-        <p:nvCxnSpPr>
-          <p:cNvPr id="263" name="Shape 355"/>
-          <p:cNvCxnSpPr/>
-          <p:nvPr/>
-        </p:nvCxnSpPr>
-        <p:spPr>
-          <a:xfrm flipV="1">
-            <a:off x="19748970" y="27171075"/>
-            <a:ext cx="686477" cy="9452"/>
-          </a:xfrm>
-          <a:prstGeom prst="straightConnector1">
-            <a:avLst/>
-          </a:prstGeom>
-          <a:noFill/>
-          <a:ln w="9525" cap="flat" cmpd="sng">
-            <a:solidFill>
-              <a:schemeClr val="dk2"/>
-            </a:solidFill>
-            <a:prstDash val="solid"/>
-            <a:round/>
-            <a:headEnd type="none" w="lg" len="lg"/>
-            <a:tailEnd type="none" w="lg" len="lg"/>
-          </a:ln>
-        </p:spPr>
-      </p:cxnSp>
-      <p:cxnSp>
-        <p:nvCxnSpPr>
-          <p:cNvPr id="264" name="Shape 356"/>
-          <p:cNvCxnSpPr/>
-          <p:nvPr/>
-        </p:nvCxnSpPr>
-        <p:spPr>
-          <a:xfrm>
-            <a:off x="18824134" y="28486286"/>
-            <a:ext cx="780356" cy="4605"/>
-          </a:xfrm>
-          <a:prstGeom prst="straightConnector1">
-            <a:avLst/>
-          </a:prstGeom>
-          <a:noFill/>
-          <a:ln w="9525" cap="flat" cmpd="sng">
-            <a:solidFill>
-              <a:schemeClr val="dk2"/>
-            </a:solidFill>
-            <a:prstDash val="solid"/>
-            <a:round/>
-            <a:headEnd type="none" w="lg" len="lg"/>
-            <a:tailEnd type="none" w="lg" len="lg"/>
-          </a:ln>
-        </p:spPr>
-      </p:cxnSp>
-      <p:cxnSp>
-        <p:nvCxnSpPr>
-          <p:cNvPr id="265" name="Shape 357"/>
-          <p:cNvCxnSpPr>
-            <a:endCxn id="255" idx="1"/>
-          </p:cNvCxnSpPr>
-          <p:nvPr/>
-        </p:nvCxnSpPr>
-        <p:spPr>
-          <a:xfrm flipV="1">
-            <a:off x="19699973" y="28481860"/>
-            <a:ext cx="754701" cy="9031"/>
-          </a:xfrm>
-          <a:prstGeom prst="straightConnector1">
-            <a:avLst/>
-          </a:prstGeom>
-          <a:noFill/>
-          <a:ln w="9525" cap="flat" cmpd="sng">
-            <a:solidFill>
-              <a:schemeClr val="dk2"/>
-            </a:solidFill>
-            <a:prstDash val="solid"/>
-            <a:round/>
-            <a:headEnd type="none" w="lg" len="lg"/>
-            <a:tailEnd type="none" w="lg" len="lg"/>
-          </a:ln>
-        </p:spPr>
-      </p:cxnSp>
-      <p:sp>
-        <p:nvSpPr>
-          <p:cNvPr id="266" name="Shape 186"/>
+          <p:cNvPr id="344" name="TextBox 343"/>
           <p:cNvSpPr txBox="1"/>
           <p:nvPr/>
         </p:nvSpPr>
         <p:spPr>
           <a:xfrm>
-            <a:off x="15578847" y="28956000"/>
-            <a:ext cx="844177" cy="312827"/>
-          </a:xfrm>
-          <a:prstGeom prst="rect">
-            <a:avLst/>
-          </a:prstGeom>
-          <a:noFill/>
-          <a:ln>
-            <a:noFill/>
-          </a:ln>
-        </p:spPr>
-        <p:txBody>
-          <a:bodyPr lIns="91425" tIns="91425" rIns="91425" bIns="91425" anchor="t" anchorCtr="0">
-            <a:noAutofit/>
-          </a:bodyPr>
-          <a:lstStyle/>
-          <a:p>
-            <a:pPr lvl="0">
-              <a:spcBef>
-                <a:spcPts val="0"/>
-              </a:spcBef>
-              <a:buNone/>
-            </a:pPr>
-            <a:r>
-              <a:rPr lang="en" sz="1800" dirty="0"/>
-              <a:t>0.2ppt</a:t>
-            </a:r>
-          </a:p>
-        </p:txBody>
-      </p:sp>
-      <p:sp>
-        <p:nvSpPr>
-          <p:cNvPr id="267" name="Shape 187"/>
-          <p:cNvSpPr txBox="1"/>
-          <p:nvPr/>
-        </p:nvSpPr>
-        <p:spPr>
-          <a:xfrm>
-            <a:off x="16602228" y="28956000"/>
-            <a:ext cx="484859" cy="312827"/>
-          </a:xfrm>
-          <a:prstGeom prst="rect">
-            <a:avLst/>
-          </a:prstGeom>
-          <a:noFill/>
-          <a:ln>
-            <a:noFill/>
-          </a:ln>
-        </p:spPr>
-        <p:txBody>
-          <a:bodyPr lIns="91425" tIns="91425" rIns="91425" bIns="91425" anchor="t" anchorCtr="0">
-            <a:noAutofit/>
-          </a:bodyPr>
-          <a:lstStyle/>
-          <a:p>
-            <a:pPr lvl="0" rtl="0">
-              <a:spcBef>
-                <a:spcPts val="0"/>
-              </a:spcBef>
-              <a:buNone/>
-            </a:pPr>
-            <a:r>
-              <a:rPr lang="en" sz="1800" dirty="0"/>
-              <a:t>TR</a:t>
-            </a:r>
-          </a:p>
-        </p:txBody>
-      </p:sp>
-      <p:sp>
-        <p:nvSpPr>
-          <p:cNvPr id="268" name="Shape 188"/>
-          <p:cNvSpPr txBox="1"/>
-          <p:nvPr/>
-        </p:nvSpPr>
-        <p:spPr>
-          <a:xfrm>
-            <a:off x="17294460" y="28956000"/>
-            <a:ext cx="841140" cy="312827"/>
-          </a:xfrm>
-          <a:prstGeom prst="rect">
-            <a:avLst/>
-          </a:prstGeom>
-          <a:noFill/>
-          <a:ln>
-            <a:noFill/>
-          </a:ln>
-        </p:spPr>
-        <p:txBody>
-          <a:bodyPr lIns="91425" tIns="91425" rIns="91425" bIns="91425" anchor="t" anchorCtr="0">
-            <a:noAutofit/>
-          </a:bodyPr>
-          <a:lstStyle/>
-          <a:p>
-            <a:pPr lvl="0" rtl="0">
-              <a:spcBef>
-                <a:spcPts val="0"/>
-              </a:spcBef>
-              <a:buNone/>
-            </a:pPr>
-            <a:r>
-              <a:rPr lang="en" sz="1800" dirty="0"/>
-              <a:t>15 ppt</a:t>
-            </a:r>
-          </a:p>
-        </p:txBody>
-      </p:sp>
-      <p:sp>
-        <p:nvSpPr>
-          <p:cNvPr id="269" name="Shape 186"/>
-          <p:cNvSpPr txBox="1"/>
-          <p:nvPr/>
-        </p:nvSpPr>
-        <p:spPr>
-          <a:xfrm>
-            <a:off x="18474447" y="28956000"/>
-            <a:ext cx="844177" cy="312827"/>
-          </a:xfrm>
-          <a:prstGeom prst="rect">
-            <a:avLst/>
-          </a:prstGeom>
-          <a:noFill/>
-          <a:ln>
-            <a:noFill/>
-          </a:ln>
-        </p:spPr>
-        <p:txBody>
-          <a:bodyPr lIns="91425" tIns="91425" rIns="91425" bIns="91425" anchor="t" anchorCtr="0">
-            <a:noAutofit/>
-          </a:bodyPr>
-          <a:lstStyle/>
-          <a:p>
-            <a:pPr lvl="0">
-              <a:spcBef>
-                <a:spcPts val="0"/>
-              </a:spcBef>
-              <a:buNone/>
-            </a:pPr>
-            <a:r>
-              <a:rPr lang="en" sz="1800" dirty="0"/>
-              <a:t>0.2ppt</a:t>
-            </a:r>
-          </a:p>
-        </p:txBody>
-      </p:sp>
-      <p:sp>
-        <p:nvSpPr>
-          <p:cNvPr id="270" name="Shape 187"/>
-          <p:cNvSpPr txBox="1"/>
-          <p:nvPr/>
-        </p:nvSpPr>
-        <p:spPr>
-          <a:xfrm>
-            <a:off x="19497828" y="28956000"/>
-            <a:ext cx="484859" cy="312827"/>
-          </a:xfrm>
-          <a:prstGeom prst="rect">
-            <a:avLst/>
-          </a:prstGeom>
-          <a:noFill/>
-          <a:ln>
-            <a:noFill/>
-          </a:ln>
-        </p:spPr>
-        <p:txBody>
-          <a:bodyPr lIns="91425" tIns="91425" rIns="91425" bIns="91425" anchor="t" anchorCtr="0">
-            <a:noAutofit/>
-          </a:bodyPr>
-          <a:lstStyle/>
-          <a:p>
-            <a:pPr lvl="0" rtl="0">
-              <a:spcBef>
-                <a:spcPts val="0"/>
-              </a:spcBef>
-              <a:buNone/>
-            </a:pPr>
-            <a:r>
-              <a:rPr lang="en" sz="1800" dirty="0"/>
-              <a:t>TR</a:t>
-            </a:r>
-          </a:p>
-        </p:txBody>
-      </p:sp>
-      <p:sp>
-        <p:nvSpPr>
-          <p:cNvPr id="271" name="Shape 188"/>
-          <p:cNvSpPr txBox="1"/>
-          <p:nvPr/>
-        </p:nvSpPr>
-        <p:spPr>
-          <a:xfrm>
-            <a:off x="20190060" y="28956000"/>
-            <a:ext cx="841140" cy="312827"/>
-          </a:xfrm>
-          <a:prstGeom prst="rect">
-            <a:avLst/>
-          </a:prstGeom>
-          <a:noFill/>
-          <a:ln>
-            <a:noFill/>
-          </a:ln>
-        </p:spPr>
-        <p:txBody>
-          <a:bodyPr lIns="91425" tIns="91425" rIns="91425" bIns="91425" anchor="t" anchorCtr="0">
-            <a:noAutofit/>
-          </a:bodyPr>
-          <a:lstStyle/>
-          <a:p>
-            <a:pPr lvl="0" rtl="0">
-              <a:spcBef>
-                <a:spcPts val="0"/>
-              </a:spcBef>
-              <a:buNone/>
-            </a:pPr>
-            <a:r>
-              <a:rPr lang="en" sz="1800" dirty="0"/>
-              <a:t>15 ppt</a:t>
-            </a:r>
-          </a:p>
-        </p:txBody>
-      </p:sp>
-      <p:sp>
-        <p:nvSpPr>
-          <p:cNvPr id="272" name="Shape 186"/>
-          <p:cNvSpPr txBox="1"/>
-          <p:nvPr/>
-        </p:nvSpPr>
-        <p:spPr>
-          <a:xfrm>
-            <a:off x="12725400" y="31623000"/>
-            <a:ext cx="844177" cy="312827"/>
-          </a:xfrm>
-          <a:prstGeom prst="rect">
-            <a:avLst/>
-          </a:prstGeom>
-          <a:noFill/>
-          <a:ln>
-            <a:noFill/>
-          </a:ln>
-        </p:spPr>
-        <p:txBody>
-          <a:bodyPr lIns="91425" tIns="91425" rIns="91425" bIns="91425" anchor="t" anchorCtr="0">
-            <a:noAutofit/>
-          </a:bodyPr>
-          <a:lstStyle/>
-          <a:p>
-            <a:pPr lvl="0">
-              <a:spcBef>
-                <a:spcPts val="0"/>
-              </a:spcBef>
-              <a:buNone/>
-            </a:pPr>
-            <a:r>
-              <a:rPr lang="en" sz="1800" dirty="0"/>
-              <a:t>0.2ppt</a:t>
-            </a:r>
-          </a:p>
-        </p:txBody>
-      </p:sp>
-      <p:sp>
-        <p:nvSpPr>
-          <p:cNvPr id="273" name="Shape 187"/>
-          <p:cNvSpPr txBox="1"/>
-          <p:nvPr/>
-        </p:nvSpPr>
-        <p:spPr>
-          <a:xfrm>
-            <a:off x="13748781" y="31623000"/>
-            <a:ext cx="484859" cy="312827"/>
-          </a:xfrm>
-          <a:prstGeom prst="rect">
-            <a:avLst/>
-          </a:prstGeom>
-          <a:noFill/>
-          <a:ln>
-            <a:noFill/>
-          </a:ln>
-        </p:spPr>
-        <p:txBody>
-          <a:bodyPr lIns="91425" tIns="91425" rIns="91425" bIns="91425" anchor="t" anchorCtr="0">
-            <a:noAutofit/>
-          </a:bodyPr>
-          <a:lstStyle/>
-          <a:p>
-            <a:pPr lvl="0" rtl="0">
-              <a:spcBef>
-                <a:spcPts val="0"/>
-              </a:spcBef>
-              <a:buNone/>
-            </a:pPr>
-            <a:r>
-              <a:rPr lang="en" sz="1800" dirty="0"/>
-              <a:t>TR</a:t>
-            </a:r>
-          </a:p>
-        </p:txBody>
-      </p:sp>
-      <p:sp>
-        <p:nvSpPr>
-          <p:cNvPr id="274" name="Shape 188"/>
-          <p:cNvSpPr txBox="1"/>
-          <p:nvPr/>
-        </p:nvSpPr>
-        <p:spPr>
-          <a:xfrm>
-            <a:off x="14441013" y="31623000"/>
-            <a:ext cx="841140" cy="312827"/>
-          </a:xfrm>
-          <a:prstGeom prst="rect">
-            <a:avLst/>
-          </a:prstGeom>
-          <a:noFill/>
-          <a:ln>
-            <a:noFill/>
-          </a:ln>
-        </p:spPr>
-        <p:txBody>
-          <a:bodyPr lIns="91425" tIns="91425" rIns="91425" bIns="91425" anchor="t" anchorCtr="0">
-            <a:noAutofit/>
-          </a:bodyPr>
-          <a:lstStyle/>
-          <a:p>
-            <a:pPr lvl="0" rtl="0">
-              <a:spcBef>
-                <a:spcPts val="0"/>
-              </a:spcBef>
-              <a:buNone/>
-            </a:pPr>
-            <a:r>
-              <a:rPr lang="en" sz="1800" dirty="0"/>
-              <a:t>15 ppt</a:t>
-            </a:r>
-          </a:p>
-        </p:txBody>
-      </p:sp>
-      <p:sp>
-        <p:nvSpPr>
-          <p:cNvPr id="275" name="Shape 186"/>
-          <p:cNvSpPr txBox="1"/>
-          <p:nvPr/>
-        </p:nvSpPr>
-        <p:spPr>
-          <a:xfrm>
-            <a:off x="15544800" y="31623000"/>
-            <a:ext cx="844177" cy="312827"/>
-          </a:xfrm>
-          <a:prstGeom prst="rect">
-            <a:avLst/>
-          </a:prstGeom>
-          <a:noFill/>
-          <a:ln>
-            <a:noFill/>
-          </a:ln>
-        </p:spPr>
-        <p:txBody>
-          <a:bodyPr lIns="91425" tIns="91425" rIns="91425" bIns="91425" anchor="t" anchorCtr="0">
-            <a:noAutofit/>
-          </a:bodyPr>
-          <a:lstStyle/>
-          <a:p>
-            <a:pPr lvl="0">
-              <a:spcBef>
-                <a:spcPts val="0"/>
-              </a:spcBef>
-              <a:buNone/>
-            </a:pPr>
-            <a:r>
-              <a:rPr lang="en" sz="1800" dirty="0"/>
-              <a:t>0.2ppt</a:t>
-            </a:r>
-          </a:p>
-        </p:txBody>
-      </p:sp>
-      <p:sp>
-        <p:nvSpPr>
-          <p:cNvPr id="276" name="Shape 187"/>
-          <p:cNvSpPr txBox="1"/>
-          <p:nvPr/>
-        </p:nvSpPr>
-        <p:spPr>
-          <a:xfrm>
-            <a:off x="16568181" y="31623000"/>
-            <a:ext cx="484859" cy="312827"/>
-          </a:xfrm>
-          <a:prstGeom prst="rect">
-            <a:avLst/>
-          </a:prstGeom>
-          <a:noFill/>
-          <a:ln>
-            <a:noFill/>
-          </a:ln>
-        </p:spPr>
-        <p:txBody>
-          <a:bodyPr lIns="91425" tIns="91425" rIns="91425" bIns="91425" anchor="t" anchorCtr="0">
-            <a:noAutofit/>
-          </a:bodyPr>
-          <a:lstStyle/>
-          <a:p>
-            <a:pPr lvl="0" rtl="0">
-              <a:spcBef>
-                <a:spcPts val="0"/>
-              </a:spcBef>
-              <a:buNone/>
-            </a:pPr>
-            <a:r>
-              <a:rPr lang="en" sz="1800" dirty="0"/>
-              <a:t>TR</a:t>
-            </a:r>
-          </a:p>
-        </p:txBody>
-      </p:sp>
-      <p:sp>
-        <p:nvSpPr>
-          <p:cNvPr id="277" name="Shape 188"/>
-          <p:cNvSpPr txBox="1"/>
-          <p:nvPr/>
-        </p:nvSpPr>
-        <p:spPr>
-          <a:xfrm>
-            <a:off x="17260413" y="31623000"/>
-            <a:ext cx="841140" cy="312827"/>
-          </a:xfrm>
-          <a:prstGeom prst="rect">
-            <a:avLst/>
-          </a:prstGeom>
-          <a:noFill/>
-          <a:ln>
-            <a:noFill/>
-          </a:ln>
-        </p:spPr>
-        <p:txBody>
-          <a:bodyPr lIns="91425" tIns="91425" rIns="91425" bIns="91425" anchor="t" anchorCtr="0">
-            <a:noAutofit/>
-          </a:bodyPr>
-          <a:lstStyle/>
-          <a:p>
-            <a:pPr lvl="0" rtl="0">
-              <a:spcBef>
-                <a:spcPts val="0"/>
-              </a:spcBef>
-              <a:buNone/>
-            </a:pPr>
-            <a:r>
-              <a:rPr lang="en" sz="1800" dirty="0"/>
-              <a:t>15 ppt</a:t>
-            </a:r>
-          </a:p>
-        </p:txBody>
-      </p:sp>
-      <p:sp>
-        <p:nvSpPr>
-          <p:cNvPr id="278" name="Shape 186"/>
-          <p:cNvSpPr txBox="1"/>
-          <p:nvPr/>
-        </p:nvSpPr>
-        <p:spPr>
-          <a:xfrm>
-            <a:off x="18440400" y="31623000"/>
-            <a:ext cx="844177" cy="312827"/>
-          </a:xfrm>
-          <a:prstGeom prst="rect">
-            <a:avLst/>
-          </a:prstGeom>
-          <a:noFill/>
-          <a:ln>
-            <a:noFill/>
-          </a:ln>
-        </p:spPr>
-        <p:txBody>
-          <a:bodyPr lIns="91425" tIns="91425" rIns="91425" bIns="91425" anchor="t" anchorCtr="0">
-            <a:noAutofit/>
-          </a:bodyPr>
-          <a:lstStyle/>
-          <a:p>
-            <a:pPr lvl="0">
-              <a:spcBef>
-                <a:spcPts val="0"/>
-              </a:spcBef>
-              <a:buNone/>
-            </a:pPr>
-            <a:r>
-              <a:rPr lang="en" sz="1800" dirty="0"/>
-              <a:t>0.2ppt</a:t>
-            </a:r>
-          </a:p>
-        </p:txBody>
-      </p:sp>
-      <p:sp>
-        <p:nvSpPr>
-          <p:cNvPr id="279" name="Shape 187"/>
-          <p:cNvSpPr txBox="1"/>
-          <p:nvPr/>
-        </p:nvSpPr>
-        <p:spPr>
-          <a:xfrm>
-            <a:off x="19463781" y="31623000"/>
-            <a:ext cx="484859" cy="312827"/>
-          </a:xfrm>
-          <a:prstGeom prst="rect">
-            <a:avLst/>
-          </a:prstGeom>
-          <a:noFill/>
-          <a:ln>
-            <a:noFill/>
-          </a:ln>
-        </p:spPr>
-        <p:txBody>
-          <a:bodyPr lIns="91425" tIns="91425" rIns="91425" bIns="91425" anchor="t" anchorCtr="0">
-            <a:noAutofit/>
-          </a:bodyPr>
-          <a:lstStyle/>
-          <a:p>
-            <a:pPr lvl="0" rtl="0">
-              <a:spcBef>
-                <a:spcPts val="0"/>
-              </a:spcBef>
-              <a:buNone/>
-            </a:pPr>
-            <a:r>
-              <a:rPr lang="en" sz="1800" dirty="0"/>
-              <a:t>TR</a:t>
-            </a:r>
-          </a:p>
-        </p:txBody>
-      </p:sp>
-      <p:sp>
-        <p:nvSpPr>
-          <p:cNvPr id="280" name="Shape 188"/>
-          <p:cNvSpPr txBox="1"/>
-          <p:nvPr/>
-        </p:nvSpPr>
-        <p:spPr>
-          <a:xfrm>
-            <a:off x="20156013" y="31623000"/>
-            <a:ext cx="841140" cy="312827"/>
-          </a:xfrm>
-          <a:prstGeom prst="rect">
-            <a:avLst/>
-          </a:prstGeom>
-          <a:noFill/>
-          <a:ln>
-            <a:noFill/>
-          </a:ln>
-        </p:spPr>
-        <p:txBody>
-          <a:bodyPr lIns="91425" tIns="91425" rIns="91425" bIns="91425" anchor="t" anchorCtr="0">
-            <a:noAutofit/>
-          </a:bodyPr>
-          <a:lstStyle/>
-          <a:p>
-            <a:pPr lvl="0" rtl="0">
-              <a:spcBef>
-                <a:spcPts val="0"/>
-              </a:spcBef>
-              <a:buNone/>
-            </a:pPr>
-            <a:r>
-              <a:rPr lang="en" sz="1800" dirty="0"/>
-              <a:t>15 ppt</a:t>
-            </a:r>
-          </a:p>
-        </p:txBody>
-      </p:sp>
-      <p:sp>
-        <p:nvSpPr>
-          <p:cNvPr id="29" name="TextBox 28"/>
-          <p:cNvSpPr txBox="1"/>
-          <p:nvPr/>
-        </p:nvSpPr>
-        <p:spPr>
-          <a:xfrm>
-            <a:off x="13776235" y="30069393"/>
-            <a:ext cx="1602213" cy="923330"/>
+            <a:off x="40261884" y="13067884"/>
+            <a:ext cx="3240696" cy="2400657"/>
           </a:xfrm>
           <a:prstGeom prst="rect">
             <a:avLst/>
@@ -19614,16 +18385,104 @@
           <a:lstStyle/>
           <a:p>
             <a:r>
-              <a:rPr lang="en-US" sz="1800" dirty="0" smtClean="0"/>
-              <a:t>Divergence is unique, </a:t>
+              <a:rPr lang="en-US" sz="2500" dirty="0" smtClean="0"/>
+              <a:t>v3.0 used </a:t>
+            </a:r>
+            <a:r>
+              <a:rPr lang="en-US" sz="2500" dirty="0"/>
+              <a:t>to evaluate the completeness of </a:t>
+            </a:r>
+            <a:r>
+              <a:rPr lang="en-US" sz="2500" dirty="0" smtClean="0"/>
+              <a:t>transcriptomes, indicated similar results </a:t>
+            </a:r>
+            <a:r>
+              <a:rPr lang="en-US" sz="2500" dirty="0"/>
+              <a:t>across </a:t>
+            </a:r>
+            <a:r>
+              <a:rPr lang="en-US" sz="2500" dirty="0" smtClean="0"/>
+              <a:t>assemblies</a:t>
+            </a:r>
+            <a:r>
+              <a:rPr lang="en-US" sz="2500" dirty="0"/>
+              <a:t>. </a:t>
             </a:r>
           </a:p>
           <a:p>
-            <a:r>
-              <a:rPr lang="en-US" sz="1800" dirty="0" smtClean="0"/>
-              <a:t>not repeated</a:t>
-            </a:r>
-            <a:endParaRPr lang="en-US" sz="1800" dirty="0"/>
+            <a:endParaRPr lang="en-US" sz="2500" dirty="0" smtClean="0"/>
+          </a:p>
+        </p:txBody>
+      </p:sp>
+      <p:sp>
+        <p:nvSpPr>
+          <p:cNvPr id="470" name="Left Brace 469"/>
+          <p:cNvSpPr/>
+          <p:nvPr/>
+        </p:nvSpPr>
+        <p:spPr>
+          <a:xfrm>
+            <a:off x="12496800" y="6792259"/>
+            <a:ext cx="407329" cy="5053656"/>
+          </a:xfrm>
+          <a:prstGeom prst="leftBrace">
+            <a:avLst/>
+          </a:prstGeom>
+        </p:spPr>
+        <p:style>
+          <a:lnRef idx="1">
+            <a:schemeClr val="accent1"/>
+          </a:lnRef>
+          <a:fillRef idx="0">
+            <a:schemeClr val="accent1"/>
+          </a:fillRef>
+          <a:effectRef idx="0">
+            <a:schemeClr val="accent1"/>
+          </a:effectRef>
+          <a:fontRef idx="minor">
+            <a:schemeClr val="tx1"/>
+          </a:fontRef>
+        </p:style>
+        <p:txBody>
+          <a:bodyPr rtlCol="0" anchor="ctr"/>
+          <a:lstStyle/>
+          <a:p>
+            <a:pPr algn="ctr"/>
+            <a:endParaRPr lang="en-US"/>
+          </a:p>
+        </p:txBody>
+      </p:sp>
+      <p:sp>
+        <p:nvSpPr>
+          <p:cNvPr id="471" name="TextBox 470"/>
+          <p:cNvSpPr txBox="1"/>
+          <p:nvPr/>
+        </p:nvSpPr>
+        <p:spPr>
+          <a:xfrm rot="16200000">
+            <a:off x="11215119" y="9130282"/>
+            <a:ext cx="2050561" cy="553998"/>
+          </a:xfrm>
+          <a:prstGeom prst="rect">
+            <a:avLst/>
+          </a:prstGeom>
+          <a:noFill/>
+        </p:spPr>
+        <p:txBody>
+          <a:bodyPr wrap="none" rtlCol="0">
+            <a:spAutoFit/>
+          </a:bodyPr>
+          <a:lstStyle/>
+          <a:p>
+            <a:r>
+              <a:rPr lang="en-US" sz="3000" dirty="0"/>
+              <a:t>x</a:t>
+            </a:r>
+            <a:r>
+              <a:rPr lang="en-US" sz="3000" dirty="0" smtClean="0"/>
+              <a:t> 16 species</a:t>
+            </a:r>
+            <a:endParaRPr lang="en-US" sz="3000" dirty="0"/>
           </a:p>
         </p:txBody>
       </p:sp>
